--- a/Presentasjoner for rapport/DCV, opening area to control signal.pptx
+++ b/Presentasjoner for rapport/DCV, opening area to control signal.pptx
@@ -198,7 +198,7 @@
           <a:p>
             <a:fld id="{3AD5DD35-7873-444F-A162-20C42412A267}" type="datetimeFigureOut">
               <a:rPr lang="nb-NO" smtClean="0"/>
-              <a:t>05.05.2025</a:t>
+              <a:t>08.05.2025</a:t>
             </a:fld>
             <a:endParaRPr lang="nb-NO"/>
           </a:p>
@@ -774,7 +774,7 @@
           <a:p>
             <a:fld id="{F9E1C1C1-CD45-423F-837F-3577C5ACD647}" type="datetimeFigureOut">
               <a:rPr lang="nb-NO" smtClean="0"/>
-              <a:t>05.05.2025</a:t>
+              <a:t>08.05.2025</a:t>
             </a:fld>
             <a:endParaRPr lang="nb-NO"/>
           </a:p>
@@ -944,7 +944,7 @@
           <a:p>
             <a:fld id="{F9E1C1C1-CD45-423F-837F-3577C5ACD647}" type="datetimeFigureOut">
               <a:rPr lang="nb-NO" smtClean="0"/>
-              <a:t>05.05.2025</a:t>
+              <a:t>08.05.2025</a:t>
             </a:fld>
             <a:endParaRPr lang="nb-NO"/>
           </a:p>
@@ -1124,7 +1124,7 @@
           <a:p>
             <a:fld id="{F9E1C1C1-CD45-423F-837F-3577C5ACD647}" type="datetimeFigureOut">
               <a:rPr lang="nb-NO" smtClean="0"/>
-              <a:t>05.05.2025</a:t>
+              <a:t>08.05.2025</a:t>
             </a:fld>
             <a:endParaRPr lang="nb-NO"/>
           </a:p>
@@ -1294,7 +1294,7 @@
           <a:p>
             <a:fld id="{F9E1C1C1-CD45-423F-837F-3577C5ACD647}" type="datetimeFigureOut">
               <a:rPr lang="nb-NO" smtClean="0"/>
-              <a:t>05.05.2025</a:t>
+              <a:t>08.05.2025</a:t>
             </a:fld>
             <a:endParaRPr lang="nb-NO"/>
           </a:p>
@@ -1540,7 +1540,7 @@
           <a:p>
             <a:fld id="{F9E1C1C1-CD45-423F-837F-3577C5ACD647}" type="datetimeFigureOut">
               <a:rPr lang="nb-NO" smtClean="0"/>
-              <a:t>05.05.2025</a:t>
+              <a:t>08.05.2025</a:t>
             </a:fld>
             <a:endParaRPr lang="nb-NO"/>
           </a:p>
@@ -1772,7 +1772,7 @@
           <a:p>
             <a:fld id="{F9E1C1C1-CD45-423F-837F-3577C5ACD647}" type="datetimeFigureOut">
               <a:rPr lang="nb-NO" smtClean="0"/>
-              <a:t>05.05.2025</a:t>
+              <a:t>08.05.2025</a:t>
             </a:fld>
             <a:endParaRPr lang="nb-NO"/>
           </a:p>
@@ -2139,7 +2139,7 @@
           <a:p>
             <a:fld id="{F9E1C1C1-CD45-423F-837F-3577C5ACD647}" type="datetimeFigureOut">
               <a:rPr lang="nb-NO" smtClean="0"/>
-              <a:t>05.05.2025</a:t>
+              <a:t>08.05.2025</a:t>
             </a:fld>
             <a:endParaRPr lang="nb-NO"/>
           </a:p>
@@ -2257,7 +2257,7 @@
           <a:p>
             <a:fld id="{F9E1C1C1-CD45-423F-837F-3577C5ACD647}" type="datetimeFigureOut">
               <a:rPr lang="nb-NO" smtClean="0"/>
-              <a:t>05.05.2025</a:t>
+              <a:t>08.05.2025</a:t>
             </a:fld>
             <a:endParaRPr lang="nb-NO"/>
           </a:p>
@@ -2352,7 +2352,7 @@
           <a:p>
             <a:fld id="{F9E1C1C1-CD45-423F-837F-3577C5ACD647}" type="datetimeFigureOut">
               <a:rPr lang="nb-NO" smtClean="0"/>
-              <a:t>05.05.2025</a:t>
+              <a:t>08.05.2025</a:t>
             </a:fld>
             <a:endParaRPr lang="nb-NO"/>
           </a:p>
@@ -2629,7 +2629,7 @@
           <a:p>
             <a:fld id="{F9E1C1C1-CD45-423F-837F-3577C5ACD647}" type="datetimeFigureOut">
               <a:rPr lang="nb-NO" smtClean="0"/>
-              <a:t>05.05.2025</a:t>
+              <a:t>08.05.2025</a:t>
             </a:fld>
             <a:endParaRPr lang="nb-NO"/>
           </a:p>
@@ -2886,7 +2886,7 @@
           <a:p>
             <a:fld id="{F9E1C1C1-CD45-423F-837F-3577C5ACD647}" type="datetimeFigureOut">
               <a:rPr lang="nb-NO" smtClean="0"/>
-              <a:t>05.05.2025</a:t>
+              <a:t>08.05.2025</a:t>
             </a:fld>
             <a:endParaRPr lang="nb-NO"/>
           </a:p>
@@ -3099,7 +3099,7 @@
           <a:p>
             <a:fld id="{F9E1C1C1-CD45-423F-837F-3577C5ACD647}" type="datetimeFigureOut">
               <a:rPr lang="nb-NO" smtClean="0"/>
-              <a:t>05.05.2025</a:t>
+              <a:t>08.05.2025</a:t>
             </a:fld>
             <a:endParaRPr lang="nb-NO"/>
           </a:p>
@@ -3525,7 +3525,7 @@
           <p:nvPr>
             <p:extLst>
               <p:ext uri="{D42A27DB-BD31-4B8C-83A1-F6EECF244321}">
-                <p14:modId xmlns:p14="http://schemas.microsoft.com/office/powerpoint/2010/main" val="110706403"/>
+                <p14:modId xmlns:p14="http://schemas.microsoft.com/office/powerpoint/2010/main" val="1017861331"/>
               </p:ext>
             </p:extLst>
           </p:nvPr>
@@ -5122,7 +5122,7 @@
                     <a:bodyPr/>
                     <a:lstStyle/>
                     <a:p>
-                      <a:endParaRPr lang="nb-NO"/>
+                      <a:endParaRPr lang="nb-NO" dirty="0"/>
                     </a:p>
                   </a:txBody>
                   <a:tcPr>
@@ -9059,618 +9059,618 @@
                     <a:bodyPr/>
                     <a:lstStyle/>
                     <a:p>
-                      <a:endParaRPr lang="nb-NO"/>
-                    </a:p>
-                  </a:txBody>
-                  <a:tcPr>
-                    <a:lnL w="12700" cap="flat" cmpd="sng" algn="ctr">
-                      <a:solidFill>
-                        <a:schemeClr val="tx1"/>
-                      </a:solidFill>
-                      <a:prstDash val="solid"/>
-                      <a:round/>
-                      <a:headEnd type="none" w="med" len="med"/>
-                      <a:tailEnd type="none" w="med" len="med"/>
-                    </a:lnL>
-                    <a:lnR w="12700" cap="flat" cmpd="sng" algn="ctr">
-                      <a:solidFill>
-                        <a:schemeClr val="tx1"/>
-                      </a:solidFill>
-                      <a:prstDash val="solid"/>
-                      <a:round/>
-                      <a:headEnd type="none" w="med" len="med"/>
-                      <a:tailEnd type="none" w="med" len="med"/>
-                    </a:lnR>
-                    <a:lnT w="12700" cap="flat" cmpd="sng" algn="ctr">
-                      <a:solidFill>
-                        <a:schemeClr val="tx1"/>
-                      </a:solidFill>
-                      <a:prstDash val="solid"/>
-                      <a:round/>
-                      <a:headEnd type="none" w="med" len="med"/>
-                      <a:tailEnd type="none" w="med" len="med"/>
-                    </a:lnT>
-                    <a:lnB w="12700" cap="flat" cmpd="sng" algn="ctr">
-                      <a:solidFill>
-                        <a:schemeClr val="tx1"/>
-                      </a:solidFill>
-                      <a:prstDash val="solid"/>
-                      <a:round/>
-                      <a:headEnd type="none" w="med" len="med"/>
-                      <a:tailEnd type="none" w="med" len="med"/>
-                    </a:lnB>
-                  </a:tcPr>
-                </a:tc>
-                <a:tc>
-                  <a:txBody>
-                    <a:bodyPr/>
-                    <a:lstStyle/>
-                    <a:p>
-                      <a:endParaRPr lang="nb-NO"/>
-                    </a:p>
-                  </a:txBody>
-                  <a:tcPr>
-                    <a:lnL w="12700" cap="flat" cmpd="sng" algn="ctr">
-                      <a:solidFill>
-                        <a:schemeClr val="tx1"/>
-                      </a:solidFill>
-                      <a:prstDash val="solid"/>
-                      <a:round/>
-                      <a:headEnd type="none" w="med" len="med"/>
-                      <a:tailEnd type="none" w="med" len="med"/>
-                    </a:lnL>
-                    <a:lnR w="12700" cap="flat" cmpd="sng" algn="ctr">
-                      <a:solidFill>
-                        <a:schemeClr val="tx1"/>
-                      </a:solidFill>
-                      <a:prstDash val="solid"/>
-                      <a:round/>
-                      <a:headEnd type="none" w="med" len="med"/>
-                      <a:tailEnd type="none" w="med" len="med"/>
-                    </a:lnR>
-                    <a:lnT w="12700" cap="flat" cmpd="sng" algn="ctr">
-                      <a:solidFill>
-                        <a:schemeClr val="tx1"/>
-                      </a:solidFill>
-                      <a:prstDash val="solid"/>
-                      <a:round/>
-                      <a:headEnd type="none" w="med" len="med"/>
-                      <a:tailEnd type="none" w="med" len="med"/>
-                    </a:lnT>
-                    <a:lnB w="12700" cap="flat" cmpd="sng" algn="ctr">
-                      <a:solidFill>
-                        <a:schemeClr val="tx1"/>
-                      </a:solidFill>
-                      <a:prstDash val="solid"/>
-                      <a:round/>
-                      <a:headEnd type="none" w="med" len="med"/>
-                      <a:tailEnd type="none" w="med" len="med"/>
-                    </a:lnB>
-                  </a:tcPr>
-                </a:tc>
-                <a:tc>
-                  <a:txBody>
-                    <a:bodyPr/>
-                    <a:lstStyle/>
-                    <a:p>
-                      <a:endParaRPr lang="nb-NO"/>
-                    </a:p>
-                  </a:txBody>
-                  <a:tcPr>
-                    <a:lnL w="12700" cap="flat" cmpd="sng" algn="ctr">
-                      <a:solidFill>
-                        <a:schemeClr val="tx1"/>
-                      </a:solidFill>
-                      <a:prstDash val="solid"/>
-                      <a:round/>
-                      <a:headEnd type="none" w="med" len="med"/>
-                      <a:tailEnd type="none" w="med" len="med"/>
-                    </a:lnL>
-                    <a:lnR w="12700" cap="flat" cmpd="sng" algn="ctr">
-                      <a:solidFill>
-                        <a:schemeClr val="tx1"/>
-                      </a:solidFill>
-                      <a:prstDash val="solid"/>
-                      <a:round/>
-                      <a:headEnd type="none" w="med" len="med"/>
-                      <a:tailEnd type="none" w="med" len="med"/>
-                    </a:lnR>
-                    <a:lnT w="12700" cap="flat" cmpd="sng" algn="ctr">
-                      <a:solidFill>
-                        <a:schemeClr val="tx1"/>
-                      </a:solidFill>
-                      <a:prstDash val="solid"/>
-                      <a:round/>
-                      <a:headEnd type="none" w="med" len="med"/>
-                      <a:tailEnd type="none" w="med" len="med"/>
-                    </a:lnT>
-                    <a:lnB w="12700" cap="flat" cmpd="sng" algn="ctr">
-                      <a:solidFill>
-                        <a:schemeClr val="tx1"/>
-                      </a:solidFill>
-                      <a:prstDash val="solid"/>
-                      <a:round/>
-                      <a:headEnd type="none" w="med" len="med"/>
-                      <a:tailEnd type="none" w="med" len="med"/>
-                    </a:lnB>
-                  </a:tcPr>
-                </a:tc>
-                <a:tc>
-                  <a:txBody>
-                    <a:bodyPr/>
-                    <a:lstStyle/>
-                    <a:p>
-                      <a:endParaRPr lang="nb-NO"/>
-                    </a:p>
-                  </a:txBody>
-                  <a:tcPr>
-                    <a:lnL w="12700" cap="flat" cmpd="sng" algn="ctr">
-                      <a:solidFill>
-                        <a:schemeClr val="tx1"/>
-                      </a:solidFill>
-                      <a:prstDash val="solid"/>
-                      <a:round/>
-                      <a:headEnd type="none" w="med" len="med"/>
-                      <a:tailEnd type="none" w="med" len="med"/>
-                    </a:lnL>
-                    <a:lnR w="12700" cap="flat" cmpd="sng" algn="ctr">
-                      <a:solidFill>
-                        <a:schemeClr val="tx1"/>
-                      </a:solidFill>
-                      <a:prstDash val="solid"/>
-                      <a:round/>
-                      <a:headEnd type="none" w="med" len="med"/>
-                      <a:tailEnd type="none" w="med" len="med"/>
-                    </a:lnR>
-                    <a:lnT w="12700" cap="flat" cmpd="sng" algn="ctr">
-                      <a:solidFill>
-                        <a:schemeClr val="tx1"/>
-                      </a:solidFill>
-                      <a:prstDash val="solid"/>
-                      <a:round/>
-                      <a:headEnd type="none" w="med" len="med"/>
-                      <a:tailEnd type="none" w="med" len="med"/>
-                    </a:lnT>
-                    <a:lnB w="12700" cap="flat" cmpd="sng" algn="ctr">
-                      <a:solidFill>
-                        <a:schemeClr val="tx1"/>
-                      </a:solidFill>
-                      <a:prstDash val="solid"/>
-                      <a:round/>
-                      <a:headEnd type="none" w="med" len="med"/>
-                      <a:tailEnd type="none" w="med" len="med"/>
-                    </a:lnB>
-                  </a:tcPr>
-                </a:tc>
-                <a:tc>
-                  <a:txBody>
-                    <a:bodyPr/>
-                    <a:lstStyle/>
-                    <a:p>
-                      <a:endParaRPr lang="nb-NO"/>
-                    </a:p>
-                  </a:txBody>
-                  <a:tcPr>
-                    <a:lnL w="12700" cap="flat" cmpd="sng" algn="ctr">
-                      <a:solidFill>
-                        <a:schemeClr val="tx1"/>
-                      </a:solidFill>
-                      <a:prstDash val="solid"/>
-                      <a:round/>
-                      <a:headEnd type="none" w="med" len="med"/>
-                      <a:tailEnd type="none" w="med" len="med"/>
-                    </a:lnL>
-                    <a:lnR w="12700" cap="flat" cmpd="sng" algn="ctr">
-                      <a:solidFill>
-                        <a:schemeClr val="tx1"/>
-                      </a:solidFill>
-                      <a:prstDash val="solid"/>
-                      <a:round/>
-                      <a:headEnd type="none" w="med" len="med"/>
-                      <a:tailEnd type="none" w="med" len="med"/>
-                    </a:lnR>
-                    <a:lnT w="12700" cap="flat" cmpd="sng" algn="ctr">
-                      <a:solidFill>
-                        <a:schemeClr val="tx1"/>
-                      </a:solidFill>
-                      <a:prstDash val="solid"/>
-                      <a:round/>
-                      <a:headEnd type="none" w="med" len="med"/>
-                      <a:tailEnd type="none" w="med" len="med"/>
-                    </a:lnT>
-                    <a:lnB w="12700" cap="flat" cmpd="sng" algn="ctr">
-                      <a:solidFill>
-                        <a:schemeClr val="tx1"/>
-                      </a:solidFill>
-                      <a:prstDash val="solid"/>
-                      <a:round/>
-                      <a:headEnd type="none" w="med" len="med"/>
-                      <a:tailEnd type="none" w="med" len="med"/>
-                    </a:lnB>
-                  </a:tcPr>
-                </a:tc>
-                <a:tc>
-                  <a:txBody>
-                    <a:bodyPr/>
-                    <a:lstStyle/>
-                    <a:p>
-                      <a:endParaRPr lang="nb-NO"/>
-                    </a:p>
-                  </a:txBody>
-                  <a:tcPr>
-                    <a:lnL w="12700" cap="flat" cmpd="sng" algn="ctr">
-                      <a:solidFill>
-                        <a:schemeClr val="tx1"/>
-                      </a:solidFill>
-                      <a:prstDash val="solid"/>
-                      <a:round/>
-                      <a:headEnd type="none" w="med" len="med"/>
-                      <a:tailEnd type="none" w="med" len="med"/>
-                    </a:lnL>
-                    <a:lnR w="12700" cap="flat" cmpd="sng" algn="ctr">
-                      <a:solidFill>
-                        <a:schemeClr val="tx1"/>
-                      </a:solidFill>
-                      <a:prstDash val="solid"/>
-                      <a:round/>
-                      <a:headEnd type="none" w="med" len="med"/>
-                      <a:tailEnd type="none" w="med" len="med"/>
-                    </a:lnR>
-                    <a:lnT w="12700" cap="flat" cmpd="sng" algn="ctr">
-                      <a:solidFill>
-                        <a:schemeClr val="tx1"/>
-                      </a:solidFill>
-                      <a:prstDash val="solid"/>
-                      <a:round/>
-                      <a:headEnd type="none" w="med" len="med"/>
-                      <a:tailEnd type="none" w="med" len="med"/>
-                    </a:lnT>
-                    <a:lnB w="12700" cap="flat" cmpd="sng" algn="ctr">
-                      <a:solidFill>
-                        <a:schemeClr val="tx1"/>
-                      </a:solidFill>
-                      <a:prstDash val="solid"/>
-                      <a:round/>
-                      <a:headEnd type="none" w="med" len="med"/>
-                      <a:tailEnd type="none" w="med" len="med"/>
-                    </a:lnB>
-                  </a:tcPr>
-                </a:tc>
-                <a:tc>
-                  <a:txBody>
-                    <a:bodyPr/>
-                    <a:lstStyle/>
-                    <a:p>
-                      <a:endParaRPr lang="nb-NO"/>
-                    </a:p>
-                  </a:txBody>
-                  <a:tcPr>
-                    <a:lnL w="12700" cap="flat" cmpd="sng" algn="ctr">
-                      <a:solidFill>
-                        <a:schemeClr val="tx1"/>
-                      </a:solidFill>
-                      <a:prstDash val="solid"/>
-                      <a:round/>
-                      <a:headEnd type="none" w="med" len="med"/>
-                      <a:tailEnd type="none" w="med" len="med"/>
-                    </a:lnL>
-                    <a:lnR w="12700" cap="flat" cmpd="sng" algn="ctr">
-                      <a:solidFill>
-                        <a:schemeClr val="tx1"/>
-                      </a:solidFill>
-                      <a:prstDash val="solid"/>
-                      <a:round/>
-                      <a:headEnd type="none" w="med" len="med"/>
-                      <a:tailEnd type="none" w="med" len="med"/>
-                    </a:lnR>
-                    <a:lnT w="12700" cap="flat" cmpd="sng" algn="ctr">
-                      <a:solidFill>
-                        <a:schemeClr val="tx1"/>
-                      </a:solidFill>
-                      <a:prstDash val="solid"/>
-                      <a:round/>
-                      <a:headEnd type="none" w="med" len="med"/>
-                      <a:tailEnd type="none" w="med" len="med"/>
-                    </a:lnT>
-                    <a:lnB w="12700" cap="flat" cmpd="sng" algn="ctr">
-                      <a:solidFill>
-                        <a:schemeClr val="tx1"/>
-                      </a:solidFill>
-                      <a:prstDash val="solid"/>
-                      <a:round/>
-                      <a:headEnd type="none" w="med" len="med"/>
-                      <a:tailEnd type="none" w="med" len="med"/>
-                    </a:lnB>
-                  </a:tcPr>
-                </a:tc>
-                <a:tc>
-                  <a:txBody>
-                    <a:bodyPr/>
-                    <a:lstStyle/>
-                    <a:p>
-                      <a:endParaRPr lang="nb-NO"/>
-                    </a:p>
-                  </a:txBody>
-                  <a:tcPr>
-                    <a:lnL w="12700" cap="flat" cmpd="sng" algn="ctr">
-                      <a:solidFill>
-                        <a:schemeClr val="tx1"/>
-                      </a:solidFill>
-                      <a:prstDash val="solid"/>
-                      <a:round/>
-                      <a:headEnd type="none" w="med" len="med"/>
-                      <a:tailEnd type="none" w="med" len="med"/>
-                    </a:lnL>
-                    <a:lnR w="12700" cap="flat" cmpd="sng" algn="ctr">
-                      <a:solidFill>
-                        <a:schemeClr val="tx1"/>
-                      </a:solidFill>
-                      <a:prstDash val="solid"/>
-                      <a:round/>
-                      <a:headEnd type="none" w="med" len="med"/>
-                      <a:tailEnd type="none" w="med" len="med"/>
-                    </a:lnR>
-                    <a:lnT w="12700" cap="flat" cmpd="sng" algn="ctr">
-                      <a:solidFill>
-                        <a:schemeClr val="tx1"/>
-                      </a:solidFill>
-                      <a:prstDash val="solid"/>
-                      <a:round/>
-                      <a:headEnd type="none" w="med" len="med"/>
-                      <a:tailEnd type="none" w="med" len="med"/>
-                    </a:lnT>
-                    <a:lnB w="12700" cap="flat" cmpd="sng" algn="ctr">
-                      <a:solidFill>
-                        <a:schemeClr val="tx1"/>
-                      </a:solidFill>
-                      <a:prstDash val="solid"/>
-                      <a:round/>
-                      <a:headEnd type="none" w="med" len="med"/>
-                      <a:tailEnd type="none" w="med" len="med"/>
-                    </a:lnB>
-                  </a:tcPr>
-                </a:tc>
-                <a:tc>
-                  <a:txBody>
-                    <a:bodyPr/>
-                    <a:lstStyle/>
-                    <a:p>
-                      <a:endParaRPr lang="nb-NO"/>
-                    </a:p>
-                  </a:txBody>
-                  <a:tcPr>
-                    <a:lnL w="12700" cap="flat" cmpd="sng" algn="ctr">
-                      <a:solidFill>
-                        <a:schemeClr val="tx1"/>
-                      </a:solidFill>
-                      <a:prstDash val="solid"/>
-                      <a:round/>
-                      <a:headEnd type="none" w="med" len="med"/>
-                      <a:tailEnd type="none" w="med" len="med"/>
-                    </a:lnL>
-                    <a:lnR w="12700" cap="flat" cmpd="sng" algn="ctr">
-                      <a:solidFill>
-                        <a:schemeClr val="tx1"/>
-                      </a:solidFill>
-                      <a:prstDash val="solid"/>
-                      <a:round/>
-                      <a:headEnd type="none" w="med" len="med"/>
-                      <a:tailEnd type="none" w="med" len="med"/>
-                    </a:lnR>
-                    <a:lnT w="12700" cap="flat" cmpd="sng" algn="ctr">
-                      <a:solidFill>
-                        <a:schemeClr val="tx1"/>
-                      </a:solidFill>
-                      <a:prstDash val="solid"/>
-                      <a:round/>
-                      <a:headEnd type="none" w="med" len="med"/>
-                      <a:tailEnd type="none" w="med" len="med"/>
-                    </a:lnT>
-                    <a:lnB w="12700" cap="flat" cmpd="sng" algn="ctr">
-                      <a:solidFill>
-                        <a:schemeClr val="tx1"/>
-                      </a:solidFill>
-                      <a:prstDash val="solid"/>
-                      <a:round/>
-                      <a:headEnd type="none" w="med" len="med"/>
-                      <a:tailEnd type="none" w="med" len="med"/>
-                    </a:lnB>
-                  </a:tcPr>
-                </a:tc>
-                <a:tc>
-                  <a:txBody>
-                    <a:bodyPr/>
-                    <a:lstStyle/>
-                    <a:p>
-                      <a:endParaRPr lang="nb-NO"/>
-                    </a:p>
-                  </a:txBody>
-                  <a:tcPr>
-                    <a:lnL w="12700" cap="flat" cmpd="sng" algn="ctr">
-                      <a:solidFill>
-                        <a:schemeClr val="tx1"/>
-                      </a:solidFill>
-                      <a:prstDash val="solid"/>
-                      <a:round/>
-                      <a:headEnd type="none" w="med" len="med"/>
-                      <a:tailEnd type="none" w="med" len="med"/>
-                    </a:lnL>
-                    <a:lnR w="12700" cap="flat" cmpd="sng" algn="ctr">
-                      <a:solidFill>
-                        <a:schemeClr val="tx1"/>
-                      </a:solidFill>
-                      <a:prstDash val="solid"/>
-                      <a:round/>
-                      <a:headEnd type="none" w="med" len="med"/>
-                      <a:tailEnd type="none" w="med" len="med"/>
-                    </a:lnR>
-                    <a:lnT w="12700" cap="flat" cmpd="sng" algn="ctr">
-                      <a:solidFill>
-                        <a:schemeClr val="tx1"/>
-                      </a:solidFill>
-                      <a:prstDash val="solid"/>
-                      <a:round/>
-                      <a:headEnd type="none" w="med" len="med"/>
-                      <a:tailEnd type="none" w="med" len="med"/>
-                    </a:lnT>
-                    <a:lnB w="12700" cap="flat" cmpd="sng" algn="ctr">
-                      <a:solidFill>
-                        <a:schemeClr val="tx1"/>
-                      </a:solidFill>
-                      <a:prstDash val="solid"/>
-                      <a:round/>
-                      <a:headEnd type="none" w="med" len="med"/>
-                      <a:tailEnd type="none" w="med" len="med"/>
-                    </a:lnB>
-                  </a:tcPr>
-                </a:tc>
-                <a:tc>
-                  <a:txBody>
-                    <a:bodyPr/>
-                    <a:lstStyle/>
-                    <a:p>
-                      <a:endParaRPr lang="nb-NO"/>
-                    </a:p>
-                  </a:txBody>
-                  <a:tcPr>
-                    <a:lnL w="12700" cap="flat" cmpd="sng" algn="ctr">
-                      <a:solidFill>
-                        <a:schemeClr val="tx1"/>
-                      </a:solidFill>
-                      <a:prstDash val="solid"/>
-                      <a:round/>
-                      <a:headEnd type="none" w="med" len="med"/>
-                      <a:tailEnd type="none" w="med" len="med"/>
-                    </a:lnL>
-                    <a:lnR w="12700" cap="flat" cmpd="sng" algn="ctr">
-                      <a:solidFill>
-                        <a:schemeClr val="tx1"/>
-                      </a:solidFill>
-                      <a:prstDash val="solid"/>
-                      <a:round/>
-                      <a:headEnd type="none" w="med" len="med"/>
-                      <a:tailEnd type="none" w="med" len="med"/>
-                    </a:lnR>
-                    <a:lnT w="12700" cap="flat" cmpd="sng" algn="ctr">
-                      <a:solidFill>
-                        <a:schemeClr val="tx1"/>
-                      </a:solidFill>
-                      <a:prstDash val="solid"/>
-                      <a:round/>
-                      <a:headEnd type="none" w="med" len="med"/>
-                      <a:tailEnd type="none" w="med" len="med"/>
-                    </a:lnT>
-                    <a:lnB w="12700" cap="flat" cmpd="sng" algn="ctr">
-                      <a:solidFill>
-                        <a:schemeClr val="tx1"/>
-                      </a:solidFill>
-                      <a:prstDash val="solid"/>
-                      <a:round/>
-                      <a:headEnd type="none" w="med" len="med"/>
-                      <a:tailEnd type="none" w="med" len="med"/>
-                    </a:lnB>
-                  </a:tcPr>
-                </a:tc>
-                <a:tc>
-                  <a:txBody>
-                    <a:bodyPr/>
-                    <a:lstStyle/>
-                    <a:p>
-                      <a:endParaRPr lang="nb-NO"/>
-                    </a:p>
-                  </a:txBody>
-                  <a:tcPr>
-                    <a:lnL w="12700" cap="flat" cmpd="sng" algn="ctr">
-                      <a:solidFill>
-                        <a:schemeClr val="tx1"/>
-                      </a:solidFill>
-                      <a:prstDash val="solid"/>
-                      <a:round/>
-                      <a:headEnd type="none" w="med" len="med"/>
-                      <a:tailEnd type="none" w="med" len="med"/>
-                    </a:lnL>
-                    <a:lnR w="12700" cap="flat" cmpd="sng" algn="ctr">
-                      <a:solidFill>
-                        <a:schemeClr val="tx1"/>
-                      </a:solidFill>
-                      <a:prstDash val="solid"/>
-                      <a:round/>
-                      <a:headEnd type="none" w="med" len="med"/>
-                      <a:tailEnd type="none" w="med" len="med"/>
-                    </a:lnR>
-                    <a:lnT w="12700" cap="flat" cmpd="sng" algn="ctr">
-                      <a:solidFill>
-                        <a:schemeClr val="tx1"/>
-                      </a:solidFill>
-                      <a:prstDash val="solid"/>
-                      <a:round/>
-                      <a:headEnd type="none" w="med" len="med"/>
-                      <a:tailEnd type="none" w="med" len="med"/>
-                    </a:lnT>
-                    <a:lnB w="12700" cap="flat" cmpd="sng" algn="ctr">
-                      <a:solidFill>
-                        <a:schemeClr val="tx1"/>
-                      </a:solidFill>
-                      <a:prstDash val="solid"/>
-                      <a:round/>
-                      <a:headEnd type="none" w="med" len="med"/>
-                      <a:tailEnd type="none" w="med" len="med"/>
-                    </a:lnB>
-                  </a:tcPr>
-                </a:tc>
-                <a:tc>
-                  <a:txBody>
-                    <a:bodyPr/>
-                    <a:lstStyle/>
-                    <a:p>
-                      <a:endParaRPr lang="nb-NO"/>
-                    </a:p>
-                  </a:txBody>
-                  <a:tcPr>
-                    <a:lnL w="12700" cap="flat" cmpd="sng" algn="ctr">
-                      <a:solidFill>
-                        <a:schemeClr val="tx1"/>
-                      </a:solidFill>
-                      <a:prstDash val="solid"/>
-                      <a:round/>
-                      <a:headEnd type="none" w="med" len="med"/>
-                      <a:tailEnd type="none" w="med" len="med"/>
-                    </a:lnL>
-                    <a:lnR w="12700" cap="flat" cmpd="sng" algn="ctr">
-                      <a:solidFill>
-                        <a:schemeClr val="tx1"/>
-                      </a:solidFill>
-                      <a:prstDash val="solid"/>
-                      <a:round/>
-                      <a:headEnd type="none" w="med" len="med"/>
-                      <a:tailEnd type="none" w="med" len="med"/>
-                    </a:lnR>
-                    <a:lnT w="12700" cap="flat" cmpd="sng" algn="ctr">
-                      <a:solidFill>
-                        <a:schemeClr val="tx1"/>
-                      </a:solidFill>
-                      <a:prstDash val="solid"/>
-                      <a:round/>
-                      <a:headEnd type="none" w="med" len="med"/>
-                      <a:tailEnd type="none" w="med" len="med"/>
-                    </a:lnT>
-                    <a:lnB w="12700" cap="flat" cmpd="sng" algn="ctr">
-                      <a:solidFill>
-                        <a:schemeClr val="tx1"/>
-                      </a:solidFill>
-                      <a:prstDash val="solid"/>
-                      <a:round/>
-                      <a:headEnd type="none" w="med" len="med"/>
-                      <a:tailEnd type="none" w="med" len="med"/>
-                    </a:lnB>
-                  </a:tcPr>
-                </a:tc>
-                <a:tc>
-                  <a:txBody>
-                    <a:bodyPr/>
-                    <a:lstStyle/>
-                    <a:p>
-                      <a:endParaRPr lang="nb-NO"/>
+                      <a:endParaRPr lang="nb-NO" dirty="0"/>
+                    </a:p>
+                  </a:txBody>
+                  <a:tcPr>
+                    <a:lnL w="12700" cap="flat" cmpd="sng" algn="ctr">
+                      <a:solidFill>
+                        <a:schemeClr val="tx1"/>
+                      </a:solidFill>
+                      <a:prstDash val="solid"/>
+                      <a:round/>
+                      <a:headEnd type="none" w="med" len="med"/>
+                      <a:tailEnd type="none" w="med" len="med"/>
+                    </a:lnL>
+                    <a:lnR w="12700" cap="flat" cmpd="sng" algn="ctr">
+                      <a:solidFill>
+                        <a:schemeClr val="tx1"/>
+                      </a:solidFill>
+                      <a:prstDash val="solid"/>
+                      <a:round/>
+                      <a:headEnd type="none" w="med" len="med"/>
+                      <a:tailEnd type="none" w="med" len="med"/>
+                    </a:lnR>
+                    <a:lnT w="12700" cap="flat" cmpd="sng" algn="ctr">
+                      <a:solidFill>
+                        <a:schemeClr val="tx1"/>
+                      </a:solidFill>
+                      <a:prstDash val="solid"/>
+                      <a:round/>
+                      <a:headEnd type="none" w="med" len="med"/>
+                      <a:tailEnd type="none" w="med" len="med"/>
+                    </a:lnT>
+                    <a:lnB w="12700" cap="flat" cmpd="sng" algn="ctr">
+                      <a:solidFill>
+                        <a:schemeClr val="tx1"/>
+                      </a:solidFill>
+                      <a:prstDash val="solid"/>
+                      <a:round/>
+                      <a:headEnd type="none" w="med" len="med"/>
+                      <a:tailEnd type="none" w="med" len="med"/>
+                    </a:lnB>
+                  </a:tcPr>
+                </a:tc>
+                <a:tc>
+                  <a:txBody>
+                    <a:bodyPr/>
+                    <a:lstStyle/>
+                    <a:p>
+                      <a:endParaRPr lang="nb-NO"/>
+                    </a:p>
+                  </a:txBody>
+                  <a:tcPr>
+                    <a:lnL w="12700" cap="flat" cmpd="sng" algn="ctr">
+                      <a:solidFill>
+                        <a:schemeClr val="tx1"/>
+                      </a:solidFill>
+                      <a:prstDash val="solid"/>
+                      <a:round/>
+                      <a:headEnd type="none" w="med" len="med"/>
+                      <a:tailEnd type="none" w="med" len="med"/>
+                    </a:lnL>
+                    <a:lnR w="12700" cap="flat" cmpd="sng" algn="ctr">
+                      <a:solidFill>
+                        <a:schemeClr val="tx1"/>
+                      </a:solidFill>
+                      <a:prstDash val="solid"/>
+                      <a:round/>
+                      <a:headEnd type="none" w="med" len="med"/>
+                      <a:tailEnd type="none" w="med" len="med"/>
+                    </a:lnR>
+                    <a:lnT w="12700" cap="flat" cmpd="sng" algn="ctr">
+                      <a:solidFill>
+                        <a:schemeClr val="tx1"/>
+                      </a:solidFill>
+                      <a:prstDash val="solid"/>
+                      <a:round/>
+                      <a:headEnd type="none" w="med" len="med"/>
+                      <a:tailEnd type="none" w="med" len="med"/>
+                    </a:lnT>
+                    <a:lnB w="12700" cap="flat" cmpd="sng" algn="ctr">
+                      <a:solidFill>
+                        <a:schemeClr val="tx1"/>
+                      </a:solidFill>
+                      <a:prstDash val="solid"/>
+                      <a:round/>
+                      <a:headEnd type="none" w="med" len="med"/>
+                      <a:tailEnd type="none" w="med" len="med"/>
+                    </a:lnB>
+                  </a:tcPr>
+                </a:tc>
+                <a:tc>
+                  <a:txBody>
+                    <a:bodyPr/>
+                    <a:lstStyle/>
+                    <a:p>
+                      <a:endParaRPr lang="nb-NO"/>
+                    </a:p>
+                  </a:txBody>
+                  <a:tcPr>
+                    <a:lnL w="12700" cap="flat" cmpd="sng" algn="ctr">
+                      <a:solidFill>
+                        <a:schemeClr val="tx1"/>
+                      </a:solidFill>
+                      <a:prstDash val="solid"/>
+                      <a:round/>
+                      <a:headEnd type="none" w="med" len="med"/>
+                      <a:tailEnd type="none" w="med" len="med"/>
+                    </a:lnL>
+                    <a:lnR w="12700" cap="flat" cmpd="sng" algn="ctr">
+                      <a:solidFill>
+                        <a:schemeClr val="tx1"/>
+                      </a:solidFill>
+                      <a:prstDash val="solid"/>
+                      <a:round/>
+                      <a:headEnd type="none" w="med" len="med"/>
+                      <a:tailEnd type="none" w="med" len="med"/>
+                    </a:lnR>
+                    <a:lnT w="12700" cap="flat" cmpd="sng" algn="ctr">
+                      <a:solidFill>
+                        <a:schemeClr val="tx1"/>
+                      </a:solidFill>
+                      <a:prstDash val="solid"/>
+                      <a:round/>
+                      <a:headEnd type="none" w="med" len="med"/>
+                      <a:tailEnd type="none" w="med" len="med"/>
+                    </a:lnT>
+                    <a:lnB w="12700" cap="flat" cmpd="sng" algn="ctr">
+                      <a:solidFill>
+                        <a:schemeClr val="tx1"/>
+                      </a:solidFill>
+                      <a:prstDash val="solid"/>
+                      <a:round/>
+                      <a:headEnd type="none" w="med" len="med"/>
+                      <a:tailEnd type="none" w="med" len="med"/>
+                    </a:lnB>
+                  </a:tcPr>
+                </a:tc>
+                <a:tc>
+                  <a:txBody>
+                    <a:bodyPr/>
+                    <a:lstStyle/>
+                    <a:p>
+                      <a:endParaRPr lang="nb-NO"/>
+                    </a:p>
+                  </a:txBody>
+                  <a:tcPr>
+                    <a:lnL w="12700" cap="flat" cmpd="sng" algn="ctr">
+                      <a:solidFill>
+                        <a:schemeClr val="tx1"/>
+                      </a:solidFill>
+                      <a:prstDash val="solid"/>
+                      <a:round/>
+                      <a:headEnd type="none" w="med" len="med"/>
+                      <a:tailEnd type="none" w="med" len="med"/>
+                    </a:lnL>
+                    <a:lnR w="12700" cap="flat" cmpd="sng" algn="ctr">
+                      <a:solidFill>
+                        <a:schemeClr val="tx1"/>
+                      </a:solidFill>
+                      <a:prstDash val="solid"/>
+                      <a:round/>
+                      <a:headEnd type="none" w="med" len="med"/>
+                      <a:tailEnd type="none" w="med" len="med"/>
+                    </a:lnR>
+                    <a:lnT w="12700" cap="flat" cmpd="sng" algn="ctr">
+                      <a:solidFill>
+                        <a:schemeClr val="tx1"/>
+                      </a:solidFill>
+                      <a:prstDash val="solid"/>
+                      <a:round/>
+                      <a:headEnd type="none" w="med" len="med"/>
+                      <a:tailEnd type="none" w="med" len="med"/>
+                    </a:lnT>
+                    <a:lnB w="12700" cap="flat" cmpd="sng" algn="ctr">
+                      <a:solidFill>
+                        <a:schemeClr val="tx1"/>
+                      </a:solidFill>
+                      <a:prstDash val="solid"/>
+                      <a:round/>
+                      <a:headEnd type="none" w="med" len="med"/>
+                      <a:tailEnd type="none" w="med" len="med"/>
+                    </a:lnB>
+                  </a:tcPr>
+                </a:tc>
+                <a:tc>
+                  <a:txBody>
+                    <a:bodyPr/>
+                    <a:lstStyle/>
+                    <a:p>
+                      <a:endParaRPr lang="nb-NO"/>
+                    </a:p>
+                  </a:txBody>
+                  <a:tcPr>
+                    <a:lnL w="12700" cap="flat" cmpd="sng" algn="ctr">
+                      <a:solidFill>
+                        <a:schemeClr val="tx1"/>
+                      </a:solidFill>
+                      <a:prstDash val="solid"/>
+                      <a:round/>
+                      <a:headEnd type="none" w="med" len="med"/>
+                      <a:tailEnd type="none" w="med" len="med"/>
+                    </a:lnL>
+                    <a:lnR w="12700" cap="flat" cmpd="sng" algn="ctr">
+                      <a:solidFill>
+                        <a:schemeClr val="tx1"/>
+                      </a:solidFill>
+                      <a:prstDash val="solid"/>
+                      <a:round/>
+                      <a:headEnd type="none" w="med" len="med"/>
+                      <a:tailEnd type="none" w="med" len="med"/>
+                    </a:lnR>
+                    <a:lnT w="12700" cap="flat" cmpd="sng" algn="ctr">
+                      <a:solidFill>
+                        <a:schemeClr val="tx1"/>
+                      </a:solidFill>
+                      <a:prstDash val="solid"/>
+                      <a:round/>
+                      <a:headEnd type="none" w="med" len="med"/>
+                      <a:tailEnd type="none" w="med" len="med"/>
+                    </a:lnT>
+                    <a:lnB w="12700" cap="flat" cmpd="sng" algn="ctr">
+                      <a:solidFill>
+                        <a:schemeClr val="tx1"/>
+                      </a:solidFill>
+                      <a:prstDash val="solid"/>
+                      <a:round/>
+                      <a:headEnd type="none" w="med" len="med"/>
+                      <a:tailEnd type="none" w="med" len="med"/>
+                    </a:lnB>
+                  </a:tcPr>
+                </a:tc>
+                <a:tc>
+                  <a:txBody>
+                    <a:bodyPr/>
+                    <a:lstStyle/>
+                    <a:p>
+                      <a:endParaRPr lang="nb-NO" dirty="0"/>
+                    </a:p>
+                  </a:txBody>
+                  <a:tcPr>
+                    <a:lnL w="12700" cap="flat" cmpd="sng" algn="ctr">
+                      <a:solidFill>
+                        <a:schemeClr val="tx1"/>
+                      </a:solidFill>
+                      <a:prstDash val="solid"/>
+                      <a:round/>
+                      <a:headEnd type="none" w="med" len="med"/>
+                      <a:tailEnd type="none" w="med" len="med"/>
+                    </a:lnL>
+                    <a:lnR w="12700" cap="flat" cmpd="sng" algn="ctr">
+                      <a:solidFill>
+                        <a:schemeClr val="tx1"/>
+                      </a:solidFill>
+                      <a:prstDash val="solid"/>
+                      <a:round/>
+                      <a:headEnd type="none" w="med" len="med"/>
+                      <a:tailEnd type="none" w="med" len="med"/>
+                    </a:lnR>
+                    <a:lnT w="12700" cap="flat" cmpd="sng" algn="ctr">
+                      <a:solidFill>
+                        <a:schemeClr val="tx1"/>
+                      </a:solidFill>
+                      <a:prstDash val="solid"/>
+                      <a:round/>
+                      <a:headEnd type="none" w="med" len="med"/>
+                      <a:tailEnd type="none" w="med" len="med"/>
+                    </a:lnT>
+                    <a:lnB w="12700" cap="flat" cmpd="sng" algn="ctr">
+                      <a:solidFill>
+                        <a:schemeClr val="tx1"/>
+                      </a:solidFill>
+                      <a:prstDash val="solid"/>
+                      <a:round/>
+                      <a:headEnd type="none" w="med" len="med"/>
+                      <a:tailEnd type="none" w="med" len="med"/>
+                    </a:lnB>
+                  </a:tcPr>
+                </a:tc>
+                <a:tc>
+                  <a:txBody>
+                    <a:bodyPr/>
+                    <a:lstStyle/>
+                    <a:p>
+                      <a:endParaRPr lang="nb-NO"/>
+                    </a:p>
+                  </a:txBody>
+                  <a:tcPr>
+                    <a:lnL w="12700" cap="flat" cmpd="sng" algn="ctr">
+                      <a:solidFill>
+                        <a:schemeClr val="tx1"/>
+                      </a:solidFill>
+                      <a:prstDash val="solid"/>
+                      <a:round/>
+                      <a:headEnd type="none" w="med" len="med"/>
+                      <a:tailEnd type="none" w="med" len="med"/>
+                    </a:lnL>
+                    <a:lnR w="12700" cap="flat" cmpd="sng" algn="ctr">
+                      <a:solidFill>
+                        <a:schemeClr val="tx1"/>
+                      </a:solidFill>
+                      <a:prstDash val="solid"/>
+                      <a:round/>
+                      <a:headEnd type="none" w="med" len="med"/>
+                      <a:tailEnd type="none" w="med" len="med"/>
+                    </a:lnR>
+                    <a:lnT w="12700" cap="flat" cmpd="sng" algn="ctr">
+                      <a:solidFill>
+                        <a:schemeClr val="tx1"/>
+                      </a:solidFill>
+                      <a:prstDash val="solid"/>
+                      <a:round/>
+                      <a:headEnd type="none" w="med" len="med"/>
+                      <a:tailEnd type="none" w="med" len="med"/>
+                    </a:lnT>
+                    <a:lnB w="12700" cap="flat" cmpd="sng" algn="ctr">
+                      <a:solidFill>
+                        <a:schemeClr val="tx1"/>
+                      </a:solidFill>
+                      <a:prstDash val="solid"/>
+                      <a:round/>
+                      <a:headEnd type="none" w="med" len="med"/>
+                      <a:tailEnd type="none" w="med" len="med"/>
+                    </a:lnB>
+                  </a:tcPr>
+                </a:tc>
+                <a:tc>
+                  <a:txBody>
+                    <a:bodyPr/>
+                    <a:lstStyle/>
+                    <a:p>
+                      <a:endParaRPr lang="nb-NO"/>
+                    </a:p>
+                  </a:txBody>
+                  <a:tcPr>
+                    <a:lnL w="12700" cap="flat" cmpd="sng" algn="ctr">
+                      <a:solidFill>
+                        <a:schemeClr val="tx1"/>
+                      </a:solidFill>
+                      <a:prstDash val="solid"/>
+                      <a:round/>
+                      <a:headEnd type="none" w="med" len="med"/>
+                      <a:tailEnd type="none" w="med" len="med"/>
+                    </a:lnL>
+                    <a:lnR w="12700" cap="flat" cmpd="sng" algn="ctr">
+                      <a:solidFill>
+                        <a:schemeClr val="tx1"/>
+                      </a:solidFill>
+                      <a:prstDash val="solid"/>
+                      <a:round/>
+                      <a:headEnd type="none" w="med" len="med"/>
+                      <a:tailEnd type="none" w="med" len="med"/>
+                    </a:lnR>
+                    <a:lnT w="12700" cap="flat" cmpd="sng" algn="ctr">
+                      <a:solidFill>
+                        <a:schemeClr val="tx1"/>
+                      </a:solidFill>
+                      <a:prstDash val="solid"/>
+                      <a:round/>
+                      <a:headEnd type="none" w="med" len="med"/>
+                      <a:tailEnd type="none" w="med" len="med"/>
+                    </a:lnT>
+                    <a:lnB w="12700" cap="flat" cmpd="sng" algn="ctr">
+                      <a:solidFill>
+                        <a:schemeClr val="tx1"/>
+                      </a:solidFill>
+                      <a:prstDash val="solid"/>
+                      <a:round/>
+                      <a:headEnd type="none" w="med" len="med"/>
+                      <a:tailEnd type="none" w="med" len="med"/>
+                    </a:lnB>
+                  </a:tcPr>
+                </a:tc>
+                <a:tc>
+                  <a:txBody>
+                    <a:bodyPr/>
+                    <a:lstStyle/>
+                    <a:p>
+                      <a:endParaRPr lang="nb-NO"/>
+                    </a:p>
+                  </a:txBody>
+                  <a:tcPr>
+                    <a:lnL w="12700" cap="flat" cmpd="sng" algn="ctr">
+                      <a:solidFill>
+                        <a:schemeClr val="tx1"/>
+                      </a:solidFill>
+                      <a:prstDash val="solid"/>
+                      <a:round/>
+                      <a:headEnd type="none" w="med" len="med"/>
+                      <a:tailEnd type="none" w="med" len="med"/>
+                    </a:lnL>
+                    <a:lnR w="12700" cap="flat" cmpd="sng" algn="ctr">
+                      <a:solidFill>
+                        <a:schemeClr val="tx1"/>
+                      </a:solidFill>
+                      <a:prstDash val="solid"/>
+                      <a:round/>
+                      <a:headEnd type="none" w="med" len="med"/>
+                      <a:tailEnd type="none" w="med" len="med"/>
+                    </a:lnR>
+                    <a:lnT w="12700" cap="flat" cmpd="sng" algn="ctr">
+                      <a:solidFill>
+                        <a:schemeClr val="tx1"/>
+                      </a:solidFill>
+                      <a:prstDash val="solid"/>
+                      <a:round/>
+                      <a:headEnd type="none" w="med" len="med"/>
+                      <a:tailEnd type="none" w="med" len="med"/>
+                    </a:lnT>
+                    <a:lnB w="12700" cap="flat" cmpd="sng" algn="ctr">
+                      <a:solidFill>
+                        <a:schemeClr val="tx1"/>
+                      </a:solidFill>
+                      <a:prstDash val="solid"/>
+                      <a:round/>
+                      <a:headEnd type="none" w="med" len="med"/>
+                      <a:tailEnd type="none" w="med" len="med"/>
+                    </a:lnB>
+                  </a:tcPr>
+                </a:tc>
+                <a:tc>
+                  <a:txBody>
+                    <a:bodyPr/>
+                    <a:lstStyle/>
+                    <a:p>
+                      <a:endParaRPr lang="nb-NO"/>
+                    </a:p>
+                  </a:txBody>
+                  <a:tcPr>
+                    <a:lnL w="12700" cap="flat" cmpd="sng" algn="ctr">
+                      <a:solidFill>
+                        <a:schemeClr val="tx1"/>
+                      </a:solidFill>
+                      <a:prstDash val="solid"/>
+                      <a:round/>
+                      <a:headEnd type="none" w="med" len="med"/>
+                      <a:tailEnd type="none" w="med" len="med"/>
+                    </a:lnL>
+                    <a:lnR w="12700" cap="flat" cmpd="sng" algn="ctr">
+                      <a:solidFill>
+                        <a:schemeClr val="tx1"/>
+                      </a:solidFill>
+                      <a:prstDash val="solid"/>
+                      <a:round/>
+                      <a:headEnd type="none" w="med" len="med"/>
+                      <a:tailEnd type="none" w="med" len="med"/>
+                    </a:lnR>
+                    <a:lnT w="12700" cap="flat" cmpd="sng" algn="ctr">
+                      <a:solidFill>
+                        <a:schemeClr val="tx1"/>
+                      </a:solidFill>
+                      <a:prstDash val="solid"/>
+                      <a:round/>
+                      <a:headEnd type="none" w="med" len="med"/>
+                      <a:tailEnd type="none" w="med" len="med"/>
+                    </a:lnT>
+                    <a:lnB w="12700" cap="flat" cmpd="sng" algn="ctr">
+                      <a:solidFill>
+                        <a:schemeClr val="tx1"/>
+                      </a:solidFill>
+                      <a:prstDash val="solid"/>
+                      <a:round/>
+                      <a:headEnd type="none" w="med" len="med"/>
+                      <a:tailEnd type="none" w="med" len="med"/>
+                    </a:lnB>
+                  </a:tcPr>
+                </a:tc>
+                <a:tc>
+                  <a:txBody>
+                    <a:bodyPr/>
+                    <a:lstStyle/>
+                    <a:p>
+                      <a:endParaRPr lang="nb-NO"/>
+                    </a:p>
+                  </a:txBody>
+                  <a:tcPr>
+                    <a:lnL w="12700" cap="flat" cmpd="sng" algn="ctr">
+                      <a:solidFill>
+                        <a:schemeClr val="tx1"/>
+                      </a:solidFill>
+                      <a:prstDash val="solid"/>
+                      <a:round/>
+                      <a:headEnd type="none" w="med" len="med"/>
+                      <a:tailEnd type="none" w="med" len="med"/>
+                    </a:lnL>
+                    <a:lnR w="12700" cap="flat" cmpd="sng" algn="ctr">
+                      <a:solidFill>
+                        <a:schemeClr val="tx1"/>
+                      </a:solidFill>
+                      <a:prstDash val="solid"/>
+                      <a:round/>
+                      <a:headEnd type="none" w="med" len="med"/>
+                      <a:tailEnd type="none" w="med" len="med"/>
+                    </a:lnR>
+                    <a:lnT w="12700" cap="flat" cmpd="sng" algn="ctr">
+                      <a:solidFill>
+                        <a:schemeClr val="tx1"/>
+                      </a:solidFill>
+                      <a:prstDash val="solid"/>
+                      <a:round/>
+                      <a:headEnd type="none" w="med" len="med"/>
+                      <a:tailEnd type="none" w="med" len="med"/>
+                    </a:lnT>
+                    <a:lnB w="12700" cap="flat" cmpd="sng" algn="ctr">
+                      <a:solidFill>
+                        <a:schemeClr val="tx1"/>
+                      </a:solidFill>
+                      <a:prstDash val="solid"/>
+                      <a:round/>
+                      <a:headEnd type="none" w="med" len="med"/>
+                      <a:tailEnd type="none" w="med" len="med"/>
+                    </a:lnB>
+                  </a:tcPr>
+                </a:tc>
+                <a:tc>
+                  <a:txBody>
+                    <a:bodyPr/>
+                    <a:lstStyle/>
+                    <a:p>
+                      <a:endParaRPr lang="nb-NO"/>
+                    </a:p>
+                  </a:txBody>
+                  <a:tcPr>
+                    <a:lnL w="12700" cap="flat" cmpd="sng" algn="ctr">
+                      <a:solidFill>
+                        <a:schemeClr val="tx1"/>
+                      </a:solidFill>
+                      <a:prstDash val="solid"/>
+                      <a:round/>
+                      <a:headEnd type="none" w="med" len="med"/>
+                      <a:tailEnd type="none" w="med" len="med"/>
+                    </a:lnL>
+                    <a:lnR w="12700" cap="flat" cmpd="sng" algn="ctr">
+                      <a:solidFill>
+                        <a:schemeClr val="tx1"/>
+                      </a:solidFill>
+                      <a:prstDash val="solid"/>
+                      <a:round/>
+                      <a:headEnd type="none" w="med" len="med"/>
+                      <a:tailEnd type="none" w="med" len="med"/>
+                    </a:lnR>
+                    <a:lnT w="12700" cap="flat" cmpd="sng" algn="ctr">
+                      <a:solidFill>
+                        <a:schemeClr val="tx1"/>
+                      </a:solidFill>
+                      <a:prstDash val="solid"/>
+                      <a:round/>
+                      <a:headEnd type="none" w="med" len="med"/>
+                      <a:tailEnd type="none" w="med" len="med"/>
+                    </a:lnT>
+                    <a:lnB w="12700" cap="flat" cmpd="sng" algn="ctr">
+                      <a:solidFill>
+                        <a:schemeClr val="tx1"/>
+                      </a:solidFill>
+                      <a:prstDash val="solid"/>
+                      <a:round/>
+                      <a:headEnd type="none" w="med" len="med"/>
+                      <a:tailEnd type="none" w="med" len="med"/>
+                    </a:lnB>
+                  </a:tcPr>
+                </a:tc>
+                <a:tc>
+                  <a:txBody>
+                    <a:bodyPr/>
+                    <a:lstStyle/>
+                    <a:p>
+                      <a:endParaRPr lang="nb-NO"/>
+                    </a:p>
+                  </a:txBody>
+                  <a:tcPr>
+                    <a:lnL w="12700" cap="flat" cmpd="sng" algn="ctr">
+                      <a:solidFill>
+                        <a:schemeClr val="tx1"/>
+                      </a:solidFill>
+                      <a:prstDash val="solid"/>
+                      <a:round/>
+                      <a:headEnd type="none" w="med" len="med"/>
+                      <a:tailEnd type="none" w="med" len="med"/>
+                    </a:lnL>
+                    <a:lnR w="12700" cap="flat" cmpd="sng" algn="ctr">
+                      <a:solidFill>
+                        <a:schemeClr val="tx1"/>
+                      </a:solidFill>
+                      <a:prstDash val="solid"/>
+                      <a:round/>
+                      <a:headEnd type="none" w="med" len="med"/>
+                      <a:tailEnd type="none" w="med" len="med"/>
+                    </a:lnR>
+                    <a:lnT w="12700" cap="flat" cmpd="sng" algn="ctr">
+                      <a:solidFill>
+                        <a:schemeClr val="tx1"/>
+                      </a:solidFill>
+                      <a:prstDash val="solid"/>
+                      <a:round/>
+                      <a:headEnd type="none" w="med" len="med"/>
+                      <a:tailEnd type="none" w="med" len="med"/>
+                    </a:lnT>
+                    <a:lnB w="12700" cap="flat" cmpd="sng" algn="ctr">
+                      <a:solidFill>
+                        <a:schemeClr val="tx1"/>
+                      </a:solidFill>
+                      <a:prstDash val="solid"/>
+                      <a:round/>
+                      <a:headEnd type="none" w="med" len="med"/>
+                      <a:tailEnd type="none" w="med" len="med"/>
+                    </a:lnB>
+                  </a:tcPr>
+                </a:tc>
+                <a:tc>
+                  <a:txBody>
+                    <a:bodyPr/>
+                    <a:lstStyle/>
+                    <a:p>
+                      <a:endParaRPr lang="nb-NO" dirty="0"/>
                     </a:p>
                   </a:txBody>
                   <a:tcPr>
@@ -10765,7 +10765,7 @@
                     <a:bodyPr/>
                     <a:lstStyle/>
                     <a:p>
-                      <a:endParaRPr lang="nb-NO"/>
+                      <a:endParaRPr lang="nb-NO" dirty="0"/>
                     </a:p>
                   </a:txBody>
                   <a:tcPr>
@@ -10904,7 +10904,7 @@
                     <a:bodyPr/>
                     <a:lstStyle/>
                     <a:p>
-                      <a:endParaRPr lang="nb-NO"/>
+                      <a:endParaRPr lang="nb-NO" dirty="0"/>
                     </a:p>
                   </a:txBody>
                   <a:tcPr>
@@ -11522,53 +11522,6 @@
                     <a:bodyPr/>
                     <a:lstStyle/>
                     <a:p>
-                      <a:endParaRPr lang="nb-NO"/>
-                    </a:p>
-                  </a:txBody>
-                  <a:tcPr>
-                    <a:lnL w="12700" cap="flat" cmpd="sng" algn="ctr">
-                      <a:solidFill>
-                        <a:schemeClr val="tx1"/>
-                      </a:solidFill>
-                      <a:prstDash val="solid"/>
-                      <a:round/>
-                      <a:headEnd type="none" w="med" len="med"/>
-                      <a:tailEnd type="none" w="med" len="med"/>
-                    </a:lnL>
-                    <a:lnR w="12700" cap="flat" cmpd="sng" algn="ctr">
-                      <a:solidFill>
-                        <a:schemeClr val="tx1"/>
-                      </a:solidFill>
-                      <a:prstDash val="solid"/>
-                      <a:round/>
-                      <a:headEnd type="none" w="med" len="med"/>
-                      <a:tailEnd type="none" w="med" len="med"/>
-                    </a:lnR>
-                    <a:lnT w="12700" cap="flat" cmpd="sng" algn="ctr">
-                      <a:solidFill>
-                        <a:schemeClr val="tx1"/>
-                      </a:solidFill>
-                      <a:prstDash val="solid"/>
-                      <a:round/>
-                      <a:headEnd type="none" w="med" len="med"/>
-                      <a:tailEnd type="none" w="med" len="med"/>
-                    </a:lnT>
-                    <a:lnB w="12700" cap="flat" cmpd="sng" algn="ctr">
-                      <a:solidFill>
-                        <a:schemeClr val="tx1"/>
-                      </a:solidFill>
-                      <a:prstDash val="solid"/>
-                      <a:round/>
-                      <a:headEnd type="none" w="med" len="med"/>
-                      <a:tailEnd type="none" w="med" len="med"/>
-                    </a:lnB>
-                  </a:tcPr>
-                </a:tc>
-                <a:tc>
-                  <a:txBody>
-                    <a:bodyPr/>
-                    <a:lstStyle/>
-                    <a:p>
                       <a:endParaRPr lang="nb-NO" dirty="0"/>
                     </a:p>
                   </a:txBody>
@@ -11592,6 +11545,53 @@
                       <a:tailEnd type="none" w="med" len="med"/>
                     </a:lnR>
                     <a:lnT w="12700" cap="flat" cmpd="sng" algn="ctr">
+                      <a:solidFill>
+                        <a:schemeClr val="tx1"/>
+                      </a:solidFill>
+                      <a:prstDash val="solid"/>
+                      <a:round/>
+                      <a:headEnd type="none" w="med" len="med"/>
+                      <a:tailEnd type="none" w="med" len="med"/>
+                    </a:lnT>
+                    <a:lnB w="12700" cap="flat" cmpd="sng" algn="ctr">
+                      <a:solidFill>
+                        <a:schemeClr val="tx1"/>
+                      </a:solidFill>
+                      <a:prstDash val="solid"/>
+                      <a:round/>
+                      <a:headEnd type="none" w="med" len="med"/>
+                      <a:tailEnd type="none" w="med" len="med"/>
+                    </a:lnB>
+                  </a:tcPr>
+                </a:tc>
+                <a:tc>
+                  <a:txBody>
+                    <a:bodyPr/>
+                    <a:lstStyle/>
+                    <a:p>
+                      <a:endParaRPr lang="nb-NO" dirty="0"/>
+                    </a:p>
+                  </a:txBody>
+                  <a:tcPr>
+                    <a:lnL w="12700" cap="flat" cmpd="sng" algn="ctr">
+                      <a:solidFill>
+                        <a:schemeClr val="tx1"/>
+                      </a:solidFill>
+                      <a:prstDash val="solid"/>
+                      <a:round/>
+                      <a:headEnd type="none" w="med" len="med"/>
+                      <a:tailEnd type="none" w="med" len="med"/>
+                    </a:lnL>
+                    <a:lnR w="12700" cap="flat" cmpd="sng" algn="ctr">
+                      <a:solidFill>
+                        <a:schemeClr val="tx1"/>
+                      </a:solidFill>
+                      <a:prstDash val="solid"/>
+                      <a:round/>
+                      <a:headEnd type="none" w="med" len="med"/>
+                      <a:tailEnd type="none" w="med" len="med"/>
+                    </a:lnR>
+                    <a:lnT w="12700" cap="flat" cmpd="sng" algn="ctr">
                       <a:noFill/>
                       <a:prstDash val="solid"/>
                       <a:round/>
@@ -11614,7 +11614,7 @@
                     <a:bodyPr/>
                     <a:lstStyle/>
                     <a:p>
-                      <a:endParaRPr lang="nb-NO"/>
+                      <a:endParaRPr lang="nb-NO" dirty="0"/>
                     </a:p>
                   </a:txBody>
                   <a:tcPr>
@@ -13656,336 +13656,336 @@
                     <a:bodyPr/>
                     <a:lstStyle/>
                     <a:p>
-                      <a:endParaRPr lang="nb-NO"/>
-                    </a:p>
-                  </a:txBody>
-                  <a:tcPr>
-                    <a:lnL w="12700" cap="flat" cmpd="sng" algn="ctr">
-                      <a:solidFill>
-                        <a:schemeClr val="tx1"/>
-                      </a:solidFill>
-                      <a:prstDash val="solid"/>
-                      <a:round/>
-                      <a:headEnd type="none" w="med" len="med"/>
-                      <a:tailEnd type="none" w="med" len="med"/>
-                    </a:lnL>
-                    <a:lnR w="12700" cap="flat" cmpd="sng" algn="ctr">
-                      <a:solidFill>
-                        <a:schemeClr val="tx1"/>
-                      </a:solidFill>
-                      <a:prstDash val="solid"/>
-                      <a:round/>
-                      <a:headEnd type="none" w="med" len="med"/>
-                      <a:tailEnd type="none" w="med" len="med"/>
-                    </a:lnR>
-                    <a:lnT w="12700" cap="flat" cmpd="sng" algn="ctr">
-                      <a:solidFill>
-                        <a:schemeClr val="tx1"/>
-                      </a:solidFill>
-                      <a:prstDash val="solid"/>
-                      <a:round/>
-                      <a:headEnd type="none" w="med" len="med"/>
-                      <a:tailEnd type="none" w="med" len="med"/>
-                    </a:lnT>
-                    <a:lnB w="12700" cap="flat" cmpd="sng" algn="ctr">
-                      <a:solidFill>
-                        <a:schemeClr val="tx1"/>
-                      </a:solidFill>
-                      <a:prstDash val="solid"/>
-                      <a:round/>
-                      <a:headEnd type="none" w="med" len="med"/>
-                      <a:tailEnd type="none" w="med" len="med"/>
-                    </a:lnB>
-                  </a:tcPr>
-                </a:tc>
-                <a:tc>
-                  <a:txBody>
-                    <a:bodyPr/>
-                    <a:lstStyle/>
-                    <a:p>
-                      <a:endParaRPr lang="nb-NO"/>
-                    </a:p>
-                  </a:txBody>
-                  <a:tcPr>
-                    <a:lnL w="12700" cap="flat" cmpd="sng" algn="ctr">
-                      <a:solidFill>
-                        <a:schemeClr val="tx1"/>
-                      </a:solidFill>
-                      <a:prstDash val="solid"/>
-                      <a:round/>
-                      <a:headEnd type="none" w="med" len="med"/>
-                      <a:tailEnd type="none" w="med" len="med"/>
-                    </a:lnL>
-                    <a:lnR w="12700" cap="flat" cmpd="sng" algn="ctr">
-                      <a:solidFill>
-                        <a:schemeClr val="tx1"/>
-                      </a:solidFill>
-                      <a:prstDash val="solid"/>
-                      <a:round/>
-                      <a:headEnd type="none" w="med" len="med"/>
-                      <a:tailEnd type="none" w="med" len="med"/>
-                    </a:lnR>
-                    <a:lnT w="12700" cap="flat" cmpd="sng" algn="ctr">
-                      <a:solidFill>
-                        <a:schemeClr val="tx1"/>
-                      </a:solidFill>
-                      <a:prstDash val="solid"/>
-                      <a:round/>
-                      <a:headEnd type="none" w="med" len="med"/>
-                      <a:tailEnd type="none" w="med" len="med"/>
-                    </a:lnT>
-                    <a:lnB w="12700" cap="flat" cmpd="sng" algn="ctr">
-                      <a:solidFill>
-                        <a:schemeClr val="tx1"/>
-                      </a:solidFill>
-                      <a:prstDash val="solid"/>
-                      <a:round/>
-                      <a:headEnd type="none" w="med" len="med"/>
-                      <a:tailEnd type="none" w="med" len="med"/>
-                    </a:lnB>
-                  </a:tcPr>
-                </a:tc>
-                <a:tc>
-                  <a:txBody>
-                    <a:bodyPr/>
-                    <a:lstStyle/>
-                    <a:p>
-                      <a:endParaRPr lang="nb-NO"/>
-                    </a:p>
-                  </a:txBody>
-                  <a:tcPr>
-                    <a:lnL w="12700" cap="flat" cmpd="sng" algn="ctr">
-                      <a:solidFill>
-                        <a:schemeClr val="tx1"/>
-                      </a:solidFill>
-                      <a:prstDash val="solid"/>
-                      <a:round/>
-                      <a:headEnd type="none" w="med" len="med"/>
-                      <a:tailEnd type="none" w="med" len="med"/>
-                    </a:lnL>
-                    <a:lnR w="12700" cap="flat" cmpd="sng" algn="ctr">
-                      <a:solidFill>
-                        <a:schemeClr val="tx1"/>
-                      </a:solidFill>
-                      <a:prstDash val="solid"/>
-                      <a:round/>
-                      <a:headEnd type="none" w="med" len="med"/>
-                      <a:tailEnd type="none" w="med" len="med"/>
-                    </a:lnR>
-                    <a:lnT w="12700" cap="flat" cmpd="sng" algn="ctr">
-                      <a:solidFill>
-                        <a:schemeClr val="tx1"/>
-                      </a:solidFill>
-                      <a:prstDash val="solid"/>
-                      <a:round/>
-                      <a:headEnd type="none" w="med" len="med"/>
-                      <a:tailEnd type="none" w="med" len="med"/>
-                    </a:lnT>
-                    <a:lnB w="12700" cap="flat" cmpd="sng" algn="ctr">
-                      <a:solidFill>
-                        <a:schemeClr val="tx1"/>
-                      </a:solidFill>
-                      <a:prstDash val="solid"/>
-                      <a:round/>
-                      <a:headEnd type="none" w="med" len="med"/>
-                      <a:tailEnd type="none" w="med" len="med"/>
-                    </a:lnB>
-                  </a:tcPr>
-                </a:tc>
-                <a:tc>
-                  <a:txBody>
-                    <a:bodyPr/>
-                    <a:lstStyle/>
-                    <a:p>
-                      <a:endParaRPr lang="nb-NO"/>
-                    </a:p>
-                  </a:txBody>
-                  <a:tcPr>
-                    <a:lnL w="12700" cap="flat" cmpd="sng" algn="ctr">
-                      <a:solidFill>
-                        <a:schemeClr val="tx1"/>
-                      </a:solidFill>
-                      <a:prstDash val="solid"/>
-                      <a:round/>
-                      <a:headEnd type="none" w="med" len="med"/>
-                      <a:tailEnd type="none" w="med" len="med"/>
-                    </a:lnL>
-                    <a:lnR w="12700" cap="flat" cmpd="sng" algn="ctr">
-                      <a:solidFill>
-                        <a:schemeClr val="tx1"/>
-                      </a:solidFill>
-                      <a:prstDash val="solid"/>
-                      <a:round/>
-                      <a:headEnd type="none" w="med" len="med"/>
-                      <a:tailEnd type="none" w="med" len="med"/>
-                    </a:lnR>
-                    <a:lnT w="12700" cap="flat" cmpd="sng" algn="ctr">
-                      <a:solidFill>
-                        <a:schemeClr val="tx1"/>
-                      </a:solidFill>
-                      <a:prstDash val="solid"/>
-                      <a:round/>
-                      <a:headEnd type="none" w="med" len="med"/>
-                      <a:tailEnd type="none" w="med" len="med"/>
-                    </a:lnT>
-                    <a:lnB w="12700" cap="flat" cmpd="sng" algn="ctr">
-                      <a:solidFill>
-                        <a:schemeClr val="tx1"/>
-                      </a:solidFill>
-                      <a:prstDash val="solid"/>
-                      <a:round/>
-                      <a:headEnd type="none" w="med" len="med"/>
-                      <a:tailEnd type="none" w="med" len="med"/>
-                    </a:lnB>
-                  </a:tcPr>
-                </a:tc>
-                <a:tc>
-                  <a:txBody>
-                    <a:bodyPr/>
-                    <a:lstStyle/>
-                    <a:p>
-                      <a:endParaRPr lang="nb-NO"/>
-                    </a:p>
-                  </a:txBody>
-                  <a:tcPr>
-                    <a:lnL w="12700" cap="flat" cmpd="sng" algn="ctr">
-                      <a:solidFill>
-                        <a:schemeClr val="tx1"/>
-                      </a:solidFill>
-                      <a:prstDash val="solid"/>
-                      <a:round/>
-                      <a:headEnd type="none" w="med" len="med"/>
-                      <a:tailEnd type="none" w="med" len="med"/>
-                    </a:lnL>
-                    <a:lnR w="12700" cap="flat" cmpd="sng" algn="ctr">
-                      <a:solidFill>
-                        <a:schemeClr val="tx1"/>
-                      </a:solidFill>
-                      <a:prstDash val="solid"/>
-                      <a:round/>
-                      <a:headEnd type="none" w="med" len="med"/>
-                      <a:tailEnd type="none" w="med" len="med"/>
-                    </a:lnR>
-                    <a:lnT w="12700" cap="flat" cmpd="sng" algn="ctr">
-                      <a:solidFill>
-                        <a:schemeClr val="tx1"/>
-                      </a:solidFill>
-                      <a:prstDash val="solid"/>
-                      <a:round/>
-                      <a:headEnd type="none" w="med" len="med"/>
-                      <a:tailEnd type="none" w="med" len="med"/>
-                    </a:lnT>
-                    <a:lnB w="12700" cap="flat" cmpd="sng" algn="ctr">
-                      <a:solidFill>
-                        <a:schemeClr val="tx1"/>
-                      </a:solidFill>
-                      <a:prstDash val="solid"/>
-                      <a:round/>
-                      <a:headEnd type="none" w="med" len="med"/>
-                      <a:tailEnd type="none" w="med" len="med"/>
-                    </a:lnB>
-                  </a:tcPr>
-                </a:tc>
-                <a:tc>
-                  <a:txBody>
-                    <a:bodyPr/>
-                    <a:lstStyle/>
-                    <a:p>
-                      <a:endParaRPr lang="nb-NO"/>
-                    </a:p>
-                  </a:txBody>
-                  <a:tcPr>
-                    <a:lnL w="12700" cap="flat" cmpd="sng" algn="ctr">
-                      <a:solidFill>
-                        <a:schemeClr val="tx1"/>
-                      </a:solidFill>
-                      <a:prstDash val="solid"/>
-                      <a:round/>
-                      <a:headEnd type="none" w="med" len="med"/>
-                      <a:tailEnd type="none" w="med" len="med"/>
-                    </a:lnL>
-                    <a:lnR w="12700" cap="flat" cmpd="sng" algn="ctr">
-                      <a:solidFill>
-                        <a:schemeClr val="tx1"/>
-                      </a:solidFill>
-                      <a:prstDash val="solid"/>
-                      <a:round/>
-                      <a:headEnd type="none" w="med" len="med"/>
-                      <a:tailEnd type="none" w="med" len="med"/>
-                    </a:lnR>
-                    <a:lnT w="12700" cap="flat" cmpd="sng" algn="ctr">
-                      <a:solidFill>
-                        <a:schemeClr val="tx1"/>
-                      </a:solidFill>
-                      <a:prstDash val="solid"/>
-                      <a:round/>
-                      <a:headEnd type="none" w="med" len="med"/>
-                      <a:tailEnd type="none" w="med" len="med"/>
-                    </a:lnT>
-                    <a:lnB w="12700" cap="flat" cmpd="sng" algn="ctr">
-                      <a:solidFill>
-                        <a:schemeClr val="tx1"/>
-                      </a:solidFill>
-                      <a:prstDash val="solid"/>
-                      <a:round/>
-                      <a:headEnd type="none" w="med" len="med"/>
-                      <a:tailEnd type="none" w="med" len="med"/>
-                    </a:lnB>
-                  </a:tcPr>
-                </a:tc>
-                <a:tc>
-                  <a:txBody>
-                    <a:bodyPr/>
-                    <a:lstStyle/>
-                    <a:p>
-                      <a:endParaRPr lang="nb-NO"/>
-                    </a:p>
-                  </a:txBody>
-                  <a:tcPr>
-                    <a:lnL w="12700" cap="flat" cmpd="sng" algn="ctr">
-                      <a:solidFill>
-                        <a:schemeClr val="tx1"/>
-                      </a:solidFill>
-                      <a:prstDash val="solid"/>
-                      <a:round/>
-                      <a:headEnd type="none" w="med" len="med"/>
-                      <a:tailEnd type="none" w="med" len="med"/>
-                    </a:lnL>
-                    <a:lnR w="12700" cap="flat" cmpd="sng" algn="ctr">
-                      <a:solidFill>
-                        <a:schemeClr val="tx1"/>
-                      </a:solidFill>
-                      <a:prstDash val="solid"/>
-                      <a:round/>
-                      <a:headEnd type="none" w="med" len="med"/>
-                      <a:tailEnd type="none" w="med" len="med"/>
-                    </a:lnR>
-                    <a:lnT w="12700" cap="flat" cmpd="sng" algn="ctr">
-                      <a:solidFill>
-                        <a:schemeClr val="tx1"/>
-                      </a:solidFill>
-                      <a:prstDash val="solid"/>
-                      <a:round/>
-                      <a:headEnd type="none" w="med" len="med"/>
-                      <a:tailEnd type="none" w="med" len="med"/>
-                    </a:lnT>
-                    <a:lnB w="12700" cap="flat" cmpd="sng" algn="ctr">
-                      <a:solidFill>
-                        <a:schemeClr val="tx1"/>
-                      </a:solidFill>
-                      <a:prstDash val="solid"/>
-                      <a:round/>
-                      <a:headEnd type="none" w="med" len="med"/>
-                      <a:tailEnd type="none" w="med" len="med"/>
-                    </a:lnB>
-                  </a:tcPr>
-                </a:tc>
-                <a:tc>
-                  <a:txBody>
-                    <a:bodyPr/>
-                    <a:lstStyle/>
-                    <a:p>
-                      <a:endParaRPr lang="nb-NO"/>
+                      <a:endParaRPr lang="nb-NO" dirty="0"/>
+                    </a:p>
+                  </a:txBody>
+                  <a:tcPr>
+                    <a:lnL w="12700" cap="flat" cmpd="sng" algn="ctr">
+                      <a:solidFill>
+                        <a:schemeClr val="tx1"/>
+                      </a:solidFill>
+                      <a:prstDash val="solid"/>
+                      <a:round/>
+                      <a:headEnd type="none" w="med" len="med"/>
+                      <a:tailEnd type="none" w="med" len="med"/>
+                    </a:lnL>
+                    <a:lnR w="12700" cap="flat" cmpd="sng" algn="ctr">
+                      <a:solidFill>
+                        <a:schemeClr val="tx1"/>
+                      </a:solidFill>
+                      <a:prstDash val="solid"/>
+                      <a:round/>
+                      <a:headEnd type="none" w="med" len="med"/>
+                      <a:tailEnd type="none" w="med" len="med"/>
+                    </a:lnR>
+                    <a:lnT w="12700" cap="flat" cmpd="sng" algn="ctr">
+                      <a:solidFill>
+                        <a:schemeClr val="tx1"/>
+                      </a:solidFill>
+                      <a:prstDash val="solid"/>
+                      <a:round/>
+                      <a:headEnd type="none" w="med" len="med"/>
+                      <a:tailEnd type="none" w="med" len="med"/>
+                    </a:lnT>
+                    <a:lnB w="12700" cap="flat" cmpd="sng" algn="ctr">
+                      <a:solidFill>
+                        <a:schemeClr val="tx1"/>
+                      </a:solidFill>
+                      <a:prstDash val="solid"/>
+                      <a:round/>
+                      <a:headEnd type="none" w="med" len="med"/>
+                      <a:tailEnd type="none" w="med" len="med"/>
+                    </a:lnB>
+                  </a:tcPr>
+                </a:tc>
+                <a:tc>
+                  <a:txBody>
+                    <a:bodyPr/>
+                    <a:lstStyle/>
+                    <a:p>
+                      <a:endParaRPr lang="nb-NO"/>
+                    </a:p>
+                  </a:txBody>
+                  <a:tcPr>
+                    <a:lnL w="12700" cap="flat" cmpd="sng" algn="ctr">
+                      <a:solidFill>
+                        <a:schemeClr val="tx1"/>
+                      </a:solidFill>
+                      <a:prstDash val="solid"/>
+                      <a:round/>
+                      <a:headEnd type="none" w="med" len="med"/>
+                      <a:tailEnd type="none" w="med" len="med"/>
+                    </a:lnL>
+                    <a:lnR w="12700" cap="flat" cmpd="sng" algn="ctr">
+                      <a:solidFill>
+                        <a:schemeClr val="tx1"/>
+                      </a:solidFill>
+                      <a:prstDash val="solid"/>
+                      <a:round/>
+                      <a:headEnd type="none" w="med" len="med"/>
+                      <a:tailEnd type="none" w="med" len="med"/>
+                    </a:lnR>
+                    <a:lnT w="12700" cap="flat" cmpd="sng" algn="ctr">
+                      <a:solidFill>
+                        <a:schemeClr val="tx1"/>
+                      </a:solidFill>
+                      <a:prstDash val="solid"/>
+                      <a:round/>
+                      <a:headEnd type="none" w="med" len="med"/>
+                      <a:tailEnd type="none" w="med" len="med"/>
+                    </a:lnT>
+                    <a:lnB w="12700" cap="flat" cmpd="sng" algn="ctr">
+                      <a:solidFill>
+                        <a:schemeClr val="tx1"/>
+                      </a:solidFill>
+                      <a:prstDash val="solid"/>
+                      <a:round/>
+                      <a:headEnd type="none" w="med" len="med"/>
+                      <a:tailEnd type="none" w="med" len="med"/>
+                    </a:lnB>
+                  </a:tcPr>
+                </a:tc>
+                <a:tc>
+                  <a:txBody>
+                    <a:bodyPr/>
+                    <a:lstStyle/>
+                    <a:p>
+                      <a:endParaRPr lang="nb-NO"/>
+                    </a:p>
+                  </a:txBody>
+                  <a:tcPr>
+                    <a:lnL w="12700" cap="flat" cmpd="sng" algn="ctr">
+                      <a:solidFill>
+                        <a:schemeClr val="tx1"/>
+                      </a:solidFill>
+                      <a:prstDash val="solid"/>
+                      <a:round/>
+                      <a:headEnd type="none" w="med" len="med"/>
+                      <a:tailEnd type="none" w="med" len="med"/>
+                    </a:lnL>
+                    <a:lnR w="12700" cap="flat" cmpd="sng" algn="ctr">
+                      <a:solidFill>
+                        <a:schemeClr val="tx1"/>
+                      </a:solidFill>
+                      <a:prstDash val="solid"/>
+                      <a:round/>
+                      <a:headEnd type="none" w="med" len="med"/>
+                      <a:tailEnd type="none" w="med" len="med"/>
+                    </a:lnR>
+                    <a:lnT w="12700" cap="flat" cmpd="sng" algn="ctr">
+                      <a:solidFill>
+                        <a:schemeClr val="tx1"/>
+                      </a:solidFill>
+                      <a:prstDash val="solid"/>
+                      <a:round/>
+                      <a:headEnd type="none" w="med" len="med"/>
+                      <a:tailEnd type="none" w="med" len="med"/>
+                    </a:lnT>
+                    <a:lnB w="12700" cap="flat" cmpd="sng" algn="ctr">
+                      <a:solidFill>
+                        <a:schemeClr val="tx1"/>
+                      </a:solidFill>
+                      <a:prstDash val="solid"/>
+                      <a:round/>
+                      <a:headEnd type="none" w="med" len="med"/>
+                      <a:tailEnd type="none" w="med" len="med"/>
+                    </a:lnB>
+                  </a:tcPr>
+                </a:tc>
+                <a:tc>
+                  <a:txBody>
+                    <a:bodyPr/>
+                    <a:lstStyle/>
+                    <a:p>
+                      <a:endParaRPr lang="nb-NO"/>
+                    </a:p>
+                  </a:txBody>
+                  <a:tcPr>
+                    <a:lnL w="12700" cap="flat" cmpd="sng" algn="ctr">
+                      <a:solidFill>
+                        <a:schemeClr val="tx1"/>
+                      </a:solidFill>
+                      <a:prstDash val="solid"/>
+                      <a:round/>
+                      <a:headEnd type="none" w="med" len="med"/>
+                      <a:tailEnd type="none" w="med" len="med"/>
+                    </a:lnL>
+                    <a:lnR w="12700" cap="flat" cmpd="sng" algn="ctr">
+                      <a:solidFill>
+                        <a:schemeClr val="tx1"/>
+                      </a:solidFill>
+                      <a:prstDash val="solid"/>
+                      <a:round/>
+                      <a:headEnd type="none" w="med" len="med"/>
+                      <a:tailEnd type="none" w="med" len="med"/>
+                    </a:lnR>
+                    <a:lnT w="12700" cap="flat" cmpd="sng" algn="ctr">
+                      <a:solidFill>
+                        <a:schemeClr val="tx1"/>
+                      </a:solidFill>
+                      <a:prstDash val="solid"/>
+                      <a:round/>
+                      <a:headEnd type="none" w="med" len="med"/>
+                      <a:tailEnd type="none" w="med" len="med"/>
+                    </a:lnT>
+                    <a:lnB w="12700" cap="flat" cmpd="sng" algn="ctr">
+                      <a:solidFill>
+                        <a:schemeClr val="tx1"/>
+                      </a:solidFill>
+                      <a:prstDash val="solid"/>
+                      <a:round/>
+                      <a:headEnd type="none" w="med" len="med"/>
+                      <a:tailEnd type="none" w="med" len="med"/>
+                    </a:lnB>
+                  </a:tcPr>
+                </a:tc>
+                <a:tc>
+                  <a:txBody>
+                    <a:bodyPr/>
+                    <a:lstStyle/>
+                    <a:p>
+                      <a:endParaRPr lang="nb-NO"/>
+                    </a:p>
+                  </a:txBody>
+                  <a:tcPr>
+                    <a:lnL w="12700" cap="flat" cmpd="sng" algn="ctr">
+                      <a:solidFill>
+                        <a:schemeClr val="tx1"/>
+                      </a:solidFill>
+                      <a:prstDash val="solid"/>
+                      <a:round/>
+                      <a:headEnd type="none" w="med" len="med"/>
+                      <a:tailEnd type="none" w="med" len="med"/>
+                    </a:lnL>
+                    <a:lnR w="12700" cap="flat" cmpd="sng" algn="ctr">
+                      <a:solidFill>
+                        <a:schemeClr val="tx1"/>
+                      </a:solidFill>
+                      <a:prstDash val="solid"/>
+                      <a:round/>
+                      <a:headEnd type="none" w="med" len="med"/>
+                      <a:tailEnd type="none" w="med" len="med"/>
+                    </a:lnR>
+                    <a:lnT w="12700" cap="flat" cmpd="sng" algn="ctr">
+                      <a:solidFill>
+                        <a:schemeClr val="tx1"/>
+                      </a:solidFill>
+                      <a:prstDash val="solid"/>
+                      <a:round/>
+                      <a:headEnd type="none" w="med" len="med"/>
+                      <a:tailEnd type="none" w="med" len="med"/>
+                    </a:lnT>
+                    <a:lnB w="12700" cap="flat" cmpd="sng" algn="ctr">
+                      <a:solidFill>
+                        <a:schemeClr val="tx1"/>
+                      </a:solidFill>
+                      <a:prstDash val="solid"/>
+                      <a:round/>
+                      <a:headEnd type="none" w="med" len="med"/>
+                      <a:tailEnd type="none" w="med" len="med"/>
+                    </a:lnB>
+                  </a:tcPr>
+                </a:tc>
+                <a:tc>
+                  <a:txBody>
+                    <a:bodyPr/>
+                    <a:lstStyle/>
+                    <a:p>
+                      <a:endParaRPr lang="nb-NO"/>
+                    </a:p>
+                  </a:txBody>
+                  <a:tcPr>
+                    <a:lnL w="12700" cap="flat" cmpd="sng" algn="ctr">
+                      <a:solidFill>
+                        <a:schemeClr val="tx1"/>
+                      </a:solidFill>
+                      <a:prstDash val="solid"/>
+                      <a:round/>
+                      <a:headEnd type="none" w="med" len="med"/>
+                      <a:tailEnd type="none" w="med" len="med"/>
+                    </a:lnL>
+                    <a:lnR w="12700" cap="flat" cmpd="sng" algn="ctr">
+                      <a:solidFill>
+                        <a:schemeClr val="tx1"/>
+                      </a:solidFill>
+                      <a:prstDash val="solid"/>
+                      <a:round/>
+                      <a:headEnd type="none" w="med" len="med"/>
+                      <a:tailEnd type="none" w="med" len="med"/>
+                    </a:lnR>
+                    <a:lnT w="12700" cap="flat" cmpd="sng" algn="ctr">
+                      <a:solidFill>
+                        <a:schemeClr val="tx1"/>
+                      </a:solidFill>
+                      <a:prstDash val="solid"/>
+                      <a:round/>
+                      <a:headEnd type="none" w="med" len="med"/>
+                      <a:tailEnd type="none" w="med" len="med"/>
+                    </a:lnT>
+                    <a:lnB w="12700" cap="flat" cmpd="sng" algn="ctr">
+                      <a:solidFill>
+                        <a:schemeClr val="tx1"/>
+                      </a:solidFill>
+                      <a:prstDash val="solid"/>
+                      <a:round/>
+                      <a:headEnd type="none" w="med" len="med"/>
+                      <a:tailEnd type="none" w="med" len="med"/>
+                    </a:lnB>
+                  </a:tcPr>
+                </a:tc>
+                <a:tc>
+                  <a:txBody>
+                    <a:bodyPr/>
+                    <a:lstStyle/>
+                    <a:p>
+                      <a:endParaRPr lang="nb-NO"/>
+                    </a:p>
+                  </a:txBody>
+                  <a:tcPr>
+                    <a:lnL w="12700" cap="flat" cmpd="sng" algn="ctr">
+                      <a:solidFill>
+                        <a:schemeClr val="tx1"/>
+                      </a:solidFill>
+                      <a:prstDash val="solid"/>
+                      <a:round/>
+                      <a:headEnd type="none" w="med" len="med"/>
+                      <a:tailEnd type="none" w="med" len="med"/>
+                    </a:lnL>
+                    <a:lnR w="12700" cap="flat" cmpd="sng" algn="ctr">
+                      <a:solidFill>
+                        <a:schemeClr val="tx1"/>
+                      </a:solidFill>
+                      <a:prstDash val="solid"/>
+                      <a:round/>
+                      <a:headEnd type="none" w="med" len="med"/>
+                      <a:tailEnd type="none" w="med" len="med"/>
+                    </a:lnR>
+                    <a:lnT w="12700" cap="flat" cmpd="sng" algn="ctr">
+                      <a:solidFill>
+                        <a:schemeClr val="tx1"/>
+                      </a:solidFill>
+                      <a:prstDash val="solid"/>
+                      <a:round/>
+                      <a:headEnd type="none" w="med" len="med"/>
+                      <a:tailEnd type="none" w="med" len="med"/>
+                    </a:lnT>
+                    <a:lnB w="12700" cap="flat" cmpd="sng" algn="ctr">
+                      <a:solidFill>
+                        <a:schemeClr val="tx1"/>
+                      </a:solidFill>
+                      <a:prstDash val="solid"/>
+                      <a:round/>
+                      <a:headEnd type="none" w="med" len="med"/>
+                      <a:tailEnd type="none" w="med" len="med"/>
+                    </a:lnB>
+                  </a:tcPr>
+                </a:tc>
+                <a:tc>
+                  <a:txBody>
+                    <a:bodyPr/>
+                    <a:lstStyle/>
+                    <a:p>
+                      <a:endParaRPr lang="nb-NO" dirty="0"/>
                     </a:p>
                   </a:txBody>
                   <a:tcPr>
@@ -14316,42 +14316,6 @@
           </a:fontRef>
         </p:style>
       </p:cxnSp>
-      <p:sp>
-        <p:nvSpPr>
-          <p:cNvPr id="11" name="TekstSylinder 10">
-            <a:extLst>
-              <a:ext uri="{FF2B5EF4-FFF2-40B4-BE49-F238E27FC236}">
-                <a16:creationId xmlns:a16="http://schemas.microsoft.com/office/drawing/2014/main" id="{4F0ECB1C-6347-2332-AB00-5D8868680CD6}"/>
-              </a:ext>
-            </a:extLst>
-          </p:cNvPr>
-          <p:cNvSpPr txBox="1"/>
-          <p:nvPr/>
-        </p:nvSpPr>
-        <p:spPr>
-          <a:xfrm>
-            <a:off x="4333059" y="-46026"/>
-            <a:ext cx="477882" cy="369332"/>
-          </a:xfrm>
-          <a:prstGeom prst="rect">
-            <a:avLst/>
-          </a:prstGeom>
-          <a:noFill/>
-        </p:spPr>
-        <p:txBody>
-          <a:bodyPr wrap="square" rtlCol="0">
-            <a:spAutoFit/>
-          </a:bodyPr>
-          <a:lstStyle/>
-          <a:p>
-            <a:pPr algn="ctr"/>
-            <a:r>
-              <a:rPr lang="nb-NO" dirty="0"/>
-              <a:t>Ad</a:t>
-            </a:r>
-          </a:p>
-        </p:txBody>
-      </p:sp>
       <p:cxnSp>
         <p:nvCxnSpPr>
           <p:cNvPr id="13" name="Rett pilkobling 12">
@@ -14396,407 +14360,116 @@
           </a:fontRef>
         </p:style>
       </p:cxnSp>
-      <p:sp>
-        <p:nvSpPr>
-          <p:cNvPr id="16" name="TekstSylinder 15">
+      <p:grpSp>
+        <p:nvGrpSpPr>
+          <p:cNvPr id="3" name="Gruppe 2">
             <a:extLst>
               <a:ext uri="{FF2B5EF4-FFF2-40B4-BE49-F238E27FC236}">
-                <a16:creationId xmlns:a16="http://schemas.microsoft.com/office/drawing/2014/main" id="{7B58B97E-D93A-2B74-2120-7E23DD49043A}"/>
+                <a16:creationId xmlns:a16="http://schemas.microsoft.com/office/drawing/2014/main" id="{00DAD64C-94EC-3109-E2B3-B93AECF621D6}"/>
               </a:ext>
             </a:extLst>
           </p:cNvPr>
-          <p:cNvSpPr txBox="1"/>
+          <p:cNvGrpSpPr/>
           <p:nvPr/>
-        </p:nvSpPr>
-        <p:spPr>
+        </p:nvGrpSpPr>
+        <p:grpSpPr>
           <a:xfrm>
-            <a:off x="4333059" y="6521784"/>
-            <a:ext cx="477882" cy="369332"/>
+            <a:off x="810736" y="592347"/>
+            <a:ext cx="7519980" cy="5072909"/>
+            <a:chOff x="810736" y="592347"/>
+            <a:chExt cx="7519980" cy="5072909"/>
           </a:xfrm>
-          <a:prstGeom prst="rect">
-            <a:avLst/>
-          </a:prstGeom>
-          <a:noFill/>
-        </p:spPr>
-        <p:txBody>
-          <a:bodyPr wrap="square" rtlCol="0">
-            <a:spAutoFit/>
-          </a:bodyPr>
-          <a:lstStyle/>
-          <a:p>
-            <a:pPr algn="ctr"/>
-            <a:r>
-              <a:rPr lang="nb-NO" dirty="0"/>
-              <a:t>0</a:t>
-            </a:r>
-          </a:p>
-        </p:txBody>
-      </p:sp>
-      <p:sp>
-        <p:nvSpPr>
-          <p:cNvPr id="18" name="TekstSylinder 17">
-            <a:extLst>
-              <a:ext uri="{FF2B5EF4-FFF2-40B4-BE49-F238E27FC236}">
-                <a16:creationId xmlns:a16="http://schemas.microsoft.com/office/drawing/2014/main" id="{1AD8AED5-F82F-1E66-32C8-39D800261803}"/>
-              </a:ext>
-            </a:extLst>
-          </p:cNvPr>
-          <p:cNvSpPr txBox="1"/>
-          <p:nvPr/>
-        </p:nvSpPr>
-        <p:spPr>
-          <a:xfrm>
-            <a:off x="616132" y="6362938"/>
-            <a:ext cx="477882" cy="369332"/>
-          </a:xfrm>
-          <a:prstGeom prst="rect">
-            <a:avLst/>
-          </a:prstGeom>
-          <a:noFill/>
-        </p:spPr>
-        <p:txBody>
-          <a:bodyPr wrap="square" rtlCol="0">
-            <a:spAutoFit/>
-          </a:bodyPr>
-          <a:lstStyle/>
-          <a:p>
-            <a:pPr algn="ctr"/>
-            <a:r>
-              <a:rPr lang="nb-NO" dirty="0"/>
-              <a:t>1</a:t>
-            </a:r>
-          </a:p>
-        </p:txBody>
-      </p:sp>
-      <p:sp>
-        <p:nvSpPr>
-          <p:cNvPr id="19" name="TekstSylinder 18">
-            <a:extLst>
-              <a:ext uri="{FF2B5EF4-FFF2-40B4-BE49-F238E27FC236}">
-                <a16:creationId xmlns:a16="http://schemas.microsoft.com/office/drawing/2014/main" id="{B9AFF7EB-B159-8416-FF30-BC3EC36793A9}"/>
-              </a:ext>
-            </a:extLst>
-          </p:cNvPr>
-          <p:cNvSpPr txBox="1"/>
-          <p:nvPr/>
-        </p:nvSpPr>
-        <p:spPr>
-          <a:xfrm>
-            <a:off x="8049986" y="6362938"/>
-            <a:ext cx="477882" cy="369332"/>
-          </a:xfrm>
-          <a:prstGeom prst="rect">
-            <a:avLst/>
-          </a:prstGeom>
-          <a:noFill/>
-        </p:spPr>
-        <p:txBody>
-          <a:bodyPr wrap="square" rtlCol="0">
-            <a:spAutoFit/>
-          </a:bodyPr>
-          <a:lstStyle/>
-          <a:p>
-            <a:pPr algn="ctr"/>
-            <a:r>
-              <a:rPr lang="nb-NO" dirty="0"/>
-              <a:t>-1</a:t>
-            </a:r>
-          </a:p>
-        </p:txBody>
-      </p:sp>
-      <p:sp>
-        <p:nvSpPr>
-          <p:cNvPr id="20" name="TekstSylinder 19">
-            <a:extLst>
-              <a:ext uri="{FF2B5EF4-FFF2-40B4-BE49-F238E27FC236}">
-                <a16:creationId xmlns:a16="http://schemas.microsoft.com/office/drawing/2014/main" id="{D89C598B-430C-16B0-51D9-9F9E9C30685C}"/>
-              </a:ext>
-            </a:extLst>
-          </p:cNvPr>
-          <p:cNvSpPr txBox="1"/>
-          <p:nvPr/>
-        </p:nvSpPr>
-        <p:spPr>
-          <a:xfrm>
-            <a:off x="8184269" y="1346927"/>
-            <a:ext cx="797741" cy="369332"/>
-          </a:xfrm>
-          <a:prstGeom prst="rect">
-            <a:avLst/>
-          </a:prstGeom>
-          <a:noFill/>
-        </p:spPr>
-        <p:txBody>
-          <a:bodyPr wrap="square" rtlCol="0">
-            <a:spAutoFit/>
-          </a:bodyPr>
-          <a:lstStyle/>
-          <a:p>
-            <a:pPr algn="ctr"/>
-            <a:r>
-              <a:rPr lang="nb-NO" dirty="0">
-                <a:solidFill>
-                  <a:schemeClr val="accent1">
-                    <a:lumMod val="60000"/>
-                    <a:lumOff val="40000"/>
-                  </a:schemeClr>
-                </a:solidFill>
-              </a:rPr>
-              <a:t>A-T</a:t>
-            </a:r>
-          </a:p>
-        </p:txBody>
-      </p:sp>
-      <p:sp>
-        <p:nvSpPr>
-          <p:cNvPr id="2" name="TekstSylinder 1">
-            <a:extLst>
-              <a:ext uri="{FF2B5EF4-FFF2-40B4-BE49-F238E27FC236}">
-                <a16:creationId xmlns:a16="http://schemas.microsoft.com/office/drawing/2014/main" id="{98FAECEA-80E6-19F0-6C3F-D8D58F0FFF80}"/>
-              </a:ext>
-            </a:extLst>
-          </p:cNvPr>
-          <p:cNvSpPr txBox="1"/>
-          <p:nvPr/>
-        </p:nvSpPr>
-        <p:spPr>
-          <a:xfrm>
-            <a:off x="8184269" y="4367669"/>
-            <a:ext cx="797741" cy="369332"/>
-          </a:xfrm>
-          <a:prstGeom prst="rect">
-            <a:avLst/>
-          </a:prstGeom>
-          <a:noFill/>
-        </p:spPr>
-        <p:txBody>
-          <a:bodyPr wrap="square" rtlCol="0">
-            <a:spAutoFit/>
-          </a:bodyPr>
-          <a:lstStyle/>
-          <a:p>
-            <a:pPr algn="ctr"/>
-            <a:r>
-              <a:rPr lang="nb-NO" dirty="0">
-                <a:solidFill>
-                  <a:schemeClr val="accent5">
-                    <a:lumMod val="60000"/>
-                    <a:lumOff val="40000"/>
-                  </a:schemeClr>
-                </a:solidFill>
-              </a:rPr>
-              <a:t>P-B</a:t>
-            </a:r>
-          </a:p>
-        </p:txBody>
-      </p:sp>
-      <p:sp>
-        <p:nvSpPr>
-          <p:cNvPr id="3" name="TekstSylinder 2">
-            <a:extLst>
-              <a:ext uri="{FF2B5EF4-FFF2-40B4-BE49-F238E27FC236}">
-                <a16:creationId xmlns:a16="http://schemas.microsoft.com/office/drawing/2014/main" id="{7A20DFC2-91EA-7357-D0BA-5EAAE65D145F}"/>
-              </a:ext>
-            </a:extLst>
-          </p:cNvPr>
-          <p:cNvSpPr txBox="1"/>
-          <p:nvPr/>
-        </p:nvSpPr>
-        <p:spPr>
-          <a:xfrm>
-            <a:off x="161996" y="396002"/>
-            <a:ext cx="797741" cy="369332"/>
-          </a:xfrm>
-          <a:prstGeom prst="rect">
-            <a:avLst/>
-          </a:prstGeom>
-          <a:noFill/>
-        </p:spPr>
-        <p:txBody>
-          <a:bodyPr wrap="square" rtlCol="0">
-            <a:spAutoFit/>
-          </a:bodyPr>
-          <a:lstStyle/>
-          <a:p>
-            <a:pPr algn="ctr"/>
-            <a:r>
-              <a:rPr lang="nb-NO" dirty="0">
-                <a:solidFill>
-                  <a:srgbClr val="C00000"/>
-                </a:solidFill>
-              </a:rPr>
-              <a:t>B-T</a:t>
-            </a:r>
-          </a:p>
-        </p:txBody>
-      </p:sp>
-      <p:sp>
-        <p:nvSpPr>
-          <p:cNvPr id="4" name="TekstSylinder 3">
-            <a:extLst>
-              <a:ext uri="{FF2B5EF4-FFF2-40B4-BE49-F238E27FC236}">
-                <a16:creationId xmlns:a16="http://schemas.microsoft.com/office/drawing/2014/main" id="{9D62B54D-B8AD-6C03-72D7-50209B997365}"/>
-              </a:ext>
-            </a:extLst>
-          </p:cNvPr>
-          <p:cNvSpPr txBox="1"/>
-          <p:nvPr/>
-        </p:nvSpPr>
-        <p:spPr>
-          <a:xfrm>
-            <a:off x="157074" y="3738246"/>
-            <a:ext cx="797741" cy="369332"/>
-          </a:xfrm>
-          <a:prstGeom prst="rect">
-            <a:avLst/>
-          </a:prstGeom>
-          <a:noFill/>
-        </p:spPr>
-        <p:txBody>
-          <a:bodyPr wrap="square" rtlCol="0">
-            <a:spAutoFit/>
-          </a:bodyPr>
-          <a:lstStyle/>
-          <a:p>
-            <a:pPr algn="ctr"/>
-            <a:r>
-              <a:rPr lang="nb-NO" dirty="0">
-                <a:solidFill>
-                  <a:schemeClr val="accent6">
-                    <a:lumMod val="75000"/>
-                  </a:schemeClr>
-                </a:solidFill>
-              </a:rPr>
-              <a:t>P-A</a:t>
-            </a:r>
-          </a:p>
-        </p:txBody>
-      </p:sp>
-      <p:sp>
-        <p:nvSpPr>
-          <p:cNvPr id="5" name="TekstSylinder 4">
-            <a:extLst>
-              <a:ext uri="{FF2B5EF4-FFF2-40B4-BE49-F238E27FC236}">
-                <a16:creationId xmlns:a16="http://schemas.microsoft.com/office/drawing/2014/main" id="{EBED32EC-B9B3-81D8-89BC-B01CD265B34E}"/>
-              </a:ext>
-            </a:extLst>
-          </p:cNvPr>
-          <p:cNvSpPr txBox="1"/>
-          <p:nvPr/>
-        </p:nvSpPr>
-        <p:spPr>
-          <a:xfrm>
-            <a:off x="-57150" y="6178272"/>
-            <a:ext cx="797741" cy="369332"/>
-          </a:xfrm>
-          <a:prstGeom prst="rect">
-            <a:avLst/>
-          </a:prstGeom>
-          <a:noFill/>
-        </p:spPr>
-        <p:txBody>
-          <a:bodyPr wrap="square" rtlCol="0">
-            <a:spAutoFit/>
-          </a:bodyPr>
-          <a:lstStyle/>
-          <a:p>
-            <a:pPr algn="ctr"/>
-            <a:r>
-              <a:rPr lang="nb-NO" dirty="0"/>
-              <a:t>u</a:t>
-            </a:r>
-          </a:p>
-        </p:txBody>
-      </p:sp>
-      <p:cxnSp>
-        <p:nvCxnSpPr>
-          <p:cNvPr id="22" name="Rett linje 21">
-            <a:extLst>
-              <a:ext uri="{FF2B5EF4-FFF2-40B4-BE49-F238E27FC236}">
-                <a16:creationId xmlns:a16="http://schemas.microsoft.com/office/drawing/2014/main" id="{3990D685-FA70-7375-AA5F-72BE3EAA9DD9}"/>
-              </a:ext>
-            </a:extLst>
-          </p:cNvPr>
-          <p:cNvCxnSpPr>
-            <a:cxnSpLocks/>
-          </p:cNvCxnSpPr>
-          <p:nvPr/>
-        </p:nvCxnSpPr>
-        <p:spPr>
-          <a:xfrm flipV="1">
-            <a:off x="5510681" y="1546059"/>
-            <a:ext cx="2820035" cy="4119197"/>
-          </a:xfrm>
-          <a:prstGeom prst="line">
-            <a:avLst/>
-          </a:prstGeom>
-          <a:ln w="38100">
-            <a:solidFill>
-              <a:schemeClr val="accent1">
-                <a:lumMod val="60000"/>
-                <a:lumOff val="40000"/>
-              </a:schemeClr>
-            </a:solidFill>
-          </a:ln>
-        </p:spPr>
-        <p:style>
-          <a:lnRef idx="2">
-            <a:schemeClr val="accent1"/>
-          </a:lnRef>
-          <a:fillRef idx="0">
-            <a:schemeClr val="accent1"/>
-          </a:fillRef>
-          <a:effectRef idx="1">
-            <a:schemeClr val="accent1"/>
-          </a:effectRef>
-          <a:fontRef idx="minor">
-            <a:schemeClr val="tx1"/>
-          </a:fontRef>
-        </p:style>
-      </p:cxnSp>
-      <p:cxnSp>
-        <p:nvCxnSpPr>
-          <p:cNvPr id="27" name="Rett linje 26">
-            <a:extLst>
-              <a:ext uri="{FF2B5EF4-FFF2-40B4-BE49-F238E27FC236}">
-                <a16:creationId xmlns:a16="http://schemas.microsoft.com/office/drawing/2014/main" id="{7AAE1BAA-2995-ECE5-418F-77E33231DFD0}"/>
-              </a:ext>
-            </a:extLst>
-          </p:cNvPr>
-          <p:cNvCxnSpPr>
-            <a:cxnSpLocks/>
-          </p:cNvCxnSpPr>
-          <p:nvPr/>
-        </p:nvCxnSpPr>
-        <p:spPr>
-          <a:xfrm flipH="1" flipV="1">
-            <a:off x="810736" y="592347"/>
-            <a:ext cx="2827273" cy="4904706"/>
-          </a:xfrm>
-          <a:prstGeom prst="line">
-            <a:avLst/>
-          </a:prstGeom>
-          <a:ln w="38100">
-            <a:solidFill>
-              <a:srgbClr val="C00000"/>
-            </a:solidFill>
-          </a:ln>
-        </p:spPr>
-        <p:style>
-          <a:lnRef idx="2">
-            <a:schemeClr val="accent1"/>
-          </a:lnRef>
-          <a:fillRef idx="0">
-            <a:schemeClr val="accent1"/>
-          </a:fillRef>
-          <a:effectRef idx="1">
-            <a:schemeClr val="accent1"/>
-          </a:effectRef>
-          <a:fontRef idx="minor">
-            <a:schemeClr val="tx1"/>
-          </a:fontRef>
-        </p:style>
-      </p:cxnSp>
+        </p:grpSpPr>
+        <p:cxnSp>
+          <p:nvCxnSpPr>
+            <p:cNvPr id="22" name="Rett linje 21">
+              <a:extLst>
+                <a:ext uri="{FF2B5EF4-FFF2-40B4-BE49-F238E27FC236}">
+                  <a16:creationId xmlns:a16="http://schemas.microsoft.com/office/drawing/2014/main" id="{3990D685-FA70-7375-AA5F-72BE3EAA9DD9}"/>
+                </a:ext>
+              </a:extLst>
+            </p:cNvPr>
+            <p:cNvCxnSpPr>
+              <a:cxnSpLocks/>
+            </p:cNvCxnSpPr>
+            <p:nvPr/>
+          </p:nvCxnSpPr>
+          <p:spPr>
+            <a:xfrm flipV="1">
+              <a:off x="5510681" y="1546059"/>
+              <a:ext cx="2820035" cy="4119197"/>
+            </a:xfrm>
+            <a:prstGeom prst="line">
+              <a:avLst/>
+            </a:prstGeom>
+            <a:ln w="38100">
+              <a:solidFill>
+                <a:schemeClr val="accent1">
+                  <a:lumMod val="60000"/>
+                  <a:lumOff val="40000"/>
+                </a:schemeClr>
+              </a:solidFill>
+            </a:ln>
+          </p:spPr>
+          <p:style>
+            <a:lnRef idx="2">
+              <a:schemeClr val="accent1"/>
+            </a:lnRef>
+            <a:fillRef idx="0">
+              <a:schemeClr val="accent1"/>
+            </a:fillRef>
+            <a:effectRef idx="1">
+              <a:schemeClr val="accent1"/>
+            </a:effectRef>
+            <a:fontRef idx="minor">
+              <a:schemeClr val="tx1"/>
+            </a:fontRef>
+          </p:style>
+        </p:cxnSp>
+        <p:cxnSp>
+          <p:nvCxnSpPr>
+            <p:cNvPr id="27" name="Rett linje 26">
+              <a:extLst>
+                <a:ext uri="{FF2B5EF4-FFF2-40B4-BE49-F238E27FC236}">
+                  <a16:creationId xmlns:a16="http://schemas.microsoft.com/office/drawing/2014/main" id="{7AAE1BAA-2995-ECE5-418F-77E33231DFD0}"/>
+                </a:ext>
+              </a:extLst>
+            </p:cNvPr>
+            <p:cNvCxnSpPr>
+              <a:cxnSpLocks/>
+            </p:cNvCxnSpPr>
+            <p:nvPr/>
+          </p:nvCxnSpPr>
+          <p:spPr>
+            <a:xfrm flipH="1" flipV="1">
+              <a:off x="810736" y="592347"/>
+              <a:ext cx="2827273" cy="4904706"/>
+            </a:xfrm>
+            <a:prstGeom prst="line">
+              <a:avLst/>
+            </a:prstGeom>
+            <a:ln w="38100">
+              <a:solidFill>
+                <a:srgbClr val="C00000"/>
+              </a:solidFill>
+            </a:ln>
+          </p:spPr>
+          <p:style>
+            <a:lnRef idx="2">
+              <a:schemeClr val="accent1"/>
+            </a:lnRef>
+            <a:fillRef idx="0">
+              <a:schemeClr val="accent1"/>
+            </a:fillRef>
+            <a:effectRef idx="1">
+              <a:schemeClr val="accent1"/>
+            </a:effectRef>
+            <a:fontRef idx="minor">
+              <a:schemeClr val="tx1"/>
+            </a:fontRef>
+          </p:style>
+        </p:cxnSp>
+      </p:grpSp>
       <p:cxnSp>
         <p:nvCxnSpPr>
           <p:cNvPr id="33" name="Rett linje 32">
@@ -15010,114 +14683,6 @@
           </a:fontRef>
         </p:style>
       </p:cxnSp>
-      <p:sp>
-        <p:nvSpPr>
-          <p:cNvPr id="44" name="TekstSylinder 43">
-            <a:extLst>
-              <a:ext uri="{FF2B5EF4-FFF2-40B4-BE49-F238E27FC236}">
-                <a16:creationId xmlns:a16="http://schemas.microsoft.com/office/drawing/2014/main" id="{F27DDC0F-7FFF-B0E5-C809-EF68D9103022}"/>
-              </a:ext>
-            </a:extLst>
-          </p:cNvPr>
-          <p:cNvSpPr txBox="1"/>
-          <p:nvPr/>
-        </p:nvSpPr>
-        <p:spPr>
-          <a:xfrm>
-            <a:off x="3876949" y="1150100"/>
-            <a:ext cx="797741" cy="369332"/>
-          </a:xfrm>
-          <a:prstGeom prst="rect">
-            <a:avLst/>
-          </a:prstGeom>
-          <a:noFill/>
-        </p:spPr>
-        <p:txBody>
-          <a:bodyPr wrap="square" rtlCol="0">
-            <a:spAutoFit/>
-          </a:bodyPr>
-          <a:lstStyle/>
-          <a:p>
-            <a:pPr algn="ctr"/>
-            <a:r>
-              <a:rPr lang="nb-NO" dirty="0"/>
-              <a:t>30</a:t>
-            </a:r>
-          </a:p>
-        </p:txBody>
-      </p:sp>
-      <p:sp>
-        <p:nvSpPr>
-          <p:cNvPr id="45" name="TekstSylinder 44">
-            <a:extLst>
-              <a:ext uri="{FF2B5EF4-FFF2-40B4-BE49-F238E27FC236}">
-                <a16:creationId xmlns:a16="http://schemas.microsoft.com/office/drawing/2014/main" id="{0171ADF3-AADF-8FE4-5FA7-6C8FDB6B8AF7}"/>
-              </a:ext>
-            </a:extLst>
-          </p:cNvPr>
-          <p:cNvSpPr txBox="1"/>
-          <p:nvPr/>
-        </p:nvSpPr>
-        <p:spPr>
-          <a:xfrm>
-            <a:off x="3860497" y="2827946"/>
-            <a:ext cx="797741" cy="369332"/>
-          </a:xfrm>
-          <a:prstGeom prst="rect">
-            <a:avLst/>
-          </a:prstGeom>
-          <a:noFill/>
-        </p:spPr>
-        <p:txBody>
-          <a:bodyPr wrap="square" rtlCol="0">
-            <a:spAutoFit/>
-          </a:bodyPr>
-          <a:lstStyle/>
-          <a:p>
-            <a:pPr algn="ctr"/>
-            <a:r>
-              <a:rPr lang="nb-NO" dirty="0"/>
-              <a:t>20</a:t>
-            </a:r>
-          </a:p>
-        </p:txBody>
-      </p:sp>
-      <p:sp>
-        <p:nvSpPr>
-          <p:cNvPr id="46" name="TekstSylinder 45">
-            <a:extLst>
-              <a:ext uri="{FF2B5EF4-FFF2-40B4-BE49-F238E27FC236}">
-                <a16:creationId xmlns:a16="http://schemas.microsoft.com/office/drawing/2014/main" id="{E6AEE20E-7365-ED24-9C8F-E032CA738E46}"/>
-              </a:ext>
-            </a:extLst>
-          </p:cNvPr>
-          <p:cNvSpPr txBox="1"/>
-          <p:nvPr/>
-        </p:nvSpPr>
-        <p:spPr>
-          <a:xfrm>
-            <a:off x="4018847" y="4489367"/>
-            <a:ext cx="480056" cy="369332"/>
-          </a:xfrm>
-          <a:prstGeom prst="rect">
-            <a:avLst/>
-          </a:prstGeom>
-          <a:noFill/>
-        </p:spPr>
-        <p:txBody>
-          <a:bodyPr wrap="square" rtlCol="0">
-            <a:spAutoFit/>
-          </a:bodyPr>
-          <a:lstStyle/>
-          <a:p>
-            <a:pPr algn="ctr"/>
-            <a:r>
-              <a:rPr lang="nb-NO" dirty="0"/>
-              <a:t>10</a:t>
-            </a:r>
-          </a:p>
-        </p:txBody>
-      </p:sp>
       <p:cxnSp>
         <p:nvCxnSpPr>
           <p:cNvPr id="47" name="Rett linje 46">
@@ -15615,9 +15180,9 @@
           <p:nvPr/>
         </p:nvCxnSpPr>
         <p:spPr>
-          <a:xfrm flipV="1">
-            <a:off x="4572002" y="6362939"/>
-            <a:ext cx="944175" cy="1"/>
+          <a:xfrm>
+            <a:off x="4572000" y="6362938"/>
+            <a:ext cx="944177" cy="1"/>
           </a:xfrm>
           <a:prstGeom prst="line">
             <a:avLst/>
@@ -15824,6 +15389,1341 @@
           </a:fontRef>
         </p:style>
       </p:cxnSp>
+      <mc:AlternateContent xmlns:mc="http://schemas.openxmlformats.org/markup-compatibility/2006" xmlns:a14="http://schemas.microsoft.com/office/drawing/2010/main">
+        <mc:Choice Requires="a14">
+          <p:sp>
+            <p:nvSpPr>
+              <p:cNvPr id="10" name="TekstSylinder 9">
+                <a:extLst>
+                  <a:ext uri="{FF2B5EF4-FFF2-40B4-BE49-F238E27FC236}">
+                    <a16:creationId xmlns:a16="http://schemas.microsoft.com/office/drawing/2014/main" id="{BF831832-3A59-C5BC-9B51-11D4F17B278F}"/>
+                  </a:ext>
+                </a:extLst>
+              </p:cNvPr>
+              <p:cNvSpPr txBox="1"/>
+              <p:nvPr/>
+            </p:nvSpPr>
+            <p:spPr>
+              <a:xfrm>
+                <a:off x="177915" y="6178272"/>
+                <a:ext cx="327609" cy="369332"/>
+              </a:xfrm>
+              <a:prstGeom prst="rect">
+                <a:avLst/>
+              </a:prstGeom>
+              <a:noFill/>
+            </p:spPr>
+            <p:txBody>
+              <a:bodyPr wrap="square">
+                <a:spAutoFit/>
+              </a:bodyPr>
+              <a:lstStyle/>
+              <a:p>
+                <a:pPr/>
+                <a14:m>
+                  <m:oMathPara xmlns:m="http://schemas.openxmlformats.org/officeDocument/2006/math">
+                    <m:oMathParaPr>
+                      <m:jc m:val="centerGroup"/>
+                    </m:oMathParaPr>
+                    <m:oMath xmlns:m="http://schemas.openxmlformats.org/officeDocument/2006/math">
+                      <m:r>
+                        <a:rPr lang="nb-NO" sz="1800" b="0" i="1" smtClean="0">
+                          <a:latin typeface="Cambria Math" panose="02040503050406030204" pitchFamily="18" charset="0"/>
+                        </a:rPr>
+                        <m:t>𝑢</m:t>
+                      </m:r>
+                    </m:oMath>
+                  </m:oMathPara>
+                </a14:m>
+                <a:endParaRPr lang="nb-NO" dirty="0"/>
+              </a:p>
+            </p:txBody>
+          </p:sp>
+        </mc:Choice>
+        <mc:Fallback xmlns="">
+          <p:sp>
+            <p:nvSpPr>
+              <p:cNvPr id="10" name="TekstSylinder 9">
+                <a:extLst>
+                  <a:ext uri="{FF2B5EF4-FFF2-40B4-BE49-F238E27FC236}">
+                    <a16:creationId xmlns:a16="http://schemas.microsoft.com/office/drawing/2014/main" id="{BF831832-3A59-C5BC-9B51-11D4F17B278F}"/>
+                  </a:ext>
+                </a:extLst>
+              </p:cNvPr>
+              <p:cNvSpPr txBox="1">
+                <a:spLocks noRot="1" noChangeAspect="1" noMove="1" noResize="1" noEditPoints="1" noAdjustHandles="1" noChangeArrowheads="1" noChangeShapeType="1" noTextEdit="1"/>
+              </p:cNvSpPr>
+              <p:nvPr/>
+            </p:nvSpPr>
+            <p:spPr>
+              <a:xfrm>
+                <a:off x="177915" y="6178272"/>
+                <a:ext cx="327609" cy="369332"/>
+              </a:xfrm>
+              <a:prstGeom prst="rect">
+                <a:avLst/>
+              </a:prstGeom>
+              <a:blipFill>
+                <a:blip r:embed="rId3"/>
+                <a:stretch>
+                  <a:fillRect/>
+                </a:stretch>
+              </a:blipFill>
+            </p:spPr>
+            <p:txBody>
+              <a:bodyPr/>
+              <a:lstStyle/>
+              <a:p>
+                <a:r>
+                  <a:rPr lang="nb-NO">
+                    <a:noFill/>
+                  </a:rPr>
+                  <a:t> </a:t>
+                </a:r>
+              </a:p>
+            </p:txBody>
+          </p:sp>
+        </mc:Fallback>
+      </mc:AlternateContent>
+      <mc:AlternateContent xmlns:mc="http://schemas.openxmlformats.org/markup-compatibility/2006" xmlns:a14="http://schemas.microsoft.com/office/drawing/2010/main">
+        <mc:Choice Requires="a14">
+          <p:sp>
+            <p:nvSpPr>
+              <p:cNvPr id="12" name="TekstSylinder 11">
+                <a:extLst>
+                  <a:ext uri="{FF2B5EF4-FFF2-40B4-BE49-F238E27FC236}">
+                    <a16:creationId xmlns:a16="http://schemas.microsoft.com/office/drawing/2014/main" id="{F943ECE1-6FE5-4DAB-8BCB-856FFE7AB16F}"/>
+                  </a:ext>
+                </a:extLst>
+              </p:cNvPr>
+              <p:cNvSpPr txBox="1"/>
+              <p:nvPr/>
+            </p:nvSpPr>
+            <p:spPr>
+              <a:xfrm>
+                <a:off x="4585056" y="-15566"/>
+                <a:ext cx="327609" cy="369332"/>
+              </a:xfrm>
+              <a:prstGeom prst="rect">
+                <a:avLst/>
+              </a:prstGeom>
+              <a:noFill/>
+            </p:spPr>
+            <p:txBody>
+              <a:bodyPr wrap="square">
+                <a:spAutoFit/>
+              </a:bodyPr>
+              <a:lstStyle/>
+              <a:p>
+                <a:pPr/>
+                <a14:m>
+                  <m:oMathPara xmlns:m="http://schemas.openxmlformats.org/officeDocument/2006/math">
+                    <m:oMathParaPr>
+                      <m:jc m:val="centerGroup"/>
+                    </m:oMathParaPr>
+                    <m:oMath xmlns:m="http://schemas.openxmlformats.org/officeDocument/2006/math">
+                      <m:sSub>
+                        <m:sSubPr>
+                          <m:ctrlPr>
+                            <a:rPr lang="nb-NO" sz="1800" b="0" i="1" smtClean="0">
+                              <a:latin typeface="Cambria Math" panose="02040503050406030204" pitchFamily="18" charset="0"/>
+                            </a:rPr>
+                          </m:ctrlPr>
+                        </m:sSubPr>
+                        <m:e>
+                          <m:r>
+                            <a:rPr lang="nb-NO" sz="1800" b="0" i="1" smtClean="0">
+                              <a:latin typeface="Cambria Math" panose="02040503050406030204" pitchFamily="18" charset="0"/>
+                            </a:rPr>
+                            <m:t>𝐴</m:t>
+                          </m:r>
+                        </m:e>
+                        <m:sub>
+                          <m:r>
+                            <a:rPr lang="nb-NO" sz="1800" b="0" i="1" smtClean="0">
+                              <a:latin typeface="Cambria Math" panose="02040503050406030204" pitchFamily="18" charset="0"/>
+                            </a:rPr>
+                            <m:t>𝑑</m:t>
+                          </m:r>
+                        </m:sub>
+                      </m:sSub>
+                    </m:oMath>
+                  </m:oMathPara>
+                </a14:m>
+                <a:endParaRPr lang="nb-NO" dirty="0"/>
+              </a:p>
+            </p:txBody>
+          </p:sp>
+        </mc:Choice>
+        <mc:Fallback xmlns="">
+          <p:sp>
+            <p:nvSpPr>
+              <p:cNvPr id="12" name="TekstSylinder 11">
+                <a:extLst>
+                  <a:ext uri="{FF2B5EF4-FFF2-40B4-BE49-F238E27FC236}">
+                    <a16:creationId xmlns:a16="http://schemas.microsoft.com/office/drawing/2014/main" id="{F943ECE1-6FE5-4DAB-8BCB-856FFE7AB16F}"/>
+                  </a:ext>
+                </a:extLst>
+              </p:cNvPr>
+              <p:cNvSpPr txBox="1">
+                <a:spLocks noRot="1" noChangeAspect="1" noMove="1" noResize="1" noEditPoints="1" noAdjustHandles="1" noChangeArrowheads="1" noChangeShapeType="1" noTextEdit="1"/>
+              </p:cNvSpPr>
+              <p:nvPr/>
+            </p:nvSpPr>
+            <p:spPr>
+              <a:xfrm>
+                <a:off x="4585056" y="-15566"/>
+                <a:ext cx="327609" cy="369332"/>
+              </a:xfrm>
+              <a:prstGeom prst="rect">
+                <a:avLst/>
+              </a:prstGeom>
+              <a:blipFill>
+                <a:blip r:embed="rId4"/>
+                <a:stretch>
+                  <a:fillRect r="-24074"/>
+                </a:stretch>
+              </a:blipFill>
+            </p:spPr>
+            <p:txBody>
+              <a:bodyPr/>
+              <a:lstStyle/>
+              <a:p>
+                <a:r>
+                  <a:rPr lang="nb-NO">
+                    <a:noFill/>
+                  </a:rPr>
+                  <a:t> </a:t>
+                </a:r>
+              </a:p>
+            </p:txBody>
+          </p:sp>
+        </mc:Fallback>
+      </mc:AlternateContent>
+      <mc:AlternateContent xmlns:mc="http://schemas.openxmlformats.org/markup-compatibility/2006" xmlns:a14="http://schemas.microsoft.com/office/drawing/2010/main">
+        <mc:Choice Requires="a14">
+          <p:sp>
+            <p:nvSpPr>
+              <p:cNvPr id="14" name="TekstSylinder 13">
+                <a:extLst>
+                  <a:ext uri="{FF2B5EF4-FFF2-40B4-BE49-F238E27FC236}">
+                    <a16:creationId xmlns:a16="http://schemas.microsoft.com/office/drawing/2014/main" id="{4733E700-1A6D-C6AA-C76D-B1DA4077408C}"/>
+                  </a:ext>
+                </a:extLst>
+              </p:cNvPr>
+              <p:cNvSpPr txBox="1"/>
+              <p:nvPr/>
+            </p:nvSpPr>
+            <p:spPr>
+              <a:xfrm>
+                <a:off x="4417281" y="6523451"/>
+                <a:ext cx="327609" cy="369332"/>
+              </a:xfrm>
+              <a:prstGeom prst="rect">
+                <a:avLst/>
+              </a:prstGeom>
+              <a:noFill/>
+            </p:spPr>
+            <p:txBody>
+              <a:bodyPr wrap="square">
+                <a:spAutoFit/>
+              </a:bodyPr>
+              <a:lstStyle/>
+              <a:p>
+                <a:pPr/>
+                <a14:m>
+                  <m:oMathPara xmlns:m="http://schemas.openxmlformats.org/officeDocument/2006/math">
+                    <m:oMathParaPr>
+                      <m:jc m:val="centerGroup"/>
+                    </m:oMathParaPr>
+                    <m:oMath xmlns:m="http://schemas.openxmlformats.org/officeDocument/2006/math">
+                      <m:r>
+                        <a:rPr lang="nb-NO" sz="1800" b="0" i="1" smtClean="0">
+                          <a:latin typeface="Cambria Math" panose="02040503050406030204" pitchFamily="18" charset="0"/>
+                        </a:rPr>
+                        <m:t>0</m:t>
+                      </m:r>
+                    </m:oMath>
+                  </m:oMathPara>
+                </a14:m>
+                <a:endParaRPr lang="nb-NO" dirty="0"/>
+              </a:p>
+            </p:txBody>
+          </p:sp>
+        </mc:Choice>
+        <mc:Fallback xmlns="">
+          <p:sp>
+            <p:nvSpPr>
+              <p:cNvPr id="14" name="TekstSylinder 13">
+                <a:extLst>
+                  <a:ext uri="{FF2B5EF4-FFF2-40B4-BE49-F238E27FC236}">
+                    <a16:creationId xmlns:a16="http://schemas.microsoft.com/office/drawing/2014/main" id="{4733E700-1A6D-C6AA-C76D-B1DA4077408C}"/>
+                  </a:ext>
+                </a:extLst>
+              </p:cNvPr>
+              <p:cNvSpPr txBox="1">
+                <a:spLocks noRot="1" noChangeAspect="1" noMove="1" noResize="1" noEditPoints="1" noAdjustHandles="1" noChangeArrowheads="1" noChangeShapeType="1" noTextEdit="1"/>
+              </p:cNvSpPr>
+              <p:nvPr/>
+            </p:nvSpPr>
+            <p:spPr>
+              <a:xfrm>
+                <a:off x="4417281" y="6523451"/>
+                <a:ext cx="327609" cy="369332"/>
+              </a:xfrm>
+              <a:prstGeom prst="rect">
+                <a:avLst/>
+              </a:prstGeom>
+              <a:blipFill>
+                <a:blip r:embed="rId5"/>
+                <a:stretch>
+                  <a:fillRect/>
+                </a:stretch>
+              </a:blipFill>
+            </p:spPr>
+            <p:txBody>
+              <a:bodyPr/>
+              <a:lstStyle/>
+              <a:p>
+                <a:r>
+                  <a:rPr lang="nb-NO">
+                    <a:noFill/>
+                  </a:rPr>
+                  <a:t> </a:t>
+                </a:r>
+              </a:p>
+            </p:txBody>
+          </p:sp>
+        </mc:Fallback>
+      </mc:AlternateContent>
+      <mc:AlternateContent xmlns:mc="http://schemas.openxmlformats.org/markup-compatibility/2006" xmlns:a14="http://schemas.microsoft.com/office/drawing/2010/main">
+        <mc:Choice Requires="a14">
+          <p:sp>
+            <p:nvSpPr>
+              <p:cNvPr id="21" name="TekstSylinder 20">
+                <a:extLst>
+                  <a:ext uri="{FF2B5EF4-FFF2-40B4-BE49-F238E27FC236}">
+                    <a16:creationId xmlns:a16="http://schemas.microsoft.com/office/drawing/2014/main" id="{CFF2015C-ABC0-EBCD-B5EA-58A098E99F81}"/>
+                  </a:ext>
+                </a:extLst>
+              </p:cNvPr>
+              <p:cNvSpPr txBox="1"/>
+              <p:nvPr/>
+            </p:nvSpPr>
+            <p:spPr>
+              <a:xfrm>
+                <a:off x="8008306" y="6365715"/>
+                <a:ext cx="461962" cy="369332"/>
+              </a:xfrm>
+              <a:prstGeom prst="rect">
+                <a:avLst/>
+              </a:prstGeom>
+              <a:noFill/>
+            </p:spPr>
+            <p:txBody>
+              <a:bodyPr wrap="square">
+                <a:spAutoFit/>
+              </a:bodyPr>
+              <a:lstStyle/>
+              <a:p>
+                <a:pPr/>
+                <a14:m>
+                  <m:oMathPara xmlns:m="http://schemas.openxmlformats.org/officeDocument/2006/math">
+                    <m:oMathParaPr>
+                      <m:jc m:val="centerGroup"/>
+                    </m:oMathParaPr>
+                    <m:oMath xmlns:m="http://schemas.openxmlformats.org/officeDocument/2006/math">
+                      <m:r>
+                        <a:rPr lang="nb-NO" sz="1800" b="0" i="1" smtClean="0">
+                          <a:latin typeface="Cambria Math" panose="02040503050406030204" pitchFamily="18" charset="0"/>
+                        </a:rPr>
+                        <m:t>−1</m:t>
+                      </m:r>
+                    </m:oMath>
+                  </m:oMathPara>
+                </a14:m>
+                <a:endParaRPr lang="nb-NO" dirty="0"/>
+              </a:p>
+            </p:txBody>
+          </p:sp>
+        </mc:Choice>
+        <mc:Fallback xmlns="">
+          <p:sp>
+            <p:nvSpPr>
+              <p:cNvPr id="21" name="TekstSylinder 20">
+                <a:extLst>
+                  <a:ext uri="{FF2B5EF4-FFF2-40B4-BE49-F238E27FC236}">
+                    <a16:creationId xmlns:a16="http://schemas.microsoft.com/office/drawing/2014/main" id="{CFF2015C-ABC0-EBCD-B5EA-58A098E99F81}"/>
+                  </a:ext>
+                </a:extLst>
+              </p:cNvPr>
+              <p:cNvSpPr txBox="1">
+                <a:spLocks noRot="1" noChangeAspect="1" noMove="1" noResize="1" noEditPoints="1" noAdjustHandles="1" noChangeArrowheads="1" noChangeShapeType="1" noTextEdit="1"/>
+              </p:cNvSpPr>
+              <p:nvPr/>
+            </p:nvSpPr>
+            <p:spPr>
+              <a:xfrm>
+                <a:off x="8008306" y="6365715"/>
+                <a:ext cx="461962" cy="369332"/>
+              </a:xfrm>
+              <a:prstGeom prst="rect">
+                <a:avLst/>
+              </a:prstGeom>
+              <a:blipFill>
+                <a:blip r:embed="rId6"/>
+                <a:stretch>
+                  <a:fillRect r="-2667"/>
+                </a:stretch>
+              </a:blipFill>
+            </p:spPr>
+            <p:txBody>
+              <a:bodyPr/>
+              <a:lstStyle/>
+              <a:p>
+                <a:r>
+                  <a:rPr lang="nb-NO">
+                    <a:noFill/>
+                  </a:rPr>
+                  <a:t> </a:t>
+                </a:r>
+              </a:p>
+            </p:txBody>
+          </p:sp>
+        </mc:Fallback>
+      </mc:AlternateContent>
+      <mc:AlternateContent xmlns:mc="http://schemas.openxmlformats.org/markup-compatibility/2006" xmlns:a14="http://schemas.microsoft.com/office/drawing/2010/main">
+        <mc:Choice Requires="a14">
+          <p:sp>
+            <p:nvSpPr>
+              <p:cNvPr id="23" name="TekstSylinder 22">
+                <a:extLst>
+                  <a:ext uri="{FF2B5EF4-FFF2-40B4-BE49-F238E27FC236}">
+                    <a16:creationId xmlns:a16="http://schemas.microsoft.com/office/drawing/2014/main" id="{8069FBAB-B307-0583-F99B-304969394BC5}"/>
+                  </a:ext>
+                </a:extLst>
+              </p:cNvPr>
+              <p:cNvSpPr txBox="1"/>
+              <p:nvPr/>
+            </p:nvSpPr>
+            <p:spPr>
+              <a:xfrm>
+                <a:off x="689045" y="6358541"/>
+                <a:ext cx="327609" cy="369332"/>
+              </a:xfrm>
+              <a:prstGeom prst="rect">
+                <a:avLst/>
+              </a:prstGeom>
+              <a:noFill/>
+            </p:spPr>
+            <p:txBody>
+              <a:bodyPr wrap="square">
+                <a:spAutoFit/>
+              </a:bodyPr>
+              <a:lstStyle/>
+              <a:p>
+                <a:pPr/>
+                <a14:m>
+                  <m:oMathPara xmlns:m="http://schemas.openxmlformats.org/officeDocument/2006/math">
+                    <m:oMathParaPr>
+                      <m:jc m:val="centerGroup"/>
+                    </m:oMathParaPr>
+                    <m:oMath xmlns:m="http://schemas.openxmlformats.org/officeDocument/2006/math">
+                      <m:r>
+                        <a:rPr lang="nb-NO" sz="1800" b="0" i="1" smtClean="0">
+                          <a:latin typeface="Cambria Math" panose="02040503050406030204" pitchFamily="18" charset="0"/>
+                        </a:rPr>
+                        <m:t>1</m:t>
+                      </m:r>
+                    </m:oMath>
+                  </m:oMathPara>
+                </a14:m>
+                <a:endParaRPr lang="nb-NO" dirty="0"/>
+              </a:p>
+            </p:txBody>
+          </p:sp>
+        </mc:Choice>
+        <mc:Fallback xmlns="">
+          <p:sp>
+            <p:nvSpPr>
+              <p:cNvPr id="23" name="TekstSylinder 22">
+                <a:extLst>
+                  <a:ext uri="{FF2B5EF4-FFF2-40B4-BE49-F238E27FC236}">
+                    <a16:creationId xmlns:a16="http://schemas.microsoft.com/office/drawing/2014/main" id="{8069FBAB-B307-0583-F99B-304969394BC5}"/>
+                  </a:ext>
+                </a:extLst>
+              </p:cNvPr>
+              <p:cNvSpPr txBox="1">
+                <a:spLocks noRot="1" noChangeAspect="1" noMove="1" noResize="1" noEditPoints="1" noAdjustHandles="1" noChangeArrowheads="1" noChangeShapeType="1" noTextEdit="1"/>
+              </p:cNvSpPr>
+              <p:nvPr/>
+            </p:nvSpPr>
+            <p:spPr>
+              <a:xfrm>
+                <a:off x="689045" y="6358541"/>
+                <a:ext cx="327609" cy="369332"/>
+              </a:xfrm>
+              <a:prstGeom prst="rect">
+                <a:avLst/>
+              </a:prstGeom>
+              <a:blipFill>
+                <a:blip r:embed="rId7"/>
+                <a:stretch>
+                  <a:fillRect/>
+                </a:stretch>
+              </a:blipFill>
+            </p:spPr>
+            <p:txBody>
+              <a:bodyPr/>
+              <a:lstStyle/>
+              <a:p>
+                <a:r>
+                  <a:rPr lang="nb-NO">
+                    <a:noFill/>
+                  </a:rPr>
+                  <a:t> </a:t>
+                </a:r>
+              </a:p>
+            </p:txBody>
+          </p:sp>
+        </mc:Fallback>
+      </mc:AlternateContent>
+      <mc:AlternateContent xmlns:mc="http://schemas.openxmlformats.org/markup-compatibility/2006" xmlns:a14="http://schemas.microsoft.com/office/drawing/2010/main">
+        <mc:Choice Requires="a14">
+          <p:sp>
+            <p:nvSpPr>
+              <p:cNvPr id="24" name="TekstSylinder 23">
+                <a:extLst>
+                  <a:ext uri="{FF2B5EF4-FFF2-40B4-BE49-F238E27FC236}">
+                    <a16:creationId xmlns:a16="http://schemas.microsoft.com/office/drawing/2014/main" id="{608863AC-B118-A8A7-06B5-A9544D78C0A2}"/>
+                  </a:ext>
+                </a:extLst>
+              </p:cNvPr>
+              <p:cNvSpPr txBox="1"/>
+              <p:nvPr/>
+            </p:nvSpPr>
+            <p:spPr>
+              <a:xfrm>
+                <a:off x="28868" y="439990"/>
+                <a:ext cx="838739" cy="369332"/>
+              </a:xfrm>
+              <a:prstGeom prst="rect">
+                <a:avLst/>
+              </a:prstGeom>
+              <a:noFill/>
+            </p:spPr>
+            <p:txBody>
+              <a:bodyPr wrap="square">
+                <a:spAutoFit/>
+              </a:bodyPr>
+              <a:lstStyle/>
+              <a:p>
+                <a:pPr/>
+                <a14:m>
+                  <m:oMathPara xmlns:m="http://schemas.openxmlformats.org/officeDocument/2006/math">
+                    <m:oMathParaPr>
+                      <m:jc m:val="centerGroup"/>
+                    </m:oMathParaPr>
+                    <m:oMath xmlns:m="http://schemas.openxmlformats.org/officeDocument/2006/math">
+                      <m:r>
+                        <a:rPr lang="nb-NO" sz="1800" b="0" i="1" smtClean="0">
+                          <a:solidFill>
+                            <a:srgbClr val="C00000"/>
+                          </a:solidFill>
+                          <a:latin typeface="Cambria Math" panose="02040503050406030204" pitchFamily="18" charset="0"/>
+                        </a:rPr>
+                        <m:t>𝐵</m:t>
+                      </m:r>
+                      <m:r>
+                        <a:rPr lang="nb-NO" sz="1800" b="0" i="1" smtClean="0">
+                          <a:solidFill>
+                            <a:srgbClr val="C00000"/>
+                          </a:solidFill>
+                          <a:latin typeface="Cambria Math" panose="02040503050406030204" pitchFamily="18" charset="0"/>
+                          <a:ea typeface="Cambria Math" panose="02040503050406030204" pitchFamily="18" charset="0"/>
+                        </a:rPr>
+                        <m:t>→</m:t>
+                      </m:r>
+                      <m:r>
+                        <a:rPr lang="nb-NO" sz="1800" b="0" i="1" smtClean="0">
+                          <a:solidFill>
+                            <a:srgbClr val="C00000"/>
+                          </a:solidFill>
+                          <a:latin typeface="Cambria Math" panose="02040503050406030204" pitchFamily="18" charset="0"/>
+                          <a:ea typeface="Cambria Math" panose="02040503050406030204" pitchFamily="18" charset="0"/>
+                        </a:rPr>
+                        <m:t>𝑇</m:t>
+                      </m:r>
+                    </m:oMath>
+                  </m:oMathPara>
+                </a14:m>
+                <a:endParaRPr lang="nb-NO" dirty="0">
+                  <a:solidFill>
+                    <a:srgbClr val="C00000"/>
+                  </a:solidFill>
+                </a:endParaRPr>
+              </a:p>
+            </p:txBody>
+          </p:sp>
+        </mc:Choice>
+        <mc:Fallback xmlns="">
+          <p:sp>
+            <p:nvSpPr>
+              <p:cNvPr id="24" name="TekstSylinder 23">
+                <a:extLst>
+                  <a:ext uri="{FF2B5EF4-FFF2-40B4-BE49-F238E27FC236}">
+                    <a16:creationId xmlns:a16="http://schemas.microsoft.com/office/drawing/2014/main" id="{608863AC-B118-A8A7-06B5-A9544D78C0A2}"/>
+                  </a:ext>
+                </a:extLst>
+              </p:cNvPr>
+              <p:cNvSpPr txBox="1">
+                <a:spLocks noRot="1" noChangeAspect="1" noMove="1" noResize="1" noEditPoints="1" noAdjustHandles="1" noChangeArrowheads="1" noChangeShapeType="1" noTextEdit="1"/>
+              </p:cNvSpPr>
+              <p:nvPr/>
+            </p:nvSpPr>
+            <p:spPr>
+              <a:xfrm>
+                <a:off x="28868" y="439990"/>
+                <a:ext cx="838739" cy="369332"/>
+              </a:xfrm>
+              <a:prstGeom prst="rect">
+                <a:avLst/>
+              </a:prstGeom>
+              <a:blipFill>
+                <a:blip r:embed="rId8"/>
+                <a:stretch>
+                  <a:fillRect/>
+                </a:stretch>
+              </a:blipFill>
+            </p:spPr>
+            <p:txBody>
+              <a:bodyPr/>
+              <a:lstStyle/>
+              <a:p>
+                <a:r>
+                  <a:rPr lang="nb-NO">
+                    <a:noFill/>
+                  </a:rPr>
+                  <a:t> </a:t>
+                </a:r>
+              </a:p>
+            </p:txBody>
+          </p:sp>
+        </mc:Fallback>
+      </mc:AlternateContent>
+      <mc:AlternateContent xmlns:mc="http://schemas.openxmlformats.org/markup-compatibility/2006" xmlns:a14="http://schemas.microsoft.com/office/drawing/2010/main">
+        <mc:Choice Requires="a14">
+          <p:sp>
+            <p:nvSpPr>
+              <p:cNvPr id="28" name="TekstSylinder 27">
+                <a:extLst>
+                  <a:ext uri="{FF2B5EF4-FFF2-40B4-BE49-F238E27FC236}">
+                    <a16:creationId xmlns:a16="http://schemas.microsoft.com/office/drawing/2014/main" id="{906D3435-1CE7-3419-EDF6-E3D5821CCE52}"/>
+                  </a:ext>
+                </a:extLst>
+              </p:cNvPr>
+              <p:cNvSpPr txBox="1"/>
+              <p:nvPr/>
+            </p:nvSpPr>
+            <p:spPr>
+              <a:xfrm>
+                <a:off x="16893" y="3739456"/>
+                <a:ext cx="838739" cy="369332"/>
+              </a:xfrm>
+              <a:prstGeom prst="rect">
+                <a:avLst/>
+              </a:prstGeom>
+              <a:noFill/>
+            </p:spPr>
+            <p:txBody>
+              <a:bodyPr wrap="square">
+                <a:spAutoFit/>
+              </a:bodyPr>
+              <a:lstStyle/>
+              <a:p>
+                <a:pPr/>
+                <a14:m>
+                  <m:oMathPara xmlns:m="http://schemas.openxmlformats.org/officeDocument/2006/math">
+                    <m:oMathParaPr>
+                      <m:jc m:val="centerGroup"/>
+                    </m:oMathParaPr>
+                    <m:oMath xmlns:m="http://schemas.openxmlformats.org/officeDocument/2006/math">
+                      <m:r>
+                        <a:rPr lang="nb-NO" sz="1800" b="0" i="1" smtClean="0">
+                          <a:solidFill>
+                            <a:schemeClr val="accent6">
+                              <a:lumMod val="75000"/>
+                            </a:schemeClr>
+                          </a:solidFill>
+                          <a:latin typeface="Cambria Math" panose="02040503050406030204" pitchFamily="18" charset="0"/>
+                        </a:rPr>
+                        <m:t>𝑃</m:t>
+                      </m:r>
+                      <m:r>
+                        <a:rPr lang="nb-NO" sz="1800" b="0" i="1" smtClean="0">
+                          <a:solidFill>
+                            <a:schemeClr val="accent6">
+                              <a:lumMod val="75000"/>
+                            </a:schemeClr>
+                          </a:solidFill>
+                          <a:latin typeface="Cambria Math" panose="02040503050406030204" pitchFamily="18" charset="0"/>
+                          <a:ea typeface="Cambria Math" panose="02040503050406030204" pitchFamily="18" charset="0"/>
+                        </a:rPr>
+                        <m:t>→</m:t>
+                      </m:r>
+                      <m:r>
+                        <a:rPr lang="nb-NO" sz="1800" b="0" i="1" smtClean="0">
+                          <a:solidFill>
+                            <a:schemeClr val="accent6">
+                              <a:lumMod val="75000"/>
+                            </a:schemeClr>
+                          </a:solidFill>
+                          <a:latin typeface="Cambria Math" panose="02040503050406030204" pitchFamily="18" charset="0"/>
+                          <a:ea typeface="Cambria Math" panose="02040503050406030204" pitchFamily="18" charset="0"/>
+                        </a:rPr>
+                        <m:t>𝐴</m:t>
+                      </m:r>
+                    </m:oMath>
+                  </m:oMathPara>
+                </a14:m>
+                <a:endParaRPr lang="nb-NO" dirty="0">
+                  <a:solidFill>
+                    <a:schemeClr val="accent6">
+                      <a:lumMod val="75000"/>
+                    </a:schemeClr>
+                  </a:solidFill>
+                </a:endParaRPr>
+              </a:p>
+            </p:txBody>
+          </p:sp>
+        </mc:Choice>
+        <mc:Fallback xmlns="">
+          <p:sp>
+            <p:nvSpPr>
+              <p:cNvPr id="28" name="TekstSylinder 27">
+                <a:extLst>
+                  <a:ext uri="{FF2B5EF4-FFF2-40B4-BE49-F238E27FC236}">
+                    <a16:creationId xmlns:a16="http://schemas.microsoft.com/office/drawing/2014/main" id="{906D3435-1CE7-3419-EDF6-E3D5821CCE52}"/>
+                  </a:ext>
+                </a:extLst>
+              </p:cNvPr>
+              <p:cNvSpPr txBox="1">
+                <a:spLocks noRot="1" noChangeAspect="1" noMove="1" noResize="1" noEditPoints="1" noAdjustHandles="1" noChangeArrowheads="1" noChangeShapeType="1" noTextEdit="1"/>
+              </p:cNvSpPr>
+              <p:nvPr/>
+            </p:nvSpPr>
+            <p:spPr>
+              <a:xfrm>
+                <a:off x="16893" y="3739456"/>
+                <a:ext cx="838739" cy="369332"/>
+              </a:xfrm>
+              <a:prstGeom prst="rect">
+                <a:avLst/>
+              </a:prstGeom>
+              <a:blipFill>
+                <a:blip r:embed="rId9"/>
+                <a:stretch>
+                  <a:fillRect/>
+                </a:stretch>
+              </a:blipFill>
+            </p:spPr>
+            <p:txBody>
+              <a:bodyPr/>
+              <a:lstStyle/>
+              <a:p>
+                <a:r>
+                  <a:rPr lang="nb-NO">
+                    <a:noFill/>
+                  </a:rPr>
+                  <a:t> </a:t>
+                </a:r>
+              </a:p>
+            </p:txBody>
+          </p:sp>
+        </mc:Fallback>
+      </mc:AlternateContent>
+      <mc:AlternateContent xmlns:mc="http://schemas.openxmlformats.org/markup-compatibility/2006" xmlns:a14="http://schemas.microsoft.com/office/drawing/2010/main">
+        <mc:Choice Requires="a14">
+          <p:sp>
+            <p:nvSpPr>
+              <p:cNvPr id="29" name="TekstSylinder 28">
+                <a:extLst>
+                  <a:ext uri="{FF2B5EF4-FFF2-40B4-BE49-F238E27FC236}">
+                    <a16:creationId xmlns:a16="http://schemas.microsoft.com/office/drawing/2014/main" id="{4E9A2222-0621-DBAA-881F-818D036A0ACE}"/>
+                  </a:ext>
+                </a:extLst>
+              </p:cNvPr>
+              <p:cNvSpPr txBox="1"/>
+              <p:nvPr/>
+            </p:nvSpPr>
+            <p:spPr>
+              <a:xfrm>
+                <a:off x="8305261" y="1327805"/>
+                <a:ext cx="838739" cy="369332"/>
+              </a:xfrm>
+              <a:prstGeom prst="rect">
+                <a:avLst/>
+              </a:prstGeom>
+              <a:noFill/>
+            </p:spPr>
+            <p:txBody>
+              <a:bodyPr wrap="square">
+                <a:spAutoFit/>
+              </a:bodyPr>
+              <a:lstStyle/>
+              <a:p>
+                <a:pPr/>
+                <a14:m>
+                  <m:oMathPara xmlns:m="http://schemas.openxmlformats.org/officeDocument/2006/math">
+                    <m:oMathParaPr>
+                      <m:jc m:val="centerGroup"/>
+                    </m:oMathParaPr>
+                    <m:oMath xmlns:m="http://schemas.openxmlformats.org/officeDocument/2006/math">
+                      <m:r>
+                        <a:rPr lang="nb-NO" sz="1800" b="0" i="1" smtClean="0">
+                          <a:solidFill>
+                            <a:schemeClr val="accent1">
+                              <a:lumMod val="60000"/>
+                              <a:lumOff val="40000"/>
+                            </a:schemeClr>
+                          </a:solidFill>
+                          <a:latin typeface="Cambria Math" panose="02040503050406030204" pitchFamily="18" charset="0"/>
+                        </a:rPr>
+                        <m:t>𝐴</m:t>
+                      </m:r>
+                      <m:r>
+                        <a:rPr lang="nb-NO" sz="1800" b="0" i="1" smtClean="0">
+                          <a:solidFill>
+                            <a:schemeClr val="accent1">
+                              <a:lumMod val="60000"/>
+                              <a:lumOff val="40000"/>
+                            </a:schemeClr>
+                          </a:solidFill>
+                          <a:latin typeface="Cambria Math" panose="02040503050406030204" pitchFamily="18" charset="0"/>
+                          <a:ea typeface="Cambria Math" panose="02040503050406030204" pitchFamily="18" charset="0"/>
+                        </a:rPr>
+                        <m:t>→</m:t>
+                      </m:r>
+                      <m:r>
+                        <a:rPr lang="nb-NO" sz="1800" b="0" i="1" smtClean="0">
+                          <a:solidFill>
+                            <a:schemeClr val="accent1">
+                              <a:lumMod val="60000"/>
+                              <a:lumOff val="40000"/>
+                            </a:schemeClr>
+                          </a:solidFill>
+                          <a:latin typeface="Cambria Math" panose="02040503050406030204" pitchFamily="18" charset="0"/>
+                          <a:ea typeface="Cambria Math" panose="02040503050406030204" pitchFamily="18" charset="0"/>
+                        </a:rPr>
+                        <m:t>𝑇</m:t>
+                      </m:r>
+                    </m:oMath>
+                  </m:oMathPara>
+                </a14:m>
+                <a:endParaRPr lang="nb-NO" dirty="0">
+                  <a:solidFill>
+                    <a:schemeClr val="accent1">
+                      <a:lumMod val="60000"/>
+                      <a:lumOff val="40000"/>
+                    </a:schemeClr>
+                  </a:solidFill>
+                </a:endParaRPr>
+              </a:p>
+            </p:txBody>
+          </p:sp>
+        </mc:Choice>
+        <mc:Fallback xmlns="">
+          <p:sp>
+            <p:nvSpPr>
+              <p:cNvPr id="29" name="TekstSylinder 28">
+                <a:extLst>
+                  <a:ext uri="{FF2B5EF4-FFF2-40B4-BE49-F238E27FC236}">
+                    <a16:creationId xmlns:a16="http://schemas.microsoft.com/office/drawing/2014/main" id="{4E9A2222-0621-DBAA-881F-818D036A0ACE}"/>
+                  </a:ext>
+                </a:extLst>
+              </p:cNvPr>
+              <p:cNvSpPr txBox="1">
+                <a:spLocks noRot="1" noChangeAspect="1" noMove="1" noResize="1" noEditPoints="1" noAdjustHandles="1" noChangeArrowheads="1" noChangeShapeType="1" noTextEdit="1"/>
+              </p:cNvSpPr>
+              <p:nvPr/>
+            </p:nvSpPr>
+            <p:spPr>
+              <a:xfrm>
+                <a:off x="8305261" y="1327805"/>
+                <a:ext cx="838739" cy="369332"/>
+              </a:xfrm>
+              <a:prstGeom prst="rect">
+                <a:avLst/>
+              </a:prstGeom>
+              <a:blipFill>
+                <a:blip r:embed="rId10"/>
+                <a:stretch>
+                  <a:fillRect/>
+                </a:stretch>
+              </a:blipFill>
+            </p:spPr>
+            <p:txBody>
+              <a:bodyPr/>
+              <a:lstStyle/>
+              <a:p>
+                <a:r>
+                  <a:rPr lang="nb-NO">
+                    <a:noFill/>
+                  </a:rPr>
+                  <a:t> </a:t>
+                </a:r>
+              </a:p>
+            </p:txBody>
+          </p:sp>
+        </mc:Fallback>
+      </mc:AlternateContent>
+      <mc:AlternateContent xmlns:mc="http://schemas.openxmlformats.org/markup-compatibility/2006" xmlns:a14="http://schemas.microsoft.com/office/drawing/2010/main">
+        <mc:Choice Requires="a14">
+          <p:sp>
+            <p:nvSpPr>
+              <p:cNvPr id="30" name="TekstSylinder 29">
+                <a:extLst>
+                  <a:ext uri="{FF2B5EF4-FFF2-40B4-BE49-F238E27FC236}">
+                    <a16:creationId xmlns:a16="http://schemas.microsoft.com/office/drawing/2014/main" id="{381CC5F1-0E95-23EF-3077-627C80640212}"/>
+                  </a:ext>
+                </a:extLst>
+              </p:cNvPr>
+              <p:cNvSpPr txBox="1"/>
+              <p:nvPr/>
+            </p:nvSpPr>
+            <p:spPr>
+              <a:xfrm>
+                <a:off x="8319139" y="4364898"/>
+                <a:ext cx="838739" cy="369332"/>
+              </a:xfrm>
+              <a:prstGeom prst="rect">
+                <a:avLst/>
+              </a:prstGeom>
+              <a:noFill/>
+            </p:spPr>
+            <p:txBody>
+              <a:bodyPr wrap="square">
+                <a:spAutoFit/>
+              </a:bodyPr>
+              <a:lstStyle/>
+              <a:p>
+                <a:pPr/>
+                <a14:m>
+                  <m:oMathPara xmlns:m="http://schemas.openxmlformats.org/officeDocument/2006/math">
+                    <m:oMathParaPr>
+                      <m:jc m:val="centerGroup"/>
+                    </m:oMathParaPr>
+                    <m:oMath xmlns:m="http://schemas.openxmlformats.org/officeDocument/2006/math">
+                      <m:r>
+                        <a:rPr lang="nb-NO" sz="1800" b="0" i="1" smtClean="0">
+                          <a:solidFill>
+                            <a:schemeClr val="accent5">
+                              <a:lumMod val="60000"/>
+                              <a:lumOff val="40000"/>
+                            </a:schemeClr>
+                          </a:solidFill>
+                          <a:latin typeface="Cambria Math" panose="02040503050406030204" pitchFamily="18" charset="0"/>
+                        </a:rPr>
+                        <m:t>𝑃</m:t>
+                      </m:r>
+                      <m:r>
+                        <a:rPr lang="nb-NO" sz="1800" b="0" i="1" smtClean="0">
+                          <a:solidFill>
+                            <a:schemeClr val="accent5">
+                              <a:lumMod val="60000"/>
+                              <a:lumOff val="40000"/>
+                            </a:schemeClr>
+                          </a:solidFill>
+                          <a:latin typeface="Cambria Math" panose="02040503050406030204" pitchFamily="18" charset="0"/>
+                          <a:ea typeface="Cambria Math" panose="02040503050406030204" pitchFamily="18" charset="0"/>
+                        </a:rPr>
+                        <m:t>→</m:t>
+                      </m:r>
+                      <m:r>
+                        <a:rPr lang="nb-NO" sz="1800" b="0" i="1" smtClean="0">
+                          <a:solidFill>
+                            <a:schemeClr val="accent5">
+                              <a:lumMod val="60000"/>
+                              <a:lumOff val="40000"/>
+                            </a:schemeClr>
+                          </a:solidFill>
+                          <a:latin typeface="Cambria Math" panose="02040503050406030204" pitchFamily="18" charset="0"/>
+                          <a:ea typeface="Cambria Math" panose="02040503050406030204" pitchFamily="18" charset="0"/>
+                        </a:rPr>
+                        <m:t>𝐵</m:t>
+                      </m:r>
+                    </m:oMath>
+                  </m:oMathPara>
+                </a14:m>
+                <a:endParaRPr lang="nb-NO" dirty="0">
+                  <a:solidFill>
+                    <a:schemeClr val="accent5">
+                      <a:lumMod val="60000"/>
+                      <a:lumOff val="40000"/>
+                    </a:schemeClr>
+                  </a:solidFill>
+                </a:endParaRPr>
+              </a:p>
+            </p:txBody>
+          </p:sp>
+        </mc:Choice>
+        <mc:Fallback xmlns="">
+          <p:sp>
+            <p:nvSpPr>
+              <p:cNvPr id="30" name="TekstSylinder 29">
+                <a:extLst>
+                  <a:ext uri="{FF2B5EF4-FFF2-40B4-BE49-F238E27FC236}">
+                    <a16:creationId xmlns:a16="http://schemas.microsoft.com/office/drawing/2014/main" id="{381CC5F1-0E95-23EF-3077-627C80640212}"/>
+                  </a:ext>
+                </a:extLst>
+              </p:cNvPr>
+              <p:cNvSpPr txBox="1">
+                <a:spLocks noRot="1" noChangeAspect="1" noMove="1" noResize="1" noEditPoints="1" noAdjustHandles="1" noChangeArrowheads="1" noChangeShapeType="1" noTextEdit="1"/>
+              </p:cNvSpPr>
+              <p:nvPr/>
+            </p:nvSpPr>
+            <p:spPr>
+              <a:xfrm>
+                <a:off x="8319139" y="4364898"/>
+                <a:ext cx="838739" cy="369332"/>
+              </a:xfrm>
+              <a:prstGeom prst="rect">
+                <a:avLst/>
+              </a:prstGeom>
+              <a:blipFill>
+                <a:blip r:embed="rId11"/>
+                <a:stretch>
+                  <a:fillRect/>
+                </a:stretch>
+              </a:blipFill>
+            </p:spPr>
+            <p:txBody>
+              <a:bodyPr/>
+              <a:lstStyle/>
+              <a:p>
+                <a:r>
+                  <a:rPr lang="nb-NO">
+                    <a:noFill/>
+                  </a:rPr>
+                  <a:t> </a:t>
+                </a:r>
+              </a:p>
+            </p:txBody>
+          </p:sp>
+        </mc:Fallback>
+      </mc:AlternateContent>
+      <mc:AlternateContent xmlns:mc="http://schemas.openxmlformats.org/markup-compatibility/2006" xmlns:a14="http://schemas.microsoft.com/office/drawing/2010/main">
+        <mc:Choice Requires="a14">
+          <p:sp>
+            <p:nvSpPr>
+              <p:cNvPr id="31" name="TekstSylinder 30">
+                <a:extLst>
+                  <a:ext uri="{FF2B5EF4-FFF2-40B4-BE49-F238E27FC236}">
+                    <a16:creationId xmlns:a16="http://schemas.microsoft.com/office/drawing/2014/main" id="{C530BF4F-DC53-FB9B-69B1-28A30C9BEBA5}"/>
+                  </a:ext>
+                </a:extLst>
+              </p:cNvPr>
+              <p:cNvSpPr txBox="1"/>
+              <p:nvPr/>
+            </p:nvSpPr>
+            <p:spPr>
+              <a:xfrm>
+                <a:off x="4041303" y="1150100"/>
+                <a:ext cx="473070" cy="369332"/>
+              </a:xfrm>
+              <a:prstGeom prst="rect">
+                <a:avLst/>
+              </a:prstGeom>
+              <a:noFill/>
+            </p:spPr>
+            <p:txBody>
+              <a:bodyPr wrap="square">
+                <a:spAutoFit/>
+              </a:bodyPr>
+              <a:lstStyle/>
+              <a:p>
+                <a:pPr/>
+                <a14:m>
+                  <m:oMathPara xmlns:m="http://schemas.openxmlformats.org/officeDocument/2006/math">
+                    <m:oMathParaPr>
+                      <m:jc m:val="center"/>
+                    </m:oMathParaPr>
+                    <m:oMath xmlns:m="http://schemas.openxmlformats.org/officeDocument/2006/math">
+                      <m:r>
+                        <a:rPr lang="nb-NO" sz="1800" b="0" i="1" smtClean="0">
+                          <a:solidFill>
+                            <a:schemeClr val="tx1"/>
+                          </a:solidFill>
+                          <a:latin typeface="Cambria Math" panose="02040503050406030204" pitchFamily="18" charset="0"/>
+                          <a:ea typeface="Cambria Math" panose="02040503050406030204" pitchFamily="18" charset="0"/>
+                        </a:rPr>
+                        <m:t>30</m:t>
+                      </m:r>
+                    </m:oMath>
+                  </m:oMathPara>
+                </a14:m>
+                <a:endParaRPr lang="nb-NO" dirty="0">
+                  <a:solidFill>
+                    <a:srgbClr val="C00000"/>
+                  </a:solidFill>
+                </a:endParaRPr>
+              </a:p>
+            </p:txBody>
+          </p:sp>
+        </mc:Choice>
+        <mc:Fallback xmlns="">
+          <p:sp>
+            <p:nvSpPr>
+              <p:cNvPr id="31" name="TekstSylinder 30">
+                <a:extLst>
+                  <a:ext uri="{FF2B5EF4-FFF2-40B4-BE49-F238E27FC236}">
+                    <a16:creationId xmlns:a16="http://schemas.microsoft.com/office/drawing/2014/main" id="{C530BF4F-DC53-FB9B-69B1-28A30C9BEBA5}"/>
+                  </a:ext>
+                </a:extLst>
+              </p:cNvPr>
+              <p:cNvSpPr txBox="1">
+                <a:spLocks noRot="1" noChangeAspect="1" noMove="1" noResize="1" noEditPoints="1" noAdjustHandles="1" noChangeArrowheads="1" noChangeShapeType="1" noTextEdit="1"/>
+              </p:cNvSpPr>
+              <p:nvPr/>
+            </p:nvSpPr>
+            <p:spPr>
+              <a:xfrm>
+                <a:off x="4041303" y="1150100"/>
+                <a:ext cx="473070" cy="369332"/>
+              </a:xfrm>
+              <a:prstGeom prst="rect">
+                <a:avLst/>
+              </a:prstGeom>
+              <a:blipFill>
+                <a:blip r:embed="rId12"/>
+                <a:stretch>
+                  <a:fillRect/>
+                </a:stretch>
+              </a:blipFill>
+            </p:spPr>
+            <p:txBody>
+              <a:bodyPr/>
+              <a:lstStyle/>
+              <a:p>
+                <a:r>
+                  <a:rPr lang="nb-NO">
+                    <a:noFill/>
+                  </a:rPr>
+                  <a:t> </a:t>
+                </a:r>
+              </a:p>
+            </p:txBody>
+          </p:sp>
+        </mc:Fallback>
+      </mc:AlternateContent>
+      <mc:AlternateContent xmlns:mc="http://schemas.openxmlformats.org/markup-compatibility/2006" xmlns:a14="http://schemas.microsoft.com/office/drawing/2010/main">
+        <mc:Choice Requires="a14">
+          <p:sp>
+            <p:nvSpPr>
+              <p:cNvPr id="32" name="TekstSylinder 31">
+                <a:extLst>
+                  <a:ext uri="{FF2B5EF4-FFF2-40B4-BE49-F238E27FC236}">
+                    <a16:creationId xmlns:a16="http://schemas.microsoft.com/office/drawing/2014/main" id="{9D78CAD6-7BE7-0A40-0944-38BB40C9937B}"/>
+                  </a:ext>
+                </a:extLst>
+              </p:cNvPr>
+              <p:cNvSpPr txBox="1"/>
+              <p:nvPr/>
+            </p:nvSpPr>
+            <p:spPr>
+              <a:xfrm>
+                <a:off x="4041303" y="2831642"/>
+                <a:ext cx="473070" cy="369332"/>
+              </a:xfrm>
+              <a:prstGeom prst="rect">
+                <a:avLst/>
+              </a:prstGeom>
+              <a:noFill/>
+            </p:spPr>
+            <p:txBody>
+              <a:bodyPr wrap="square">
+                <a:spAutoFit/>
+              </a:bodyPr>
+              <a:lstStyle/>
+              <a:p>
+                <a:pPr/>
+                <a14:m>
+                  <m:oMathPara xmlns:m="http://schemas.openxmlformats.org/officeDocument/2006/math">
+                    <m:oMathParaPr>
+                      <m:jc m:val="center"/>
+                    </m:oMathParaPr>
+                    <m:oMath xmlns:m="http://schemas.openxmlformats.org/officeDocument/2006/math">
+                      <m:r>
+                        <a:rPr lang="nb-NO" sz="1800" b="0" i="1" smtClean="0">
+                          <a:solidFill>
+                            <a:schemeClr val="tx1"/>
+                          </a:solidFill>
+                          <a:latin typeface="Cambria Math" panose="02040503050406030204" pitchFamily="18" charset="0"/>
+                          <a:ea typeface="Cambria Math" panose="02040503050406030204" pitchFamily="18" charset="0"/>
+                        </a:rPr>
+                        <m:t>20</m:t>
+                      </m:r>
+                    </m:oMath>
+                  </m:oMathPara>
+                </a14:m>
+                <a:endParaRPr lang="nb-NO" dirty="0">
+                  <a:solidFill>
+                    <a:srgbClr val="C00000"/>
+                  </a:solidFill>
+                </a:endParaRPr>
+              </a:p>
+            </p:txBody>
+          </p:sp>
+        </mc:Choice>
+        <mc:Fallback xmlns="">
+          <p:sp>
+            <p:nvSpPr>
+              <p:cNvPr id="32" name="TekstSylinder 31">
+                <a:extLst>
+                  <a:ext uri="{FF2B5EF4-FFF2-40B4-BE49-F238E27FC236}">
+                    <a16:creationId xmlns:a16="http://schemas.microsoft.com/office/drawing/2014/main" id="{9D78CAD6-7BE7-0A40-0944-38BB40C9937B}"/>
+                  </a:ext>
+                </a:extLst>
+              </p:cNvPr>
+              <p:cNvSpPr txBox="1">
+                <a:spLocks noRot="1" noChangeAspect="1" noMove="1" noResize="1" noEditPoints="1" noAdjustHandles="1" noChangeArrowheads="1" noChangeShapeType="1" noTextEdit="1"/>
+              </p:cNvSpPr>
+              <p:nvPr/>
+            </p:nvSpPr>
+            <p:spPr>
+              <a:xfrm>
+                <a:off x="4041303" y="2831642"/>
+                <a:ext cx="473070" cy="369332"/>
+              </a:xfrm>
+              <a:prstGeom prst="rect">
+                <a:avLst/>
+              </a:prstGeom>
+              <a:blipFill>
+                <a:blip r:embed="rId13"/>
+                <a:stretch>
+                  <a:fillRect/>
+                </a:stretch>
+              </a:blipFill>
+            </p:spPr>
+            <p:txBody>
+              <a:bodyPr/>
+              <a:lstStyle/>
+              <a:p>
+                <a:r>
+                  <a:rPr lang="nb-NO">
+                    <a:noFill/>
+                  </a:rPr>
+                  <a:t> </a:t>
+                </a:r>
+              </a:p>
+            </p:txBody>
+          </p:sp>
+        </mc:Fallback>
+      </mc:AlternateContent>
+      <mc:AlternateContent xmlns:mc="http://schemas.openxmlformats.org/markup-compatibility/2006" xmlns:a14="http://schemas.microsoft.com/office/drawing/2010/main">
+        <mc:Choice Requires="a14">
+          <p:sp>
+            <p:nvSpPr>
+              <p:cNvPr id="34" name="TekstSylinder 33">
+                <a:extLst>
+                  <a:ext uri="{FF2B5EF4-FFF2-40B4-BE49-F238E27FC236}">
+                    <a16:creationId xmlns:a16="http://schemas.microsoft.com/office/drawing/2014/main" id="{3ECDB758-F052-0404-271E-B828901C7318}"/>
+                  </a:ext>
+                </a:extLst>
+              </p:cNvPr>
+              <p:cNvSpPr txBox="1"/>
+              <p:nvPr/>
+            </p:nvSpPr>
+            <p:spPr>
+              <a:xfrm>
+                <a:off x="4041303" y="4501369"/>
+                <a:ext cx="473070" cy="369332"/>
+              </a:xfrm>
+              <a:prstGeom prst="rect">
+                <a:avLst/>
+              </a:prstGeom>
+              <a:noFill/>
+            </p:spPr>
+            <p:txBody>
+              <a:bodyPr wrap="square">
+                <a:spAutoFit/>
+              </a:bodyPr>
+              <a:lstStyle/>
+              <a:p>
+                <a:pPr/>
+                <a14:m>
+                  <m:oMathPara xmlns:m="http://schemas.openxmlformats.org/officeDocument/2006/math">
+                    <m:oMathParaPr>
+                      <m:jc m:val="center"/>
+                    </m:oMathParaPr>
+                    <m:oMath xmlns:m="http://schemas.openxmlformats.org/officeDocument/2006/math">
+                      <m:r>
+                        <a:rPr lang="nb-NO" sz="1800" b="0" i="1" smtClean="0">
+                          <a:solidFill>
+                            <a:schemeClr val="tx1"/>
+                          </a:solidFill>
+                          <a:latin typeface="Cambria Math" panose="02040503050406030204" pitchFamily="18" charset="0"/>
+                          <a:ea typeface="Cambria Math" panose="02040503050406030204" pitchFamily="18" charset="0"/>
+                        </a:rPr>
+                        <m:t>10</m:t>
+                      </m:r>
+                    </m:oMath>
+                  </m:oMathPara>
+                </a14:m>
+                <a:endParaRPr lang="nb-NO" dirty="0">
+                  <a:solidFill>
+                    <a:srgbClr val="C00000"/>
+                  </a:solidFill>
+                </a:endParaRPr>
+              </a:p>
+            </p:txBody>
+          </p:sp>
+        </mc:Choice>
+        <mc:Fallback xmlns="">
+          <p:sp>
+            <p:nvSpPr>
+              <p:cNvPr id="34" name="TekstSylinder 33">
+                <a:extLst>
+                  <a:ext uri="{FF2B5EF4-FFF2-40B4-BE49-F238E27FC236}">
+                    <a16:creationId xmlns:a16="http://schemas.microsoft.com/office/drawing/2014/main" id="{3ECDB758-F052-0404-271E-B828901C7318}"/>
+                  </a:ext>
+                </a:extLst>
+              </p:cNvPr>
+              <p:cNvSpPr txBox="1">
+                <a:spLocks noRot="1" noChangeAspect="1" noMove="1" noResize="1" noEditPoints="1" noAdjustHandles="1" noChangeArrowheads="1" noChangeShapeType="1" noTextEdit="1"/>
+              </p:cNvSpPr>
+              <p:nvPr/>
+            </p:nvSpPr>
+            <p:spPr>
+              <a:xfrm>
+                <a:off x="4041303" y="4501369"/>
+                <a:ext cx="473070" cy="369332"/>
+              </a:xfrm>
+              <a:prstGeom prst="rect">
+                <a:avLst/>
+              </a:prstGeom>
+              <a:blipFill>
+                <a:blip r:embed="rId14"/>
+                <a:stretch>
+                  <a:fillRect/>
+                </a:stretch>
+              </a:blipFill>
+            </p:spPr>
+            <p:txBody>
+              <a:bodyPr/>
+              <a:lstStyle/>
+              <a:p>
+                <a:r>
+                  <a:rPr lang="nb-NO">
+                    <a:noFill/>
+                  </a:rPr>
+                  <a:t> </a:t>
+                </a:r>
+              </a:p>
+            </p:txBody>
+          </p:sp>
+        </mc:Fallback>
+      </mc:AlternateContent>
     </p:spTree>
     <p:extLst>
       <p:ext uri="{BB962C8B-B14F-4D97-AF65-F5344CB8AC3E}">
@@ -15856,35 +16756,1165 @@
       </p:grpSpPr>
       <p:grpSp>
         <p:nvGrpSpPr>
-          <p:cNvPr id="52" name="Group 51">
+          <p:cNvPr id="3" name="Gruppe 2">
             <a:extLst>
               <a:ext uri="{FF2B5EF4-FFF2-40B4-BE49-F238E27FC236}">
-                <a16:creationId xmlns:a16="http://schemas.microsoft.com/office/drawing/2014/main" id="{E3BD1B38-F328-C936-23E6-FFC39061B56D}"/>
+                <a16:creationId xmlns:a16="http://schemas.microsoft.com/office/drawing/2014/main" id="{808CFAF4-AD2C-842F-331D-C1FD5E36AD50}"/>
               </a:ext>
             </a:extLst>
           </p:cNvPr>
-          <p:cNvGrpSpPr>
-            <a:grpSpLocks noChangeAspect="1"/>
-          </p:cNvGrpSpPr>
+          <p:cNvGrpSpPr/>
           <p:nvPr/>
         </p:nvGrpSpPr>
         <p:grpSpPr>
           <a:xfrm>
-            <a:off x="1557569" y="2357546"/>
-            <a:ext cx="6382584" cy="2140536"/>
-            <a:chOff x="491613" y="1438275"/>
-            <a:chExt cx="11257935" cy="3775589"/>
+            <a:off x="1194919" y="1961599"/>
+            <a:ext cx="6864078" cy="3787730"/>
+            <a:chOff x="1194919" y="1961599"/>
+            <a:chExt cx="6864078" cy="3787730"/>
           </a:xfrm>
-          <a:solidFill>
-            <a:schemeClr val="tx1"/>
-          </a:solidFill>
         </p:grpSpPr>
+        <p:grpSp>
+          <p:nvGrpSpPr>
+            <p:cNvPr id="52" name="Group 51">
+              <a:extLst>
+                <a:ext uri="{FF2B5EF4-FFF2-40B4-BE49-F238E27FC236}">
+                  <a16:creationId xmlns:a16="http://schemas.microsoft.com/office/drawing/2014/main" id="{E3BD1B38-F328-C936-23E6-FFC39061B56D}"/>
+                </a:ext>
+              </a:extLst>
+            </p:cNvPr>
+            <p:cNvGrpSpPr>
+              <a:grpSpLocks noChangeAspect="1"/>
+            </p:cNvGrpSpPr>
+            <p:nvPr/>
+          </p:nvGrpSpPr>
+          <p:grpSpPr>
+            <a:xfrm>
+              <a:off x="1557569" y="2357546"/>
+              <a:ext cx="6382584" cy="2140536"/>
+              <a:chOff x="491613" y="1438275"/>
+              <a:chExt cx="11257935" cy="3775589"/>
+            </a:xfrm>
+            <a:solidFill>
+              <a:schemeClr val="tx1"/>
+            </a:solidFill>
+          </p:grpSpPr>
+          <p:cxnSp>
+            <p:nvCxnSpPr>
+              <p:cNvPr id="11" name="Straight Connector 10">
+                <a:extLst>
+                  <a:ext uri="{FF2B5EF4-FFF2-40B4-BE49-F238E27FC236}">
+                    <a16:creationId xmlns:a16="http://schemas.microsoft.com/office/drawing/2014/main" id="{14098A12-EC2C-D8CD-A637-72521AC9D3BA}"/>
+                  </a:ext>
+                </a:extLst>
+              </p:cNvPr>
+              <p:cNvCxnSpPr>
+                <a:cxnSpLocks/>
+              </p:cNvCxnSpPr>
+              <p:nvPr/>
+            </p:nvCxnSpPr>
+            <p:spPr>
+              <a:xfrm>
+                <a:off x="491613" y="1443184"/>
+                <a:ext cx="11257935" cy="0"/>
+              </a:xfrm>
+              <a:prstGeom prst="line">
+                <a:avLst/>
+              </a:prstGeom>
+              <a:grpFill/>
+              <a:ln w="38100">
+                <a:solidFill>
+                  <a:schemeClr val="tx1"/>
+                </a:solidFill>
+              </a:ln>
+            </p:spPr>
+            <p:style>
+              <a:lnRef idx="2">
+                <a:schemeClr val="accent1"/>
+              </a:lnRef>
+              <a:fillRef idx="0">
+                <a:schemeClr val="accent1"/>
+              </a:fillRef>
+              <a:effectRef idx="1">
+                <a:schemeClr val="accent1"/>
+              </a:effectRef>
+              <a:fontRef idx="minor">
+                <a:schemeClr val="tx1"/>
+              </a:fontRef>
+            </p:style>
+          </p:cxnSp>
+          <p:cxnSp>
+            <p:nvCxnSpPr>
+              <p:cNvPr id="14" name="Straight Connector 13">
+                <a:extLst>
+                  <a:ext uri="{FF2B5EF4-FFF2-40B4-BE49-F238E27FC236}">
+                    <a16:creationId xmlns:a16="http://schemas.microsoft.com/office/drawing/2014/main" id="{80A02CEC-51D4-11B2-94D0-33BB7DB668A6}"/>
+                  </a:ext>
+                </a:extLst>
+              </p:cNvPr>
+              <p:cNvCxnSpPr>
+                <a:cxnSpLocks/>
+              </p:cNvCxnSpPr>
+              <p:nvPr/>
+            </p:nvCxnSpPr>
+            <p:spPr>
+              <a:xfrm>
+                <a:off x="491613" y="5213864"/>
+                <a:ext cx="11257935" cy="0"/>
+              </a:xfrm>
+              <a:prstGeom prst="line">
+                <a:avLst/>
+              </a:prstGeom>
+              <a:grpFill/>
+              <a:ln w="38100">
+                <a:solidFill>
+                  <a:schemeClr val="tx1"/>
+                </a:solidFill>
+              </a:ln>
+            </p:spPr>
+            <p:style>
+              <a:lnRef idx="2">
+                <a:schemeClr val="accent1"/>
+              </a:lnRef>
+              <a:fillRef idx="0">
+                <a:schemeClr val="accent1"/>
+              </a:fillRef>
+              <a:effectRef idx="1">
+                <a:schemeClr val="accent1"/>
+              </a:effectRef>
+              <a:fontRef idx="minor">
+                <a:schemeClr val="tx1"/>
+              </a:fontRef>
+            </p:style>
+          </p:cxnSp>
+          <p:cxnSp>
+            <p:nvCxnSpPr>
+              <p:cNvPr id="16" name="Straight Connector 15">
+                <a:extLst>
+                  <a:ext uri="{FF2B5EF4-FFF2-40B4-BE49-F238E27FC236}">
+                    <a16:creationId xmlns:a16="http://schemas.microsoft.com/office/drawing/2014/main" id="{EFEFDBA9-8580-92E7-2CC7-70A0631215A3}"/>
+                  </a:ext>
+                </a:extLst>
+              </p:cNvPr>
+              <p:cNvCxnSpPr>
+                <a:cxnSpLocks/>
+              </p:cNvCxnSpPr>
+              <p:nvPr/>
+            </p:nvCxnSpPr>
+            <p:spPr>
+              <a:xfrm>
+                <a:off x="491613" y="1443184"/>
+                <a:ext cx="0" cy="3770680"/>
+              </a:xfrm>
+              <a:prstGeom prst="line">
+                <a:avLst/>
+              </a:prstGeom>
+              <a:grpFill/>
+              <a:ln w="38100">
+                <a:solidFill>
+                  <a:schemeClr val="tx1"/>
+                </a:solidFill>
+              </a:ln>
+            </p:spPr>
+            <p:style>
+              <a:lnRef idx="2">
+                <a:schemeClr val="accent1"/>
+              </a:lnRef>
+              <a:fillRef idx="0">
+                <a:schemeClr val="accent1"/>
+              </a:fillRef>
+              <a:effectRef idx="1">
+                <a:schemeClr val="accent1"/>
+              </a:effectRef>
+              <a:fontRef idx="minor">
+                <a:schemeClr val="tx1"/>
+              </a:fontRef>
+            </p:style>
+          </p:cxnSp>
+          <p:cxnSp>
+            <p:nvCxnSpPr>
+              <p:cNvPr id="19" name="Straight Connector 18">
+                <a:extLst>
+                  <a:ext uri="{FF2B5EF4-FFF2-40B4-BE49-F238E27FC236}">
+                    <a16:creationId xmlns:a16="http://schemas.microsoft.com/office/drawing/2014/main" id="{6D1A394F-3C49-85DB-8AF8-5B38D1FF5087}"/>
+                  </a:ext>
+                </a:extLst>
+              </p:cNvPr>
+              <p:cNvCxnSpPr>
+                <a:cxnSpLocks/>
+              </p:cNvCxnSpPr>
+              <p:nvPr/>
+            </p:nvCxnSpPr>
+            <p:spPr>
+              <a:xfrm>
+                <a:off x="11742461" y="1443184"/>
+                <a:ext cx="0" cy="3770680"/>
+              </a:xfrm>
+              <a:prstGeom prst="line">
+                <a:avLst/>
+              </a:prstGeom>
+              <a:grpFill/>
+              <a:ln w="38100">
+                <a:solidFill>
+                  <a:schemeClr val="tx1"/>
+                </a:solidFill>
+              </a:ln>
+            </p:spPr>
+            <p:style>
+              <a:lnRef idx="2">
+                <a:schemeClr val="accent1"/>
+              </a:lnRef>
+              <a:fillRef idx="0">
+                <a:schemeClr val="accent1"/>
+              </a:fillRef>
+              <a:effectRef idx="1">
+                <a:schemeClr val="accent1"/>
+              </a:effectRef>
+              <a:fontRef idx="minor">
+                <a:schemeClr val="tx1"/>
+              </a:fontRef>
+            </p:style>
+          </p:cxnSp>
+          <p:cxnSp>
+            <p:nvCxnSpPr>
+              <p:cNvPr id="20" name="Straight Connector 19">
+                <a:extLst>
+                  <a:ext uri="{FF2B5EF4-FFF2-40B4-BE49-F238E27FC236}">
+                    <a16:creationId xmlns:a16="http://schemas.microsoft.com/office/drawing/2014/main" id="{164463A7-FB0B-6471-3D99-1232BC82E3B5}"/>
+                  </a:ext>
+                </a:extLst>
+              </p:cNvPr>
+              <p:cNvCxnSpPr>
+                <a:cxnSpLocks/>
+              </p:cNvCxnSpPr>
+              <p:nvPr/>
+            </p:nvCxnSpPr>
+            <p:spPr>
+              <a:xfrm>
+                <a:off x="8736330" y="1443184"/>
+                <a:ext cx="1813560" cy="3039281"/>
+              </a:xfrm>
+              <a:prstGeom prst="line">
+                <a:avLst/>
+              </a:prstGeom>
+              <a:grpFill/>
+              <a:ln w="38100">
+                <a:solidFill>
+                  <a:schemeClr val="tx1"/>
+                </a:solidFill>
+              </a:ln>
+            </p:spPr>
+            <p:style>
+              <a:lnRef idx="2">
+                <a:schemeClr val="accent1"/>
+              </a:lnRef>
+              <a:fillRef idx="0">
+                <a:schemeClr val="accent1"/>
+              </a:fillRef>
+              <a:effectRef idx="1">
+                <a:schemeClr val="accent1"/>
+              </a:effectRef>
+              <a:fontRef idx="minor">
+                <a:schemeClr val="tx1"/>
+              </a:fontRef>
+            </p:style>
+          </p:cxnSp>
+          <p:cxnSp>
+            <p:nvCxnSpPr>
+              <p:cNvPr id="25" name="Straight Connector 24">
+                <a:extLst>
+                  <a:ext uri="{FF2B5EF4-FFF2-40B4-BE49-F238E27FC236}">
+                    <a16:creationId xmlns:a16="http://schemas.microsoft.com/office/drawing/2014/main" id="{38F185D6-ADC2-4B37-6B36-1D108FA17383}"/>
+                  </a:ext>
+                </a:extLst>
+              </p:cNvPr>
+              <p:cNvCxnSpPr>
+                <a:cxnSpLocks/>
+              </p:cNvCxnSpPr>
+              <p:nvPr/>
+            </p:nvCxnSpPr>
+            <p:spPr>
+              <a:xfrm flipH="1">
+                <a:off x="8736330" y="2171598"/>
+                <a:ext cx="1813560" cy="3039281"/>
+              </a:xfrm>
+              <a:prstGeom prst="line">
+                <a:avLst/>
+              </a:prstGeom>
+              <a:grpFill/>
+              <a:ln w="38100">
+                <a:solidFill>
+                  <a:schemeClr val="tx1"/>
+                </a:solidFill>
+              </a:ln>
+            </p:spPr>
+            <p:style>
+              <a:lnRef idx="2">
+                <a:schemeClr val="accent1"/>
+              </a:lnRef>
+              <a:fillRef idx="0">
+                <a:schemeClr val="accent1"/>
+              </a:fillRef>
+              <a:effectRef idx="1">
+                <a:schemeClr val="accent1"/>
+              </a:effectRef>
+              <a:fontRef idx="minor">
+                <a:schemeClr val="tx1"/>
+              </a:fontRef>
+            </p:style>
+          </p:cxnSp>
+          <p:cxnSp>
+            <p:nvCxnSpPr>
+              <p:cNvPr id="26" name="Straight Connector 25">
+                <a:extLst>
+                  <a:ext uri="{FF2B5EF4-FFF2-40B4-BE49-F238E27FC236}">
+                    <a16:creationId xmlns:a16="http://schemas.microsoft.com/office/drawing/2014/main" id="{7BAFED0C-D050-1B19-6CB6-921D4019B88D}"/>
+                  </a:ext>
+                </a:extLst>
+              </p:cNvPr>
+              <p:cNvCxnSpPr>
+                <a:cxnSpLocks/>
+              </p:cNvCxnSpPr>
+              <p:nvPr/>
+            </p:nvCxnSpPr>
+            <p:spPr>
+              <a:xfrm>
+                <a:off x="4615180" y="4453890"/>
+                <a:ext cx="772160" cy="0"/>
+              </a:xfrm>
+              <a:prstGeom prst="line">
+                <a:avLst/>
+              </a:prstGeom>
+              <a:grpFill/>
+              <a:ln w="38100">
+                <a:solidFill>
+                  <a:schemeClr val="tx1"/>
+                </a:solidFill>
+              </a:ln>
+            </p:spPr>
+            <p:style>
+              <a:lnRef idx="2">
+                <a:schemeClr val="accent1"/>
+              </a:lnRef>
+              <a:fillRef idx="0">
+                <a:schemeClr val="accent1"/>
+              </a:fillRef>
+              <a:effectRef idx="1">
+                <a:schemeClr val="accent1"/>
+              </a:effectRef>
+              <a:fontRef idx="minor">
+                <a:schemeClr val="tx1"/>
+              </a:fontRef>
+            </p:style>
+          </p:cxnSp>
+          <p:cxnSp>
+            <p:nvCxnSpPr>
+              <p:cNvPr id="29" name="Straight Connector 28">
+                <a:extLst>
+                  <a:ext uri="{FF2B5EF4-FFF2-40B4-BE49-F238E27FC236}">
+                    <a16:creationId xmlns:a16="http://schemas.microsoft.com/office/drawing/2014/main" id="{5021C88A-9E79-1E1E-3251-ABAB99BEE4B6}"/>
+                  </a:ext>
+                </a:extLst>
+              </p:cNvPr>
+              <p:cNvCxnSpPr>
+                <a:cxnSpLocks/>
+              </p:cNvCxnSpPr>
+              <p:nvPr/>
+            </p:nvCxnSpPr>
+            <p:spPr>
+              <a:xfrm flipV="1">
+                <a:off x="5001260" y="4453890"/>
+                <a:ext cx="0" cy="756285"/>
+              </a:xfrm>
+              <a:prstGeom prst="line">
+                <a:avLst/>
+              </a:prstGeom>
+              <a:grpFill/>
+              <a:ln w="38100">
+                <a:solidFill>
+                  <a:schemeClr val="tx1"/>
+                </a:solidFill>
+              </a:ln>
+            </p:spPr>
+            <p:style>
+              <a:lnRef idx="2">
+                <a:schemeClr val="accent1"/>
+              </a:lnRef>
+              <a:fillRef idx="0">
+                <a:schemeClr val="accent1"/>
+              </a:fillRef>
+              <a:effectRef idx="1">
+                <a:schemeClr val="accent1"/>
+              </a:effectRef>
+              <a:fontRef idx="minor">
+                <a:schemeClr val="tx1"/>
+              </a:fontRef>
+            </p:style>
+          </p:cxnSp>
+          <p:cxnSp>
+            <p:nvCxnSpPr>
+              <p:cNvPr id="34" name="Straight Connector 33">
+                <a:extLst>
+                  <a:ext uri="{FF2B5EF4-FFF2-40B4-BE49-F238E27FC236}">
+                    <a16:creationId xmlns:a16="http://schemas.microsoft.com/office/drawing/2014/main" id="{E35BF426-AA0E-F9AA-84DF-503983AF7DC0}"/>
+                  </a:ext>
+                </a:extLst>
+              </p:cNvPr>
+              <p:cNvCxnSpPr>
+                <a:cxnSpLocks/>
+              </p:cNvCxnSpPr>
+              <p:nvPr/>
+            </p:nvCxnSpPr>
+            <p:spPr>
+              <a:xfrm flipV="1">
+                <a:off x="5001260" y="1438275"/>
+                <a:ext cx="0" cy="1830705"/>
+              </a:xfrm>
+              <a:prstGeom prst="line">
+                <a:avLst/>
+              </a:prstGeom>
+              <a:grpFill/>
+              <a:ln w="38100">
+                <a:solidFill>
+                  <a:schemeClr val="tx1"/>
+                </a:solidFill>
+              </a:ln>
+            </p:spPr>
+            <p:style>
+              <a:lnRef idx="2">
+                <a:schemeClr val="accent1"/>
+              </a:lnRef>
+              <a:fillRef idx="0">
+                <a:schemeClr val="accent1"/>
+              </a:fillRef>
+              <a:effectRef idx="1">
+                <a:schemeClr val="accent1"/>
+              </a:effectRef>
+              <a:fontRef idx="minor">
+                <a:schemeClr val="tx1"/>
+              </a:fontRef>
+            </p:style>
+          </p:cxnSp>
+          <p:cxnSp>
+            <p:nvCxnSpPr>
+              <p:cNvPr id="37" name="Straight Connector 36">
+                <a:extLst>
+                  <a:ext uri="{FF2B5EF4-FFF2-40B4-BE49-F238E27FC236}">
+                    <a16:creationId xmlns:a16="http://schemas.microsoft.com/office/drawing/2014/main" id="{D6A406B4-7CDE-8013-0EDE-FD6B16B7A4B4}"/>
+                  </a:ext>
+                </a:extLst>
+              </p:cNvPr>
+              <p:cNvCxnSpPr>
+                <a:cxnSpLocks/>
+              </p:cNvCxnSpPr>
+              <p:nvPr/>
+            </p:nvCxnSpPr>
+            <p:spPr>
+              <a:xfrm flipV="1">
+                <a:off x="7233920" y="1438275"/>
+                <a:ext cx="0" cy="1830705"/>
+              </a:xfrm>
+              <a:prstGeom prst="line">
+                <a:avLst/>
+              </a:prstGeom>
+              <a:grpFill/>
+              <a:ln w="38100">
+                <a:solidFill>
+                  <a:schemeClr val="tx1"/>
+                </a:solidFill>
+              </a:ln>
+            </p:spPr>
+            <p:style>
+              <a:lnRef idx="2">
+                <a:schemeClr val="accent1"/>
+              </a:lnRef>
+              <a:fillRef idx="0">
+                <a:schemeClr val="accent1"/>
+              </a:fillRef>
+              <a:effectRef idx="1">
+                <a:schemeClr val="accent1"/>
+              </a:effectRef>
+              <a:fontRef idx="minor">
+                <a:schemeClr val="tx1"/>
+              </a:fontRef>
+            </p:style>
+          </p:cxnSp>
+          <p:cxnSp>
+            <p:nvCxnSpPr>
+              <p:cNvPr id="38" name="Straight Connector 37">
+                <a:extLst>
+                  <a:ext uri="{FF2B5EF4-FFF2-40B4-BE49-F238E27FC236}">
+                    <a16:creationId xmlns:a16="http://schemas.microsoft.com/office/drawing/2014/main" id="{35914E65-8179-85D9-9271-3E14679172AD}"/>
+                  </a:ext>
+                </a:extLst>
+              </p:cNvPr>
+              <p:cNvCxnSpPr>
+                <a:cxnSpLocks/>
+              </p:cNvCxnSpPr>
+              <p:nvPr/>
+            </p:nvCxnSpPr>
+            <p:spPr>
+              <a:xfrm flipV="1">
+                <a:off x="7233920" y="2538412"/>
+                <a:ext cx="0" cy="1830705"/>
+              </a:xfrm>
+              <a:prstGeom prst="line">
+                <a:avLst/>
+              </a:prstGeom>
+              <a:grpFill/>
+              <a:ln w="38100">
+                <a:solidFill>
+                  <a:schemeClr val="tx1"/>
+                </a:solidFill>
+              </a:ln>
+            </p:spPr>
+            <p:style>
+              <a:lnRef idx="2">
+                <a:schemeClr val="accent1"/>
+              </a:lnRef>
+              <a:fillRef idx="0">
+                <a:schemeClr val="accent1"/>
+              </a:fillRef>
+              <a:effectRef idx="1">
+                <a:schemeClr val="accent1"/>
+              </a:effectRef>
+              <a:fontRef idx="minor">
+                <a:schemeClr val="tx1"/>
+              </a:fontRef>
+            </p:style>
+          </p:cxnSp>
+          <p:cxnSp>
+            <p:nvCxnSpPr>
+              <p:cNvPr id="39" name="Straight Connector 38">
+                <a:extLst>
+                  <a:ext uri="{FF2B5EF4-FFF2-40B4-BE49-F238E27FC236}">
+                    <a16:creationId xmlns:a16="http://schemas.microsoft.com/office/drawing/2014/main" id="{D4274844-8C3E-32EE-DCA5-F8A642DF21FB}"/>
+                  </a:ext>
+                </a:extLst>
+              </p:cNvPr>
+              <p:cNvCxnSpPr>
+                <a:cxnSpLocks/>
+              </p:cNvCxnSpPr>
+              <p:nvPr/>
+            </p:nvCxnSpPr>
+            <p:spPr>
+              <a:xfrm>
+                <a:off x="4995545" y="3263265"/>
+                <a:ext cx="2238375" cy="0"/>
+              </a:xfrm>
+              <a:prstGeom prst="line">
+                <a:avLst/>
+              </a:prstGeom>
+              <a:grpFill/>
+              <a:ln w="38100">
+                <a:solidFill>
+                  <a:schemeClr val="tx1"/>
+                </a:solidFill>
+              </a:ln>
+            </p:spPr>
+            <p:style>
+              <a:lnRef idx="2">
+                <a:schemeClr val="accent1"/>
+              </a:lnRef>
+              <a:fillRef idx="0">
+                <a:schemeClr val="accent1"/>
+              </a:fillRef>
+              <a:effectRef idx="1">
+                <a:schemeClr val="accent1"/>
+              </a:effectRef>
+              <a:fontRef idx="minor">
+                <a:schemeClr val="tx1"/>
+              </a:fontRef>
+            </p:style>
+          </p:cxnSp>
+          <p:cxnSp>
+            <p:nvCxnSpPr>
+              <p:cNvPr id="41" name="Straight Connector 40">
+                <a:extLst>
+                  <a:ext uri="{FF2B5EF4-FFF2-40B4-BE49-F238E27FC236}">
+                    <a16:creationId xmlns:a16="http://schemas.microsoft.com/office/drawing/2014/main" id="{46FCB5C4-27F0-0605-5B8F-4D476C7B5E0B}"/>
+                  </a:ext>
+                </a:extLst>
+              </p:cNvPr>
+              <p:cNvCxnSpPr>
+                <a:cxnSpLocks/>
+              </p:cNvCxnSpPr>
+              <p:nvPr/>
+            </p:nvCxnSpPr>
+            <p:spPr>
+              <a:xfrm>
+                <a:off x="7978181" y="1438275"/>
+                <a:ext cx="0" cy="3770680"/>
+              </a:xfrm>
+              <a:prstGeom prst="line">
+                <a:avLst/>
+              </a:prstGeom>
+              <a:grpFill/>
+              <a:ln w="38100">
+                <a:solidFill>
+                  <a:schemeClr val="tx1"/>
+                </a:solidFill>
+              </a:ln>
+            </p:spPr>
+            <p:style>
+              <a:lnRef idx="2">
+                <a:schemeClr val="accent1"/>
+              </a:lnRef>
+              <a:fillRef idx="0">
+                <a:schemeClr val="accent1"/>
+              </a:fillRef>
+              <a:effectRef idx="1">
+                <a:schemeClr val="accent1"/>
+              </a:effectRef>
+              <a:fontRef idx="minor">
+                <a:schemeClr val="tx1"/>
+              </a:fontRef>
+            </p:style>
+          </p:cxnSp>
+          <p:cxnSp>
+            <p:nvCxnSpPr>
+              <p:cNvPr id="42" name="Straight Connector 41">
+                <a:extLst>
+                  <a:ext uri="{FF2B5EF4-FFF2-40B4-BE49-F238E27FC236}">
+                    <a16:creationId xmlns:a16="http://schemas.microsoft.com/office/drawing/2014/main" id="{94C2075C-BC62-5828-7054-9D0FF2BDDA38}"/>
+                  </a:ext>
+                </a:extLst>
+              </p:cNvPr>
+              <p:cNvCxnSpPr>
+                <a:cxnSpLocks/>
+              </p:cNvCxnSpPr>
+              <p:nvPr/>
+            </p:nvCxnSpPr>
+            <p:spPr>
+              <a:xfrm>
+                <a:off x="4244381" y="1438275"/>
+                <a:ext cx="0" cy="3770680"/>
+              </a:xfrm>
+              <a:prstGeom prst="line">
+                <a:avLst/>
+              </a:prstGeom>
+              <a:grpFill/>
+              <a:ln w="38100">
+                <a:solidFill>
+                  <a:schemeClr val="tx1"/>
+                </a:solidFill>
+              </a:ln>
+            </p:spPr>
+            <p:style>
+              <a:lnRef idx="2">
+                <a:schemeClr val="accent1"/>
+              </a:lnRef>
+              <a:fillRef idx="0">
+                <a:schemeClr val="accent1"/>
+              </a:fillRef>
+              <a:effectRef idx="1">
+                <a:schemeClr val="accent1"/>
+              </a:effectRef>
+              <a:fontRef idx="minor">
+                <a:schemeClr val="tx1"/>
+              </a:fontRef>
+            </p:style>
+          </p:cxnSp>
+          <p:cxnSp>
+            <p:nvCxnSpPr>
+              <p:cNvPr id="43" name="Straight Connector 42">
+                <a:extLst>
+                  <a:ext uri="{FF2B5EF4-FFF2-40B4-BE49-F238E27FC236}">
+                    <a16:creationId xmlns:a16="http://schemas.microsoft.com/office/drawing/2014/main" id="{54300411-D796-19AE-1E7F-1A1C9B024364}"/>
+                  </a:ext>
+                </a:extLst>
+              </p:cNvPr>
+              <p:cNvCxnSpPr>
+                <a:cxnSpLocks/>
+              </p:cNvCxnSpPr>
+              <p:nvPr/>
+            </p:nvCxnSpPr>
+            <p:spPr>
+              <a:xfrm>
+                <a:off x="3490001" y="1438275"/>
+                <a:ext cx="0" cy="3015615"/>
+              </a:xfrm>
+              <a:prstGeom prst="line">
+                <a:avLst/>
+              </a:prstGeom>
+              <a:grpFill/>
+              <a:ln w="38100">
+                <a:solidFill>
+                  <a:schemeClr val="tx1"/>
+                </a:solidFill>
+              </a:ln>
+            </p:spPr>
+            <p:style>
+              <a:lnRef idx="2">
+                <a:schemeClr val="accent1"/>
+              </a:lnRef>
+              <a:fillRef idx="0">
+                <a:schemeClr val="accent1"/>
+              </a:fillRef>
+              <a:effectRef idx="1">
+                <a:schemeClr val="accent1"/>
+              </a:effectRef>
+              <a:fontRef idx="minor">
+                <a:schemeClr val="tx1"/>
+              </a:fontRef>
+            </p:style>
+          </p:cxnSp>
+          <p:cxnSp>
+            <p:nvCxnSpPr>
+              <p:cNvPr id="45" name="Straight Connector 44">
+                <a:extLst>
+                  <a:ext uri="{FF2B5EF4-FFF2-40B4-BE49-F238E27FC236}">
+                    <a16:creationId xmlns:a16="http://schemas.microsoft.com/office/drawing/2014/main" id="{1D614457-060B-777D-E002-2B3521FBB1D3}"/>
+                  </a:ext>
+                </a:extLst>
+              </p:cNvPr>
+              <p:cNvCxnSpPr>
+                <a:cxnSpLocks/>
+              </p:cNvCxnSpPr>
+              <p:nvPr/>
+            </p:nvCxnSpPr>
+            <p:spPr>
+              <a:xfrm rot="10800000">
+                <a:off x="1247181" y="2190330"/>
+                <a:ext cx="0" cy="3015615"/>
+              </a:xfrm>
+              <a:prstGeom prst="line">
+                <a:avLst/>
+              </a:prstGeom>
+              <a:grpFill/>
+              <a:ln w="38100">
+                <a:solidFill>
+                  <a:schemeClr val="tx1"/>
+                </a:solidFill>
+              </a:ln>
+            </p:spPr>
+            <p:style>
+              <a:lnRef idx="2">
+                <a:schemeClr val="accent1"/>
+              </a:lnRef>
+              <a:fillRef idx="0">
+                <a:schemeClr val="accent1"/>
+              </a:fillRef>
+              <a:effectRef idx="1">
+                <a:schemeClr val="accent1"/>
+              </a:effectRef>
+              <a:fontRef idx="minor">
+                <a:schemeClr val="tx1"/>
+              </a:fontRef>
+            </p:style>
+          </p:cxnSp>
+          <p:sp>
+            <p:nvSpPr>
+              <p:cNvPr id="46" name="Isosceles Triangle 45">
+                <a:extLst>
+                  <a:ext uri="{FF2B5EF4-FFF2-40B4-BE49-F238E27FC236}">
+                    <a16:creationId xmlns:a16="http://schemas.microsoft.com/office/drawing/2014/main" id="{2B07BB48-1B17-605A-3B6F-1734A677CB9D}"/>
+                  </a:ext>
+                </a:extLst>
+              </p:cNvPr>
+              <p:cNvSpPr/>
+              <p:nvPr/>
+            </p:nvSpPr>
+            <p:spPr>
+              <a:xfrm>
+                <a:off x="1124354" y="1679612"/>
+                <a:ext cx="260978" cy="798700"/>
+              </a:xfrm>
+              <a:prstGeom prst="triangle">
+                <a:avLst>
+                  <a:gd name="adj" fmla="val 50730"/>
+                </a:avLst>
+              </a:prstGeom>
+              <a:grpFill/>
+              <a:ln w="38100">
+                <a:solidFill>
+                  <a:schemeClr val="tx1"/>
+                </a:solidFill>
+              </a:ln>
+            </p:spPr>
+            <p:style>
+              <a:lnRef idx="2">
+                <a:schemeClr val="accent1">
+                  <a:shade val="15000"/>
+                </a:schemeClr>
+              </a:lnRef>
+              <a:fillRef idx="1">
+                <a:schemeClr val="accent1"/>
+              </a:fillRef>
+              <a:effectRef idx="0">
+                <a:schemeClr val="accent1"/>
+              </a:effectRef>
+              <a:fontRef idx="minor">
+                <a:schemeClr val="lt1"/>
+              </a:fontRef>
+            </p:style>
+            <p:txBody>
+              <a:bodyPr rtlCol="0" anchor="ctr"/>
+              <a:lstStyle/>
+              <a:p>
+                <a:pPr algn="ctr"/>
+                <a:endParaRPr lang="en-GB" sz="1350"/>
+              </a:p>
+            </p:txBody>
+          </p:sp>
+          <p:sp>
+            <p:nvSpPr>
+              <p:cNvPr id="47" name="Isosceles Triangle 46">
+                <a:extLst>
+                  <a:ext uri="{FF2B5EF4-FFF2-40B4-BE49-F238E27FC236}">
+                    <a16:creationId xmlns:a16="http://schemas.microsoft.com/office/drawing/2014/main" id="{89CE40BA-15AF-39ED-2434-E09990DA0040}"/>
+                  </a:ext>
+                </a:extLst>
+              </p:cNvPr>
+              <p:cNvSpPr/>
+              <p:nvPr/>
+            </p:nvSpPr>
+            <p:spPr>
+              <a:xfrm rot="10800000">
+                <a:off x="3369079" y="4186434"/>
+                <a:ext cx="260978" cy="798700"/>
+              </a:xfrm>
+              <a:prstGeom prst="triangle">
+                <a:avLst>
+                  <a:gd name="adj" fmla="val 49270"/>
+                </a:avLst>
+              </a:prstGeom>
+              <a:grpFill/>
+              <a:ln w="38100">
+                <a:solidFill>
+                  <a:schemeClr val="tx1"/>
+                </a:solidFill>
+              </a:ln>
+            </p:spPr>
+            <p:style>
+              <a:lnRef idx="2">
+                <a:schemeClr val="accent1">
+                  <a:shade val="15000"/>
+                </a:schemeClr>
+              </a:lnRef>
+              <a:fillRef idx="1">
+                <a:schemeClr val="accent1"/>
+              </a:fillRef>
+              <a:effectRef idx="0">
+                <a:schemeClr val="accent1"/>
+              </a:effectRef>
+              <a:fontRef idx="minor">
+                <a:schemeClr val="lt1"/>
+              </a:fontRef>
+            </p:style>
+            <p:txBody>
+              <a:bodyPr rtlCol="0" anchor="ctr"/>
+              <a:lstStyle/>
+              <a:p>
+                <a:pPr algn="ctr"/>
+                <a:endParaRPr lang="en-GB" sz="1350" dirty="0"/>
+              </a:p>
+            </p:txBody>
+          </p:sp>
+          <p:sp>
+            <p:nvSpPr>
+              <p:cNvPr id="48" name="Isosceles Triangle 47">
+                <a:extLst>
+                  <a:ext uri="{FF2B5EF4-FFF2-40B4-BE49-F238E27FC236}">
+                    <a16:creationId xmlns:a16="http://schemas.microsoft.com/office/drawing/2014/main" id="{BFB2E371-4027-4E2D-272C-6D2E06EE579D}"/>
+                  </a:ext>
+                </a:extLst>
+              </p:cNvPr>
+              <p:cNvSpPr/>
+              <p:nvPr/>
+            </p:nvSpPr>
+            <p:spPr>
+              <a:xfrm rot="10800000">
+                <a:off x="7108511" y="4191256"/>
+                <a:ext cx="260978" cy="798700"/>
+              </a:xfrm>
+              <a:prstGeom prst="triangle">
+                <a:avLst>
+                  <a:gd name="adj" fmla="val 49270"/>
+                </a:avLst>
+              </a:prstGeom>
+              <a:grpFill/>
+              <a:ln w="38100">
+                <a:solidFill>
+                  <a:schemeClr val="tx1"/>
+                </a:solidFill>
+              </a:ln>
+            </p:spPr>
+            <p:style>
+              <a:lnRef idx="2">
+                <a:schemeClr val="accent1">
+                  <a:shade val="15000"/>
+                </a:schemeClr>
+              </a:lnRef>
+              <a:fillRef idx="1">
+                <a:schemeClr val="accent1"/>
+              </a:fillRef>
+              <a:effectRef idx="0">
+                <a:schemeClr val="accent1"/>
+              </a:effectRef>
+              <a:fontRef idx="minor">
+                <a:schemeClr val="lt1"/>
+              </a:fontRef>
+            </p:style>
+            <p:txBody>
+              <a:bodyPr rtlCol="0" anchor="ctr"/>
+              <a:lstStyle/>
+              <a:p>
+                <a:pPr algn="ctr"/>
+                <a:endParaRPr lang="en-GB" sz="1350"/>
+              </a:p>
+            </p:txBody>
+          </p:sp>
+          <p:sp>
+            <p:nvSpPr>
+              <p:cNvPr id="49" name="Isosceles Triangle 48">
+                <a:extLst>
+                  <a:ext uri="{FF2B5EF4-FFF2-40B4-BE49-F238E27FC236}">
+                    <a16:creationId xmlns:a16="http://schemas.microsoft.com/office/drawing/2014/main" id="{C60B7BE1-94A4-EB8F-A8AE-AB10C1726B85}"/>
+                  </a:ext>
+                </a:extLst>
+              </p:cNvPr>
+              <p:cNvSpPr/>
+              <p:nvPr/>
+            </p:nvSpPr>
+            <p:spPr>
+              <a:xfrm rot="8915598">
+                <a:off x="10535903" y="4325262"/>
+                <a:ext cx="260978" cy="798700"/>
+              </a:xfrm>
+              <a:prstGeom prst="triangle">
+                <a:avLst>
+                  <a:gd name="adj" fmla="val 49270"/>
+                </a:avLst>
+              </a:prstGeom>
+              <a:grpFill/>
+              <a:ln w="38100">
+                <a:solidFill>
+                  <a:schemeClr val="tx1"/>
+                </a:solidFill>
+              </a:ln>
+            </p:spPr>
+            <p:style>
+              <a:lnRef idx="2">
+                <a:schemeClr val="accent1">
+                  <a:shade val="15000"/>
+                </a:schemeClr>
+              </a:lnRef>
+              <a:fillRef idx="1">
+                <a:schemeClr val="accent1"/>
+              </a:fillRef>
+              <a:effectRef idx="0">
+                <a:schemeClr val="accent1"/>
+              </a:effectRef>
+              <a:fontRef idx="minor">
+                <a:schemeClr val="lt1"/>
+              </a:fontRef>
+            </p:style>
+            <p:txBody>
+              <a:bodyPr rtlCol="0" anchor="ctr"/>
+              <a:lstStyle/>
+              <a:p>
+                <a:pPr algn="ctr"/>
+                <a:endParaRPr lang="en-GB" sz="1350" dirty="0"/>
+              </a:p>
+            </p:txBody>
+          </p:sp>
+          <p:sp>
+            <p:nvSpPr>
+              <p:cNvPr id="50" name="Isosceles Triangle 49">
+                <a:extLst>
+                  <a:ext uri="{FF2B5EF4-FFF2-40B4-BE49-F238E27FC236}">
+                    <a16:creationId xmlns:a16="http://schemas.microsoft.com/office/drawing/2014/main" id="{180355D6-FAA6-36AA-B4B4-5FCE7E2E5B6E}"/>
+                  </a:ext>
+                </a:extLst>
+              </p:cNvPr>
+              <p:cNvSpPr/>
+              <p:nvPr/>
+            </p:nvSpPr>
+            <p:spPr>
+              <a:xfrm rot="12684402" flipV="1">
+                <a:off x="10562786" y="1533086"/>
+                <a:ext cx="260978" cy="798700"/>
+              </a:xfrm>
+              <a:prstGeom prst="triangle">
+                <a:avLst>
+                  <a:gd name="adj" fmla="val 49270"/>
+                </a:avLst>
+              </a:prstGeom>
+              <a:grpFill/>
+              <a:ln w="38100">
+                <a:solidFill>
+                  <a:schemeClr val="tx1"/>
+                </a:solidFill>
+              </a:ln>
+            </p:spPr>
+            <p:style>
+              <a:lnRef idx="2">
+                <a:schemeClr val="accent1">
+                  <a:shade val="15000"/>
+                </a:schemeClr>
+              </a:lnRef>
+              <a:fillRef idx="1">
+                <a:schemeClr val="accent1"/>
+              </a:fillRef>
+              <a:effectRef idx="0">
+                <a:schemeClr val="accent1"/>
+              </a:effectRef>
+              <a:fontRef idx="minor">
+                <a:schemeClr val="lt1"/>
+              </a:fontRef>
+            </p:style>
+            <p:txBody>
+              <a:bodyPr rtlCol="0" anchor="ctr"/>
+              <a:lstStyle/>
+              <a:p>
+                <a:pPr algn="ctr"/>
+                <a:endParaRPr lang="en-GB" sz="1350" dirty="0"/>
+              </a:p>
+            </p:txBody>
+          </p:sp>
+          <p:sp>
+            <p:nvSpPr>
+              <p:cNvPr id="51" name="Oval 50">
+                <a:extLst>
+                  <a:ext uri="{FF2B5EF4-FFF2-40B4-BE49-F238E27FC236}">
+                    <a16:creationId xmlns:a16="http://schemas.microsoft.com/office/drawing/2014/main" id="{18B68CF8-4599-A03B-FC1A-BEC37E35FED4}"/>
+                  </a:ext>
+                </a:extLst>
+              </p:cNvPr>
+              <p:cNvSpPr>
+                <a:spLocks/>
+              </p:cNvSpPr>
+              <p:nvPr/>
+            </p:nvSpPr>
+            <p:spPr>
+              <a:xfrm>
+                <a:off x="7075172" y="3104519"/>
+                <a:ext cx="317493" cy="317493"/>
+              </a:xfrm>
+              <a:prstGeom prst="ellipse">
+                <a:avLst/>
+              </a:prstGeom>
+              <a:grpFill/>
+              <a:ln w="38100">
+                <a:solidFill>
+                  <a:schemeClr val="tx1"/>
+                </a:solidFill>
+              </a:ln>
+            </p:spPr>
+            <p:style>
+              <a:lnRef idx="2">
+                <a:schemeClr val="accent1">
+                  <a:shade val="15000"/>
+                </a:schemeClr>
+              </a:lnRef>
+              <a:fillRef idx="1">
+                <a:schemeClr val="accent1"/>
+              </a:fillRef>
+              <a:effectRef idx="0">
+                <a:schemeClr val="accent1"/>
+              </a:effectRef>
+              <a:fontRef idx="minor">
+                <a:schemeClr val="lt1"/>
+              </a:fontRef>
+            </p:style>
+            <p:txBody>
+              <a:bodyPr rtlCol="0" anchor="ctr"/>
+              <a:lstStyle/>
+              <a:p>
+                <a:pPr algn="ctr"/>
+                <a:endParaRPr lang="en-GB" sz="1350" dirty="0"/>
+              </a:p>
+            </p:txBody>
+          </p:sp>
+        </p:grpSp>
         <p:cxnSp>
           <p:nvCxnSpPr>
-            <p:cNvPr id="11" name="Straight Connector 10">
+            <p:cNvPr id="2" name="Rett pilkobling 1">
               <a:extLst>
                 <a:ext uri="{FF2B5EF4-FFF2-40B4-BE49-F238E27FC236}">
-                  <a16:creationId xmlns:a16="http://schemas.microsoft.com/office/drawing/2014/main" id="{14098A12-EC2C-D8CD-A637-72521AC9D3BA}"/>
+                  <a16:creationId xmlns:a16="http://schemas.microsoft.com/office/drawing/2014/main" id="{C2956756-3184-EF38-6D24-EDFE73D52426}"/>
+                </a:ext>
+              </a:extLst>
+            </p:cNvPr>
+            <p:cNvCxnSpPr>
+              <a:cxnSpLocks/>
+            </p:cNvCxnSpPr>
+            <p:nvPr/>
+          </p:nvCxnSpPr>
+          <p:spPr>
+            <a:xfrm flipH="1">
+              <a:off x="1504860" y="4976399"/>
+              <a:ext cx="6481370" cy="8647"/>
+            </a:xfrm>
+            <a:prstGeom prst="straightConnector1">
+              <a:avLst/>
+            </a:prstGeom>
+            <a:ln w="38100">
+              <a:solidFill>
+                <a:schemeClr val="tx1"/>
+              </a:solidFill>
+              <a:tailEnd type="triangle"/>
+            </a:ln>
+          </p:spPr>
+          <p:style>
+            <a:lnRef idx="2">
+              <a:schemeClr val="accent1"/>
+            </a:lnRef>
+            <a:fillRef idx="0">
+              <a:schemeClr val="accent1"/>
+            </a:fillRef>
+            <a:effectRef idx="1">
+              <a:schemeClr val="accent1"/>
+            </a:effectRef>
+            <a:fontRef idx="minor">
+              <a:schemeClr val="tx1"/>
+            </a:fontRef>
+          </p:style>
+        </p:cxnSp>
+        <p:sp>
+          <p:nvSpPr>
+            <p:cNvPr id="6" name="TekstSylinder 5">
+              <a:extLst>
+                <a:ext uri="{FF2B5EF4-FFF2-40B4-BE49-F238E27FC236}">
+                  <a16:creationId xmlns:a16="http://schemas.microsoft.com/office/drawing/2014/main" id="{19D70139-5182-CE34-2205-69A9FA4BF43C}"/>
+                </a:ext>
+              </a:extLst>
+            </p:cNvPr>
+            <p:cNvSpPr txBox="1"/>
+            <p:nvPr/>
+          </p:nvSpPr>
+          <p:spPr>
+            <a:xfrm>
+              <a:off x="4096060" y="5379997"/>
+              <a:ext cx="1295058" cy="369332"/>
+            </a:xfrm>
+            <a:prstGeom prst="rect">
+              <a:avLst/>
+            </a:prstGeom>
+            <a:noFill/>
+          </p:spPr>
+          <p:txBody>
+            <a:bodyPr wrap="square" rtlCol="0">
+              <a:spAutoFit/>
+            </a:bodyPr>
+            <a:lstStyle/>
+            <a:p>
+              <a:pPr algn="ctr"/>
+              <a:r>
+                <a:rPr lang="nb-NO" dirty="0" err="1"/>
+                <a:t>Deadband</a:t>
+              </a:r>
+              <a:endParaRPr lang="nb-NO" dirty="0"/>
+            </a:p>
+          </p:txBody>
+        </p:sp>
+        <p:cxnSp>
+          <p:nvCxnSpPr>
+            <p:cNvPr id="8" name="Rett pilkobling 7">
+              <a:extLst>
+                <a:ext uri="{FF2B5EF4-FFF2-40B4-BE49-F238E27FC236}">
+                  <a16:creationId xmlns:a16="http://schemas.microsoft.com/office/drawing/2014/main" id="{AD298335-62D6-0190-50F1-FE19BA795BD6}"/>
                 </a:ext>
               </a:extLst>
             </p:cNvPr>
@@ -15895,17 +17925,209 @@
           </p:nvCxnSpPr>
           <p:spPr>
             <a:xfrm>
-              <a:off x="491613" y="1443184"/>
-              <a:ext cx="11257935" cy="0"/>
+              <a:off x="3734794" y="5381565"/>
+              <a:ext cx="1995488" cy="0"/>
+            </a:xfrm>
+            <a:prstGeom prst="straightConnector1">
+              <a:avLst/>
+            </a:prstGeom>
+            <a:ln w="38100">
+              <a:solidFill>
+                <a:schemeClr val="tx1"/>
+              </a:solidFill>
+              <a:headEnd type="triangle"/>
+              <a:tailEnd type="triangle"/>
+            </a:ln>
+          </p:spPr>
+          <p:style>
+            <a:lnRef idx="2">
+              <a:schemeClr val="accent1"/>
+            </a:lnRef>
+            <a:fillRef idx="0">
+              <a:schemeClr val="accent1"/>
+            </a:fillRef>
+            <a:effectRef idx="1">
+              <a:schemeClr val="accent1"/>
+            </a:effectRef>
+            <a:fontRef idx="minor">
+              <a:schemeClr val="tx1"/>
+            </a:fontRef>
+          </p:style>
+        </p:cxnSp>
+        <p:sp>
+          <p:nvSpPr>
+            <p:cNvPr id="12" name="TekstSylinder 11">
+              <a:extLst>
+                <a:ext uri="{FF2B5EF4-FFF2-40B4-BE49-F238E27FC236}">
+                  <a16:creationId xmlns:a16="http://schemas.microsoft.com/office/drawing/2014/main" id="{BB9A21C7-B601-FE4E-E68A-6F41C3AABFE4}"/>
+                </a:ext>
+              </a:extLst>
+            </p:cNvPr>
+            <p:cNvSpPr txBox="1"/>
+            <p:nvPr/>
+          </p:nvSpPr>
+          <p:spPr>
+            <a:xfrm>
+              <a:off x="5141117" y="4530971"/>
+              <a:ext cx="477882" cy="369332"/>
+            </a:xfrm>
+            <a:prstGeom prst="rect">
+              <a:avLst/>
+            </a:prstGeom>
+            <a:noFill/>
+          </p:spPr>
+          <p:txBody>
+            <a:bodyPr wrap="square" rtlCol="0">
+              <a:spAutoFit/>
+            </a:bodyPr>
+            <a:lstStyle/>
+            <a:p>
+              <a:pPr algn="ctr"/>
+              <a:r>
+                <a:rPr lang="nb-NO" dirty="0"/>
+                <a:t>T</a:t>
+              </a:r>
+            </a:p>
+          </p:txBody>
+        </p:sp>
+        <p:sp>
+          <p:nvSpPr>
+            <p:cNvPr id="13" name="TekstSylinder 12">
+              <a:extLst>
+                <a:ext uri="{FF2B5EF4-FFF2-40B4-BE49-F238E27FC236}">
+                  <a16:creationId xmlns:a16="http://schemas.microsoft.com/office/drawing/2014/main" id="{488E2ABD-47D1-88B1-B5DD-EBD778F2ABBD}"/>
+                </a:ext>
+              </a:extLst>
+            </p:cNvPr>
+            <p:cNvSpPr txBox="1"/>
+            <p:nvPr/>
+          </p:nvSpPr>
+          <p:spPr>
+            <a:xfrm>
+              <a:off x="3895388" y="4530971"/>
+              <a:ext cx="477882" cy="369332"/>
+            </a:xfrm>
+            <a:prstGeom prst="rect">
+              <a:avLst/>
+            </a:prstGeom>
+            <a:noFill/>
+          </p:spPr>
+          <p:txBody>
+            <a:bodyPr wrap="square" rtlCol="0">
+              <a:spAutoFit/>
+            </a:bodyPr>
+            <a:lstStyle/>
+            <a:p>
+              <a:pPr algn="ctr"/>
+              <a:r>
+                <a:rPr lang="nb-NO" dirty="0"/>
+                <a:t>P</a:t>
+              </a:r>
+            </a:p>
+          </p:txBody>
+        </p:sp>
+        <p:sp>
+          <p:nvSpPr>
+            <p:cNvPr id="15" name="TekstSylinder 14">
+              <a:extLst>
+                <a:ext uri="{FF2B5EF4-FFF2-40B4-BE49-F238E27FC236}">
+                  <a16:creationId xmlns:a16="http://schemas.microsoft.com/office/drawing/2014/main" id="{1BCD8CA0-203A-697C-30B6-321F8E51F269}"/>
+                </a:ext>
+              </a:extLst>
+            </p:cNvPr>
+            <p:cNvSpPr txBox="1"/>
+            <p:nvPr/>
+          </p:nvSpPr>
+          <p:spPr>
+            <a:xfrm>
+              <a:off x="5141117" y="1961599"/>
+              <a:ext cx="477882" cy="369332"/>
+            </a:xfrm>
+            <a:prstGeom prst="rect">
+              <a:avLst/>
+            </a:prstGeom>
+            <a:noFill/>
+          </p:spPr>
+          <p:txBody>
+            <a:bodyPr wrap="square" rtlCol="0">
+              <a:spAutoFit/>
+            </a:bodyPr>
+            <a:lstStyle/>
+            <a:p>
+              <a:pPr algn="ctr"/>
+              <a:r>
+                <a:rPr lang="nb-NO" dirty="0"/>
+                <a:t>B</a:t>
+              </a:r>
+            </a:p>
+          </p:txBody>
+        </p:sp>
+        <p:sp>
+          <p:nvSpPr>
+            <p:cNvPr id="17" name="TekstSylinder 16">
+              <a:extLst>
+                <a:ext uri="{FF2B5EF4-FFF2-40B4-BE49-F238E27FC236}">
+                  <a16:creationId xmlns:a16="http://schemas.microsoft.com/office/drawing/2014/main" id="{FA36ACB0-185E-C757-771A-8DE821C0A86D}"/>
+                </a:ext>
+              </a:extLst>
+            </p:cNvPr>
+            <p:cNvSpPr txBox="1"/>
+            <p:nvPr/>
+          </p:nvSpPr>
+          <p:spPr>
+            <a:xfrm>
+              <a:off x="3895388" y="1961599"/>
+              <a:ext cx="477882" cy="369332"/>
+            </a:xfrm>
+            <a:prstGeom prst="rect">
+              <a:avLst/>
+            </a:prstGeom>
+            <a:noFill/>
+          </p:spPr>
+          <p:txBody>
+            <a:bodyPr wrap="square" rtlCol="0">
+              <a:spAutoFit/>
+            </a:bodyPr>
+            <a:lstStyle/>
+            <a:p>
+              <a:pPr algn="ctr"/>
+              <a:r>
+                <a:rPr lang="nb-NO" dirty="0"/>
+                <a:t>A</a:t>
+              </a:r>
+            </a:p>
+          </p:txBody>
+        </p:sp>
+        <p:cxnSp>
+          <p:nvCxnSpPr>
+            <p:cNvPr id="23" name="Straight Connector 41">
+              <a:extLst>
+                <a:ext uri="{FF2B5EF4-FFF2-40B4-BE49-F238E27FC236}">
+                  <a16:creationId xmlns:a16="http://schemas.microsoft.com/office/drawing/2014/main" id="{21AB6E35-B747-FB4B-25B1-60475269B672}"/>
+                </a:ext>
+              </a:extLst>
+            </p:cNvPr>
+            <p:cNvCxnSpPr>
+              <a:cxnSpLocks/>
+            </p:cNvCxnSpPr>
+            <p:nvPr/>
+          </p:nvCxnSpPr>
+          <p:spPr>
+            <a:xfrm>
+              <a:off x="3684759" y="3434527"/>
+              <a:ext cx="408" cy="2071635"/>
             </a:xfrm>
             <a:prstGeom prst="line">
               <a:avLst/>
             </a:prstGeom>
-            <a:grpFill/>
+            <a:solidFill>
+              <a:schemeClr val="tx1"/>
+            </a:solidFill>
             <a:ln w="38100">
               <a:solidFill>
                 <a:schemeClr val="tx1"/>
               </a:solidFill>
+              <a:prstDash val="dash"/>
             </a:ln>
           </p:spPr>
           <p:style>
@@ -15925,10 +18147,10 @@
         </p:cxnSp>
         <p:cxnSp>
           <p:nvCxnSpPr>
-            <p:cNvPr id="14" name="Straight Connector 13">
+            <p:cNvPr id="24" name="Straight Connector 41">
               <a:extLst>
                 <a:ext uri="{FF2B5EF4-FFF2-40B4-BE49-F238E27FC236}">
-                  <a16:creationId xmlns:a16="http://schemas.microsoft.com/office/drawing/2014/main" id="{80A02CEC-51D4-11B2-94D0-33BB7DB668A6}"/>
+                  <a16:creationId xmlns:a16="http://schemas.microsoft.com/office/drawing/2014/main" id="{36B931A7-ED24-114C-E1F9-1163E8D5F386}"/>
                 </a:ext>
               </a:extLst>
             </p:cNvPr>
@@ -15938,18 +18160,21 @@
             <p:nvPr/>
           </p:nvCxnSpPr>
           <p:spPr>
-            <a:xfrm>
-              <a:off x="491613" y="5213864"/>
-              <a:ext cx="11257935" cy="0"/>
+            <a:xfrm flipH="1">
+              <a:off x="5802011" y="3434527"/>
+              <a:ext cx="348" cy="2071635"/>
             </a:xfrm>
             <a:prstGeom prst="line">
               <a:avLst/>
             </a:prstGeom>
-            <a:grpFill/>
+            <a:solidFill>
+              <a:schemeClr val="tx1"/>
+            </a:solidFill>
             <a:ln w="38100">
               <a:solidFill>
                 <a:schemeClr val="tx1"/>
               </a:solidFill>
+              <a:prstDash val="dash"/>
             </a:ln>
           </p:spPr>
           <p:style>
@@ -15967,144 +18192,396 @@
             </a:fontRef>
           </p:style>
         </p:cxnSp>
+        <mc:AlternateContent xmlns:mc="http://schemas.openxmlformats.org/markup-compatibility/2006">
+          <mc:Choice xmlns:a14="http://schemas.microsoft.com/office/drawing/2010/main" Requires="a14">
+            <p:sp>
+              <p:nvSpPr>
+                <p:cNvPr id="7" name="TekstSylinder 6">
+                  <a:extLst>
+                    <a:ext uri="{FF2B5EF4-FFF2-40B4-BE49-F238E27FC236}">
+                      <a16:creationId xmlns:a16="http://schemas.microsoft.com/office/drawing/2014/main" id="{2FF0F504-2BD4-3E26-6E16-FEEDB2B881E8}"/>
+                    </a:ext>
+                  </a:extLst>
+                </p:cNvPr>
+                <p:cNvSpPr txBox="1"/>
+                <p:nvPr/>
+              </p:nvSpPr>
+              <p:spPr>
+                <a:xfrm>
+                  <a:off x="1194919" y="4798812"/>
+                  <a:ext cx="327609" cy="369332"/>
+                </a:xfrm>
+                <a:prstGeom prst="rect">
+                  <a:avLst/>
+                </a:prstGeom>
+                <a:noFill/>
+              </p:spPr>
+              <p:txBody>
+                <a:bodyPr wrap="square">
+                  <a:spAutoFit/>
+                </a:bodyPr>
+                <a:lstStyle/>
+                <a:p>
+                  <a:pPr/>
+                  <a14:m>
+                    <m:oMathPara xmlns:m="http://schemas.openxmlformats.org/officeDocument/2006/math">
+                      <m:oMathParaPr>
+                        <m:jc m:val="centerGroup"/>
+                      </m:oMathParaPr>
+                      <m:oMath xmlns:m="http://schemas.openxmlformats.org/officeDocument/2006/math">
+                        <m:r>
+                          <a:rPr lang="nb-NO" sz="1800" b="0" i="1" smtClean="0">
+                            <a:latin typeface="Cambria Math" panose="02040503050406030204" pitchFamily="18" charset="0"/>
+                          </a:rPr>
+                          <m:t>𝑢</m:t>
+                        </m:r>
+                      </m:oMath>
+                    </m:oMathPara>
+                  </a14:m>
+                  <a:endParaRPr lang="nb-NO" dirty="0"/>
+                </a:p>
+              </p:txBody>
+            </p:sp>
+          </mc:Choice>
+          <mc:Fallback>
+            <p:sp>
+              <p:nvSpPr>
+                <p:cNvPr id="7" name="TekstSylinder 6">
+                  <a:extLst>
+                    <a:ext uri="{FF2B5EF4-FFF2-40B4-BE49-F238E27FC236}">
+                      <a16:creationId xmlns:a16="http://schemas.microsoft.com/office/drawing/2014/main" id="{2FF0F504-2BD4-3E26-6E16-FEEDB2B881E8}"/>
+                    </a:ext>
+                  </a:extLst>
+                </p:cNvPr>
+                <p:cNvSpPr txBox="1">
+                  <a:spLocks noRot="1" noChangeAspect="1" noMove="1" noResize="1" noEditPoints="1" noAdjustHandles="1" noChangeArrowheads="1" noChangeShapeType="1" noTextEdit="1"/>
+                </p:cNvSpPr>
+                <p:nvPr/>
+              </p:nvSpPr>
+              <p:spPr>
+                <a:xfrm>
+                  <a:off x="1194919" y="4798812"/>
+                  <a:ext cx="327609" cy="369332"/>
+                </a:xfrm>
+                <a:prstGeom prst="rect">
+                  <a:avLst/>
+                </a:prstGeom>
+                <a:blipFill>
+                  <a:blip r:embed="rId3"/>
+                  <a:stretch>
+                    <a:fillRect/>
+                  </a:stretch>
+                </a:blipFill>
+              </p:spPr>
+              <p:txBody>
+                <a:bodyPr/>
+                <a:lstStyle/>
+                <a:p>
+                  <a:r>
+                    <a:rPr lang="nb-NO">
+                      <a:noFill/>
+                    </a:rPr>
+                    <a:t> </a:t>
+                  </a:r>
+                </a:p>
+              </p:txBody>
+            </p:sp>
+          </mc:Fallback>
+        </mc:AlternateContent>
+        <mc:AlternateContent xmlns:mc="http://schemas.openxmlformats.org/markup-compatibility/2006">
+          <mc:Choice xmlns:a14="http://schemas.microsoft.com/office/drawing/2010/main" Requires="a14">
+            <p:sp>
+              <p:nvSpPr>
+                <p:cNvPr id="9" name="TekstSylinder 8">
+                  <a:extLst>
+                    <a:ext uri="{FF2B5EF4-FFF2-40B4-BE49-F238E27FC236}">
+                      <a16:creationId xmlns:a16="http://schemas.microsoft.com/office/drawing/2014/main" id="{E7F43A1F-8B37-E5E9-EF45-3F67AB68DBDA}"/>
+                    </a:ext>
+                  </a:extLst>
+                </p:cNvPr>
+                <p:cNvSpPr txBox="1"/>
+                <p:nvPr/>
+              </p:nvSpPr>
+              <p:spPr>
+                <a:xfrm>
+                  <a:off x="7597035" y="4976398"/>
+                  <a:ext cx="461962" cy="369332"/>
+                </a:xfrm>
+                <a:prstGeom prst="rect">
+                  <a:avLst/>
+                </a:prstGeom>
+                <a:noFill/>
+              </p:spPr>
+              <p:txBody>
+                <a:bodyPr wrap="square">
+                  <a:spAutoFit/>
+                </a:bodyPr>
+                <a:lstStyle/>
+                <a:p>
+                  <a:pPr/>
+                  <a14:m>
+                    <m:oMathPara xmlns:m="http://schemas.openxmlformats.org/officeDocument/2006/math">
+                      <m:oMathParaPr>
+                        <m:jc m:val="centerGroup"/>
+                      </m:oMathParaPr>
+                      <m:oMath xmlns:m="http://schemas.openxmlformats.org/officeDocument/2006/math">
+                        <m:r>
+                          <a:rPr lang="nb-NO" sz="1800" b="0" i="1" smtClean="0">
+                            <a:latin typeface="Cambria Math" panose="02040503050406030204" pitchFamily="18" charset="0"/>
+                          </a:rPr>
+                          <m:t>−1</m:t>
+                        </m:r>
+                      </m:oMath>
+                    </m:oMathPara>
+                  </a14:m>
+                  <a:endParaRPr lang="nb-NO" dirty="0"/>
+                </a:p>
+              </p:txBody>
+            </p:sp>
+          </mc:Choice>
+          <mc:Fallback>
+            <p:sp>
+              <p:nvSpPr>
+                <p:cNvPr id="9" name="TekstSylinder 8">
+                  <a:extLst>
+                    <a:ext uri="{FF2B5EF4-FFF2-40B4-BE49-F238E27FC236}">
+                      <a16:creationId xmlns:a16="http://schemas.microsoft.com/office/drawing/2014/main" id="{E7F43A1F-8B37-E5E9-EF45-3F67AB68DBDA}"/>
+                    </a:ext>
+                  </a:extLst>
+                </p:cNvPr>
+                <p:cNvSpPr txBox="1">
+                  <a:spLocks noRot="1" noChangeAspect="1" noMove="1" noResize="1" noEditPoints="1" noAdjustHandles="1" noChangeArrowheads="1" noChangeShapeType="1" noTextEdit="1"/>
+                </p:cNvSpPr>
+                <p:nvPr/>
+              </p:nvSpPr>
+              <p:spPr>
+                <a:xfrm>
+                  <a:off x="7597035" y="4976398"/>
+                  <a:ext cx="461962" cy="369332"/>
+                </a:xfrm>
+                <a:prstGeom prst="rect">
+                  <a:avLst/>
+                </a:prstGeom>
+                <a:blipFill>
+                  <a:blip r:embed="rId4"/>
+                  <a:stretch>
+                    <a:fillRect r="-2632"/>
+                  </a:stretch>
+                </a:blipFill>
+              </p:spPr>
+              <p:txBody>
+                <a:bodyPr/>
+                <a:lstStyle/>
+                <a:p>
+                  <a:r>
+                    <a:rPr lang="nb-NO">
+                      <a:noFill/>
+                    </a:rPr>
+                    <a:t> </a:t>
+                  </a:r>
+                </a:p>
+              </p:txBody>
+            </p:sp>
+          </mc:Fallback>
+        </mc:AlternateContent>
+        <mc:AlternateContent xmlns:mc="http://schemas.openxmlformats.org/markup-compatibility/2006">
+          <mc:Choice xmlns:a14="http://schemas.microsoft.com/office/drawing/2010/main" Requires="a14">
+            <p:sp>
+              <p:nvSpPr>
+                <p:cNvPr id="10" name="TekstSylinder 9">
+                  <a:extLst>
+                    <a:ext uri="{FF2B5EF4-FFF2-40B4-BE49-F238E27FC236}">
+                      <a16:creationId xmlns:a16="http://schemas.microsoft.com/office/drawing/2014/main" id="{282BD1C8-4AA3-3363-E5B3-6C5FA3D0D885}"/>
+                    </a:ext>
+                  </a:extLst>
+                </p:cNvPr>
+                <p:cNvSpPr txBox="1"/>
+                <p:nvPr/>
+              </p:nvSpPr>
+              <p:spPr>
+                <a:xfrm>
+                  <a:off x="1546965" y="4983478"/>
+                  <a:ext cx="327609" cy="369332"/>
+                </a:xfrm>
+                <a:prstGeom prst="rect">
+                  <a:avLst/>
+                </a:prstGeom>
+                <a:noFill/>
+              </p:spPr>
+              <p:txBody>
+                <a:bodyPr wrap="square">
+                  <a:spAutoFit/>
+                </a:bodyPr>
+                <a:lstStyle/>
+                <a:p>
+                  <a:pPr/>
+                  <a14:m>
+                    <m:oMathPara xmlns:m="http://schemas.openxmlformats.org/officeDocument/2006/math">
+                      <m:oMathParaPr>
+                        <m:jc m:val="centerGroup"/>
+                      </m:oMathParaPr>
+                      <m:oMath xmlns:m="http://schemas.openxmlformats.org/officeDocument/2006/math">
+                        <m:r>
+                          <a:rPr lang="nb-NO" sz="1800" b="0" i="1" smtClean="0">
+                            <a:latin typeface="Cambria Math" panose="02040503050406030204" pitchFamily="18" charset="0"/>
+                          </a:rPr>
+                          <m:t>1</m:t>
+                        </m:r>
+                      </m:oMath>
+                    </m:oMathPara>
+                  </a14:m>
+                  <a:endParaRPr lang="nb-NO" dirty="0"/>
+                </a:p>
+              </p:txBody>
+            </p:sp>
+          </mc:Choice>
+          <mc:Fallback>
+            <p:sp>
+              <p:nvSpPr>
+                <p:cNvPr id="10" name="TekstSylinder 9">
+                  <a:extLst>
+                    <a:ext uri="{FF2B5EF4-FFF2-40B4-BE49-F238E27FC236}">
+                      <a16:creationId xmlns:a16="http://schemas.microsoft.com/office/drawing/2014/main" id="{282BD1C8-4AA3-3363-E5B3-6C5FA3D0D885}"/>
+                    </a:ext>
+                  </a:extLst>
+                </p:cNvPr>
+                <p:cNvSpPr txBox="1">
+                  <a:spLocks noRot="1" noChangeAspect="1" noMove="1" noResize="1" noEditPoints="1" noAdjustHandles="1" noChangeArrowheads="1" noChangeShapeType="1" noTextEdit="1"/>
+                </p:cNvSpPr>
+                <p:nvPr/>
+              </p:nvSpPr>
+              <p:spPr>
+                <a:xfrm>
+                  <a:off x="1546965" y="4983478"/>
+                  <a:ext cx="327609" cy="369332"/>
+                </a:xfrm>
+                <a:prstGeom prst="rect">
+                  <a:avLst/>
+                </a:prstGeom>
+                <a:blipFill>
+                  <a:blip r:embed="rId5"/>
+                  <a:stretch>
+                    <a:fillRect/>
+                  </a:stretch>
+                </a:blipFill>
+              </p:spPr>
+              <p:txBody>
+                <a:bodyPr/>
+                <a:lstStyle/>
+                <a:p>
+                  <a:r>
+                    <a:rPr lang="nb-NO">
+                      <a:noFill/>
+                    </a:rPr>
+                    <a:t> </a:t>
+                  </a:r>
+                </a:p>
+              </p:txBody>
+            </p:sp>
+          </mc:Fallback>
+        </mc:AlternateContent>
+        <mc:AlternateContent xmlns:mc="http://schemas.openxmlformats.org/markup-compatibility/2006">
+          <mc:Choice xmlns:a14="http://schemas.microsoft.com/office/drawing/2010/main" Requires="a14">
+            <p:sp>
+              <p:nvSpPr>
+                <p:cNvPr id="18" name="TekstSylinder 17">
+                  <a:extLst>
+                    <a:ext uri="{FF2B5EF4-FFF2-40B4-BE49-F238E27FC236}">
+                      <a16:creationId xmlns:a16="http://schemas.microsoft.com/office/drawing/2014/main" id="{AFAD9923-CE6E-1C4F-EDCE-E5BE74B990EF}"/>
+                    </a:ext>
+                  </a:extLst>
+                </p:cNvPr>
+                <p:cNvSpPr txBox="1"/>
+                <p:nvPr/>
+              </p:nvSpPr>
+              <p:spPr>
+                <a:xfrm>
+                  <a:off x="4585056" y="4976398"/>
+                  <a:ext cx="327609" cy="369332"/>
+                </a:xfrm>
+                <a:prstGeom prst="rect">
+                  <a:avLst/>
+                </a:prstGeom>
+                <a:noFill/>
+              </p:spPr>
+              <p:txBody>
+                <a:bodyPr wrap="square">
+                  <a:spAutoFit/>
+                </a:bodyPr>
+                <a:lstStyle/>
+                <a:p>
+                  <a:pPr/>
+                  <a14:m>
+                    <m:oMathPara xmlns:m="http://schemas.openxmlformats.org/officeDocument/2006/math">
+                      <m:oMathParaPr>
+                        <m:jc m:val="centerGroup"/>
+                      </m:oMathParaPr>
+                      <m:oMath xmlns:m="http://schemas.openxmlformats.org/officeDocument/2006/math">
+                        <m:r>
+                          <a:rPr lang="nb-NO" sz="1800" b="0" i="1" smtClean="0">
+                            <a:latin typeface="Cambria Math" panose="02040503050406030204" pitchFamily="18" charset="0"/>
+                          </a:rPr>
+                          <m:t>0</m:t>
+                        </m:r>
+                      </m:oMath>
+                    </m:oMathPara>
+                  </a14:m>
+                  <a:endParaRPr lang="nb-NO" dirty="0"/>
+                </a:p>
+              </p:txBody>
+            </p:sp>
+          </mc:Choice>
+          <mc:Fallback>
+            <p:sp>
+              <p:nvSpPr>
+                <p:cNvPr id="18" name="TekstSylinder 17">
+                  <a:extLst>
+                    <a:ext uri="{FF2B5EF4-FFF2-40B4-BE49-F238E27FC236}">
+                      <a16:creationId xmlns:a16="http://schemas.microsoft.com/office/drawing/2014/main" id="{AFAD9923-CE6E-1C4F-EDCE-E5BE74B990EF}"/>
+                    </a:ext>
+                  </a:extLst>
+                </p:cNvPr>
+                <p:cNvSpPr txBox="1">
+                  <a:spLocks noRot="1" noChangeAspect="1" noMove="1" noResize="1" noEditPoints="1" noAdjustHandles="1" noChangeArrowheads="1" noChangeShapeType="1" noTextEdit="1"/>
+                </p:cNvSpPr>
+                <p:nvPr/>
+              </p:nvSpPr>
+              <p:spPr>
+                <a:xfrm>
+                  <a:off x="4585056" y="4976398"/>
+                  <a:ext cx="327609" cy="369332"/>
+                </a:xfrm>
+                <a:prstGeom prst="rect">
+                  <a:avLst/>
+                </a:prstGeom>
+                <a:blipFill>
+                  <a:blip r:embed="rId6"/>
+                  <a:stretch>
+                    <a:fillRect/>
+                  </a:stretch>
+                </a:blipFill>
+              </p:spPr>
+              <p:txBody>
+                <a:bodyPr/>
+                <a:lstStyle/>
+                <a:p>
+                  <a:r>
+                    <a:rPr lang="nb-NO">
+                      <a:noFill/>
+                    </a:rPr>
+                    <a:t> </a:t>
+                  </a:r>
+                </a:p>
+              </p:txBody>
+            </p:sp>
+          </mc:Fallback>
+        </mc:AlternateContent>
         <p:cxnSp>
           <p:nvCxnSpPr>
-            <p:cNvPr id="16" name="Straight Connector 15">
+            <p:cNvPr id="21" name="Rett pilkobling 20">
               <a:extLst>
                 <a:ext uri="{FF2B5EF4-FFF2-40B4-BE49-F238E27FC236}">
-                  <a16:creationId xmlns:a16="http://schemas.microsoft.com/office/drawing/2014/main" id="{EFEFDBA9-8580-92E7-2CC7-70A0631215A3}"/>
-                </a:ext>
-              </a:extLst>
-            </p:cNvPr>
-            <p:cNvCxnSpPr>
-              <a:cxnSpLocks/>
-            </p:cNvCxnSpPr>
-            <p:nvPr/>
-          </p:nvCxnSpPr>
-          <p:spPr>
-            <a:xfrm>
-              <a:off x="491613" y="1443184"/>
-              <a:ext cx="0" cy="3770680"/>
-            </a:xfrm>
-            <a:prstGeom prst="line">
-              <a:avLst/>
-            </a:prstGeom>
-            <a:grpFill/>
-            <a:ln w="38100">
-              <a:solidFill>
-                <a:schemeClr val="tx1"/>
-              </a:solidFill>
-            </a:ln>
-          </p:spPr>
-          <p:style>
-            <a:lnRef idx="2">
-              <a:schemeClr val="accent1"/>
-            </a:lnRef>
-            <a:fillRef idx="0">
-              <a:schemeClr val="accent1"/>
-            </a:fillRef>
-            <a:effectRef idx="1">
-              <a:schemeClr val="accent1"/>
-            </a:effectRef>
-            <a:fontRef idx="minor">
-              <a:schemeClr val="tx1"/>
-            </a:fontRef>
-          </p:style>
-        </p:cxnSp>
-        <p:cxnSp>
-          <p:nvCxnSpPr>
-            <p:cNvPr id="19" name="Straight Connector 18">
-              <a:extLst>
-                <a:ext uri="{FF2B5EF4-FFF2-40B4-BE49-F238E27FC236}">
-                  <a16:creationId xmlns:a16="http://schemas.microsoft.com/office/drawing/2014/main" id="{6D1A394F-3C49-85DB-8AF8-5B38D1FF5087}"/>
-                </a:ext>
-              </a:extLst>
-            </p:cNvPr>
-            <p:cNvCxnSpPr>
-              <a:cxnSpLocks/>
-            </p:cNvCxnSpPr>
-            <p:nvPr/>
-          </p:nvCxnSpPr>
-          <p:spPr>
-            <a:xfrm>
-              <a:off x="11742461" y="1443184"/>
-              <a:ext cx="0" cy="3770680"/>
-            </a:xfrm>
-            <a:prstGeom prst="line">
-              <a:avLst/>
-            </a:prstGeom>
-            <a:grpFill/>
-            <a:ln w="38100">
-              <a:solidFill>
-                <a:schemeClr val="tx1"/>
-              </a:solidFill>
-            </a:ln>
-          </p:spPr>
-          <p:style>
-            <a:lnRef idx="2">
-              <a:schemeClr val="accent1"/>
-            </a:lnRef>
-            <a:fillRef idx="0">
-              <a:schemeClr val="accent1"/>
-            </a:fillRef>
-            <a:effectRef idx="1">
-              <a:schemeClr val="accent1"/>
-            </a:effectRef>
-            <a:fontRef idx="minor">
-              <a:schemeClr val="tx1"/>
-            </a:fontRef>
-          </p:style>
-        </p:cxnSp>
-        <p:cxnSp>
-          <p:nvCxnSpPr>
-            <p:cNvPr id="20" name="Straight Connector 19">
-              <a:extLst>
-                <a:ext uri="{FF2B5EF4-FFF2-40B4-BE49-F238E27FC236}">
-                  <a16:creationId xmlns:a16="http://schemas.microsoft.com/office/drawing/2014/main" id="{164463A7-FB0B-6471-3D99-1232BC82E3B5}"/>
-                </a:ext>
-              </a:extLst>
-            </p:cNvPr>
-            <p:cNvCxnSpPr>
-              <a:cxnSpLocks/>
-            </p:cNvCxnSpPr>
-            <p:nvPr/>
-          </p:nvCxnSpPr>
-          <p:spPr>
-            <a:xfrm>
-              <a:off x="8736330" y="1443184"/>
-              <a:ext cx="1813560" cy="3039281"/>
-            </a:xfrm>
-            <a:prstGeom prst="line">
-              <a:avLst/>
-            </a:prstGeom>
-            <a:grpFill/>
-            <a:ln w="38100">
-              <a:solidFill>
-                <a:schemeClr val="tx1"/>
-              </a:solidFill>
-            </a:ln>
-          </p:spPr>
-          <p:style>
-            <a:lnRef idx="2">
-              <a:schemeClr val="accent1"/>
-            </a:lnRef>
-            <a:fillRef idx="0">
-              <a:schemeClr val="accent1"/>
-            </a:fillRef>
-            <a:effectRef idx="1">
-              <a:schemeClr val="accent1"/>
-            </a:effectRef>
-            <a:fontRef idx="minor">
-              <a:schemeClr val="tx1"/>
-            </a:fontRef>
-          </p:style>
-        </p:cxnSp>
-        <p:cxnSp>
-          <p:nvCxnSpPr>
-            <p:cNvPr id="25" name="Straight Connector 24">
-              <a:extLst>
-                <a:ext uri="{FF2B5EF4-FFF2-40B4-BE49-F238E27FC236}">
-                  <a16:creationId xmlns:a16="http://schemas.microsoft.com/office/drawing/2014/main" id="{38F185D6-ADC2-4B37-6B36-1D108FA17383}"/>
+                  <a16:creationId xmlns:a16="http://schemas.microsoft.com/office/drawing/2014/main" id="{77882B11-8DBA-8209-0CBE-93385578CE5F}"/>
                 </a:ext>
               </a:extLst>
             </p:cNvPr>
@@ -16115,28 +18592,26 @@
           </p:nvCxnSpPr>
           <p:spPr>
             <a:xfrm flipH="1">
-              <a:off x="8736330" y="2171598"/>
-              <a:ext cx="1813560" cy="3039281"/>
+              <a:off x="1557569" y="4546458"/>
+              <a:ext cx="6378566" cy="0"/>
             </a:xfrm>
-            <a:prstGeom prst="line">
+            <a:prstGeom prst="straightConnector1">
               <a:avLst/>
             </a:prstGeom>
-            <a:grpFill/>
             <a:ln w="38100">
-              <a:solidFill>
-                <a:schemeClr val="tx1"/>
-              </a:solidFill>
+              <a:headEnd type="none" w="med" len="med"/>
+              <a:tailEnd type="none" w="med" len="med"/>
             </a:ln>
           </p:spPr>
           <p:style>
-            <a:lnRef idx="2">
-              <a:schemeClr val="accent1"/>
+            <a:lnRef idx="1">
+              <a:schemeClr val="dk1"/>
             </a:lnRef>
             <a:fillRef idx="0">
-              <a:schemeClr val="accent1"/>
+              <a:schemeClr val="dk1"/>
             </a:fillRef>
-            <a:effectRef idx="1">
-              <a:schemeClr val="accent1"/>
+            <a:effectRef idx="0">
+              <a:schemeClr val="dk1"/>
             </a:effectRef>
             <a:fontRef idx="minor">
               <a:schemeClr val="tx1"/>
@@ -16145,10 +18620,10 @@
         </p:cxnSp>
         <p:cxnSp>
           <p:nvCxnSpPr>
-            <p:cNvPr id="26" name="Straight Connector 25">
+            <p:cNvPr id="30" name="Rett pilkobling 29">
               <a:extLst>
                 <a:ext uri="{FF2B5EF4-FFF2-40B4-BE49-F238E27FC236}">
-                  <a16:creationId xmlns:a16="http://schemas.microsoft.com/office/drawing/2014/main" id="{7BAFED0C-D050-1B19-6CB6-921D4019B88D}"/>
+                  <a16:creationId xmlns:a16="http://schemas.microsoft.com/office/drawing/2014/main" id="{2D7ADD7B-22E5-8D24-715A-1542F1D15383}"/>
                 </a:ext>
               </a:extLst>
             </p:cNvPr>
@@ -16158,1262 +18633,34 @@
             <p:nvPr/>
           </p:nvCxnSpPr>
           <p:spPr>
-            <a:xfrm>
-              <a:off x="4615180" y="4453890"/>
-              <a:ext cx="772160" cy="0"/>
+            <a:xfrm flipH="1">
+              <a:off x="1557569" y="2308072"/>
+              <a:ext cx="6378566" cy="0"/>
             </a:xfrm>
-            <a:prstGeom prst="line">
+            <a:prstGeom prst="straightConnector1">
               <a:avLst/>
             </a:prstGeom>
-            <a:grpFill/>
             <a:ln w="38100">
-              <a:solidFill>
-                <a:schemeClr val="tx1"/>
-              </a:solidFill>
+              <a:headEnd type="none" w="med" len="med"/>
+              <a:tailEnd type="none" w="med" len="med"/>
             </a:ln>
           </p:spPr>
           <p:style>
-            <a:lnRef idx="2">
-              <a:schemeClr val="accent1"/>
+            <a:lnRef idx="1">
+              <a:schemeClr val="dk1"/>
             </a:lnRef>
             <a:fillRef idx="0">
-              <a:schemeClr val="accent1"/>
+              <a:schemeClr val="dk1"/>
             </a:fillRef>
-            <a:effectRef idx="1">
-              <a:schemeClr val="accent1"/>
+            <a:effectRef idx="0">
+              <a:schemeClr val="dk1"/>
             </a:effectRef>
             <a:fontRef idx="minor">
               <a:schemeClr val="tx1"/>
             </a:fontRef>
           </p:style>
         </p:cxnSp>
-        <p:cxnSp>
-          <p:nvCxnSpPr>
-            <p:cNvPr id="29" name="Straight Connector 28">
-              <a:extLst>
-                <a:ext uri="{FF2B5EF4-FFF2-40B4-BE49-F238E27FC236}">
-                  <a16:creationId xmlns:a16="http://schemas.microsoft.com/office/drawing/2014/main" id="{5021C88A-9E79-1E1E-3251-ABAB99BEE4B6}"/>
-                </a:ext>
-              </a:extLst>
-            </p:cNvPr>
-            <p:cNvCxnSpPr>
-              <a:cxnSpLocks/>
-            </p:cNvCxnSpPr>
-            <p:nvPr/>
-          </p:nvCxnSpPr>
-          <p:spPr>
-            <a:xfrm flipV="1">
-              <a:off x="5001260" y="4453890"/>
-              <a:ext cx="0" cy="756285"/>
-            </a:xfrm>
-            <a:prstGeom prst="line">
-              <a:avLst/>
-            </a:prstGeom>
-            <a:grpFill/>
-            <a:ln w="38100">
-              <a:solidFill>
-                <a:schemeClr val="tx1"/>
-              </a:solidFill>
-            </a:ln>
-          </p:spPr>
-          <p:style>
-            <a:lnRef idx="2">
-              <a:schemeClr val="accent1"/>
-            </a:lnRef>
-            <a:fillRef idx="0">
-              <a:schemeClr val="accent1"/>
-            </a:fillRef>
-            <a:effectRef idx="1">
-              <a:schemeClr val="accent1"/>
-            </a:effectRef>
-            <a:fontRef idx="minor">
-              <a:schemeClr val="tx1"/>
-            </a:fontRef>
-          </p:style>
-        </p:cxnSp>
-        <p:cxnSp>
-          <p:nvCxnSpPr>
-            <p:cNvPr id="34" name="Straight Connector 33">
-              <a:extLst>
-                <a:ext uri="{FF2B5EF4-FFF2-40B4-BE49-F238E27FC236}">
-                  <a16:creationId xmlns:a16="http://schemas.microsoft.com/office/drawing/2014/main" id="{E35BF426-AA0E-F9AA-84DF-503983AF7DC0}"/>
-                </a:ext>
-              </a:extLst>
-            </p:cNvPr>
-            <p:cNvCxnSpPr>
-              <a:cxnSpLocks/>
-            </p:cNvCxnSpPr>
-            <p:nvPr/>
-          </p:nvCxnSpPr>
-          <p:spPr>
-            <a:xfrm flipV="1">
-              <a:off x="5001260" y="1438275"/>
-              <a:ext cx="0" cy="1830705"/>
-            </a:xfrm>
-            <a:prstGeom prst="line">
-              <a:avLst/>
-            </a:prstGeom>
-            <a:grpFill/>
-            <a:ln w="38100">
-              <a:solidFill>
-                <a:schemeClr val="tx1"/>
-              </a:solidFill>
-            </a:ln>
-          </p:spPr>
-          <p:style>
-            <a:lnRef idx="2">
-              <a:schemeClr val="accent1"/>
-            </a:lnRef>
-            <a:fillRef idx="0">
-              <a:schemeClr val="accent1"/>
-            </a:fillRef>
-            <a:effectRef idx="1">
-              <a:schemeClr val="accent1"/>
-            </a:effectRef>
-            <a:fontRef idx="minor">
-              <a:schemeClr val="tx1"/>
-            </a:fontRef>
-          </p:style>
-        </p:cxnSp>
-        <p:cxnSp>
-          <p:nvCxnSpPr>
-            <p:cNvPr id="37" name="Straight Connector 36">
-              <a:extLst>
-                <a:ext uri="{FF2B5EF4-FFF2-40B4-BE49-F238E27FC236}">
-                  <a16:creationId xmlns:a16="http://schemas.microsoft.com/office/drawing/2014/main" id="{D6A406B4-7CDE-8013-0EDE-FD6B16B7A4B4}"/>
-                </a:ext>
-              </a:extLst>
-            </p:cNvPr>
-            <p:cNvCxnSpPr>
-              <a:cxnSpLocks/>
-            </p:cNvCxnSpPr>
-            <p:nvPr/>
-          </p:nvCxnSpPr>
-          <p:spPr>
-            <a:xfrm flipV="1">
-              <a:off x="7233920" y="1438275"/>
-              <a:ext cx="0" cy="1830705"/>
-            </a:xfrm>
-            <a:prstGeom prst="line">
-              <a:avLst/>
-            </a:prstGeom>
-            <a:grpFill/>
-            <a:ln w="38100">
-              <a:solidFill>
-                <a:schemeClr val="tx1"/>
-              </a:solidFill>
-            </a:ln>
-          </p:spPr>
-          <p:style>
-            <a:lnRef idx="2">
-              <a:schemeClr val="accent1"/>
-            </a:lnRef>
-            <a:fillRef idx="0">
-              <a:schemeClr val="accent1"/>
-            </a:fillRef>
-            <a:effectRef idx="1">
-              <a:schemeClr val="accent1"/>
-            </a:effectRef>
-            <a:fontRef idx="minor">
-              <a:schemeClr val="tx1"/>
-            </a:fontRef>
-          </p:style>
-        </p:cxnSp>
-        <p:cxnSp>
-          <p:nvCxnSpPr>
-            <p:cNvPr id="38" name="Straight Connector 37">
-              <a:extLst>
-                <a:ext uri="{FF2B5EF4-FFF2-40B4-BE49-F238E27FC236}">
-                  <a16:creationId xmlns:a16="http://schemas.microsoft.com/office/drawing/2014/main" id="{35914E65-8179-85D9-9271-3E14679172AD}"/>
-                </a:ext>
-              </a:extLst>
-            </p:cNvPr>
-            <p:cNvCxnSpPr>
-              <a:cxnSpLocks/>
-            </p:cNvCxnSpPr>
-            <p:nvPr/>
-          </p:nvCxnSpPr>
-          <p:spPr>
-            <a:xfrm flipV="1">
-              <a:off x="7233920" y="2538412"/>
-              <a:ext cx="0" cy="1830705"/>
-            </a:xfrm>
-            <a:prstGeom prst="line">
-              <a:avLst/>
-            </a:prstGeom>
-            <a:grpFill/>
-            <a:ln w="38100">
-              <a:solidFill>
-                <a:schemeClr val="tx1"/>
-              </a:solidFill>
-            </a:ln>
-          </p:spPr>
-          <p:style>
-            <a:lnRef idx="2">
-              <a:schemeClr val="accent1"/>
-            </a:lnRef>
-            <a:fillRef idx="0">
-              <a:schemeClr val="accent1"/>
-            </a:fillRef>
-            <a:effectRef idx="1">
-              <a:schemeClr val="accent1"/>
-            </a:effectRef>
-            <a:fontRef idx="minor">
-              <a:schemeClr val="tx1"/>
-            </a:fontRef>
-          </p:style>
-        </p:cxnSp>
-        <p:cxnSp>
-          <p:nvCxnSpPr>
-            <p:cNvPr id="39" name="Straight Connector 38">
-              <a:extLst>
-                <a:ext uri="{FF2B5EF4-FFF2-40B4-BE49-F238E27FC236}">
-                  <a16:creationId xmlns:a16="http://schemas.microsoft.com/office/drawing/2014/main" id="{D4274844-8C3E-32EE-DCA5-F8A642DF21FB}"/>
-                </a:ext>
-              </a:extLst>
-            </p:cNvPr>
-            <p:cNvCxnSpPr>
-              <a:cxnSpLocks/>
-            </p:cNvCxnSpPr>
-            <p:nvPr/>
-          </p:nvCxnSpPr>
-          <p:spPr>
-            <a:xfrm>
-              <a:off x="4995545" y="3263265"/>
-              <a:ext cx="2238375" cy="0"/>
-            </a:xfrm>
-            <a:prstGeom prst="line">
-              <a:avLst/>
-            </a:prstGeom>
-            <a:grpFill/>
-            <a:ln w="38100">
-              <a:solidFill>
-                <a:schemeClr val="tx1"/>
-              </a:solidFill>
-            </a:ln>
-          </p:spPr>
-          <p:style>
-            <a:lnRef idx="2">
-              <a:schemeClr val="accent1"/>
-            </a:lnRef>
-            <a:fillRef idx="0">
-              <a:schemeClr val="accent1"/>
-            </a:fillRef>
-            <a:effectRef idx="1">
-              <a:schemeClr val="accent1"/>
-            </a:effectRef>
-            <a:fontRef idx="minor">
-              <a:schemeClr val="tx1"/>
-            </a:fontRef>
-          </p:style>
-        </p:cxnSp>
-        <p:cxnSp>
-          <p:nvCxnSpPr>
-            <p:cNvPr id="41" name="Straight Connector 40">
-              <a:extLst>
-                <a:ext uri="{FF2B5EF4-FFF2-40B4-BE49-F238E27FC236}">
-                  <a16:creationId xmlns:a16="http://schemas.microsoft.com/office/drawing/2014/main" id="{46FCB5C4-27F0-0605-5B8F-4D476C7B5E0B}"/>
-                </a:ext>
-              </a:extLst>
-            </p:cNvPr>
-            <p:cNvCxnSpPr>
-              <a:cxnSpLocks/>
-            </p:cNvCxnSpPr>
-            <p:nvPr/>
-          </p:nvCxnSpPr>
-          <p:spPr>
-            <a:xfrm>
-              <a:off x="7978181" y="1438275"/>
-              <a:ext cx="0" cy="3770680"/>
-            </a:xfrm>
-            <a:prstGeom prst="line">
-              <a:avLst/>
-            </a:prstGeom>
-            <a:grpFill/>
-            <a:ln w="38100">
-              <a:solidFill>
-                <a:schemeClr val="tx1"/>
-              </a:solidFill>
-            </a:ln>
-          </p:spPr>
-          <p:style>
-            <a:lnRef idx="2">
-              <a:schemeClr val="accent1"/>
-            </a:lnRef>
-            <a:fillRef idx="0">
-              <a:schemeClr val="accent1"/>
-            </a:fillRef>
-            <a:effectRef idx="1">
-              <a:schemeClr val="accent1"/>
-            </a:effectRef>
-            <a:fontRef idx="minor">
-              <a:schemeClr val="tx1"/>
-            </a:fontRef>
-          </p:style>
-        </p:cxnSp>
-        <p:cxnSp>
-          <p:nvCxnSpPr>
-            <p:cNvPr id="42" name="Straight Connector 41">
-              <a:extLst>
-                <a:ext uri="{FF2B5EF4-FFF2-40B4-BE49-F238E27FC236}">
-                  <a16:creationId xmlns:a16="http://schemas.microsoft.com/office/drawing/2014/main" id="{94C2075C-BC62-5828-7054-9D0FF2BDDA38}"/>
-                </a:ext>
-              </a:extLst>
-            </p:cNvPr>
-            <p:cNvCxnSpPr>
-              <a:cxnSpLocks/>
-            </p:cNvCxnSpPr>
-            <p:nvPr/>
-          </p:nvCxnSpPr>
-          <p:spPr>
-            <a:xfrm>
-              <a:off x="4244381" y="1438275"/>
-              <a:ext cx="0" cy="3770680"/>
-            </a:xfrm>
-            <a:prstGeom prst="line">
-              <a:avLst/>
-            </a:prstGeom>
-            <a:grpFill/>
-            <a:ln w="38100">
-              <a:solidFill>
-                <a:schemeClr val="tx1"/>
-              </a:solidFill>
-            </a:ln>
-          </p:spPr>
-          <p:style>
-            <a:lnRef idx="2">
-              <a:schemeClr val="accent1"/>
-            </a:lnRef>
-            <a:fillRef idx="0">
-              <a:schemeClr val="accent1"/>
-            </a:fillRef>
-            <a:effectRef idx="1">
-              <a:schemeClr val="accent1"/>
-            </a:effectRef>
-            <a:fontRef idx="minor">
-              <a:schemeClr val="tx1"/>
-            </a:fontRef>
-          </p:style>
-        </p:cxnSp>
-        <p:cxnSp>
-          <p:nvCxnSpPr>
-            <p:cNvPr id="43" name="Straight Connector 42">
-              <a:extLst>
-                <a:ext uri="{FF2B5EF4-FFF2-40B4-BE49-F238E27FC236}">
-                  <a16:creationId xmlns:a16="http://schemas.microsoft.com/office/drawing/2014/main" id="{54300411-D796-19AE-1E7F-1A1C9B024364}"/>
-                </a:ext>
-              </a:extLst>
-            </p:cNvPr>
-            <p:cNvCxnSpPr>
-              <a:cxnSpLocks/>
-            </p:cNvCxnSpPr>
-            <p:nvPr/>
-          </p:nvCxnSpPr>
-          <p:spPr>
-            <a:xfrm>
-              <a:off x="3490001" y="1438275"/>
-              <a:ext cx="0" cy="3015615"/>
-            </a:xfrm>
-            <a:prstGeom prst="line">
-              <a:avLst/>
-            </a:prstGeom>
-            <a:grpFill/>
-            <a:ln w="38100">
-              <a:solidFill>
-                <a:schemeClr val="tx1"/>
-              </a:solidFill>
-            </a:ln>
-          </p:spPr>
-          <p:style>
-            <a:lnRef idx="2">
-              <a:schemeClr val="accent1"/>
-            </a:lnRef>
-            <a:fillRef idx="0">
-              <a:schemeClr val="accent1"/>
-            </a:fillRef>
-            <a:effectRef idx="1">
-              <a:schemeClr val="accent1"/>
-            </a:effectRef>
-            <a:fontRef idx="minor">
-              <a:schemeClr val="tx1"/>
-            </a:fontRef>
-          </p:style>
-        </p:cxnSp>
-        <p:cxnSp>
-          <p:nvCxnSpPr>
-            <p:cNvPr id="45" name="Straight Connector 44">
-              <a:extLst>
-                <a:ext uri="{FF2B5EF4-FFF2-40B4-BE49-F238E27FC236}">
-                  <a16:creationId xmlns:a16="http://schemas.microsoft.com/office/drawing/2014/main" id="{1D614457-060B-777D-E002-2B3521FBB1D3}"/>
-                </a:ext>
-              </a:extLst>
-            </p:cNvPr>
-            <p:cNvCxnSpPr>
-              <a:cxnSpLocks/>
-            </p:cNvCxnSpPr>
-            <p:nvPr/>
-          </p:nvCxnSpPr>
-          <p:spPr>
-            <a:xfrm rot="10800000">
-              <a:off x="1247181" y="2190330"/>
-              <a:ext cx="0" cy="3015615"/>
-            </a:xfrm>
-            <a:prstGeom prst="line">
-              <a:avLst/>
-            </a:prstGeom>
-            <a:grpFill/>
-            <a:ln w="38100">
-              <a:solidFill>
-                <a:schemeClr val="tx1"/>
-              </a:solidFill>
-            </a:ln>
-          </p:spPr>
-          <p:style>
-            <a:lnRef idx="2">
-              <a:schemeClr val="accent1"/>
-            </a:lnRef>
-            <a:fillRef idx="0">
-              <a:schemeClr val="accent1"/>
-            </a:fillRef>
-            <a:effectRef idx="1">
-              <a:schemeClr val="accent1"/>
-            </a:effectRef>
-            <a:fontRef idx="minor">
-              <a:schemeClr val="tx1"/>
-            </a:fontRef>
-          </p:style>
-        </p:cxnSp>
-        <p:sp>
-          <p:nvSpPr>
-            <p:cNvPr id="46" name="Isosceles Triangle 45">
-              <a:extLst>
-                <a:ext uri="{FF2B5EF4-FFF2-40B4-BE49-F238E27FC236}">
-                  <a16:creationId xmlns:a16="http://schemas.microsoft.com/office/drawing/2014/main" id="{2B07BB48-1B17-605A-3B6F-1734A677CB9D}"/>
-                </a:ext>
-              </a:extLst>
-            </p:cNvPr>
-            <p:cNvSpPr/>
-            <p:nvPr/>
-          </p:nvSpPr>
-          <p:spPr>
-            <a:xfrm>
-              <a:off x="1124354" y="1679612"/>
-              <a:ext cx="260978" cy="798700"/>
-            </a:xfrm>
-            <a:prstGeom prst="triangle">
-              <a:avLst>
-                <a:gd name="adj" fmla="val 50730"/>
-              </a:avLst>
-            </a:prstGeom>
-            <a:grpFill/>
-            <a:ln w="38100">
-              <a:solidFill>
-                <a:schemeClr val="tx1"/>
-              </a:solidFill>
-            </a:ln>
-          </p:spPr>
-          <p:style>
-            <a:lnRef idx="2">
-              <a:schemeClr val="accent1">
-                <a:shade val="15000"/>
-              </a:schemeClr>
-            </a:lnRef>
-            <a:fillRef idx="1">
-              <a:schemeClr val="accent1"/>
-            </a:fillRef>
-            <a:effectRef idx="0">
-              <a:schemeClr val="accent1"/>
-            </a:effectRef>
-            <a:fontRef idx="minor">
-              <a:schemeClr val="lt1"/>
-            </a:fontRef>
-          </p:style>
-          <p:txBody>
-            <a:bodyPr rtlCol="0" anchor="ctr"/>
-            <a:lstStyle/>
-            <a:p>
-              <a:pPr algn="ctr"/>
-              <a:endParaRPr lang="en-GB" sz="1350"/>
-            </a:p>
-          </p:txBody>
-        </p:sp>
-        <p:sp>
-          <p:nvSpPr>
-            <p:cNvPr id="47" name="Isosceles Triangle 46">
-              <a:extLst>
-                <a:ext uri="{FF2B5EF4-FFF2-40B4-BE49-F238E27FC236}">
-                  <a16:creationId xmlns:a16="http://schemas.microsoft.com/office/drawing/2014/main" id="{89CE40BA-15AF-39ED-2434-E09990DA0040}"/>
-                </a:ext>
-              </a:extLst>
-            </p:cNvPr>
-            <p:cNvSpPr/>
-            <p:nvPr/>
-          </p:nvSpPr>
-          <p:spPr>
-            <a:xfrm rot="10800000">
-              <a:off x="3369079" y="4186434"/>
-              <a:ext cx="260978" cy="798700"/>
-            </a:xfrm>
-            <a:prstGeom prst="triangle">
-              <a:avLst>
-                <a:gd name="adj" fmla="val 49270"/>
-              </a:avLst>
-            </a:prstGeom>
-            <a:grpFill/>
-            <a:ln w="38100">
-              <a:solidFill>
-                <a:schemeClr val="tx1"/>
-              </a:solidFill>
-            </a:ln>
-          </p:spPr>
-          <p:style>
-            <a:lnRef idx="2">
-              <a:schemeClr val="accent1">
-                <a:shade val="15000"/>
-              </a:schemeClr>
-            </a:lnRef>
-            <a:fillRef idx="1">
-              <a:schemeClr val="accent1"/>
-            </a:fillRef>
-            <a:effectRef idx="0">
-              <a:schemeClr val="accent1"/>
-            </a:effectRef>
-            <a:fontRef idx="minor">
-              <a:schemeClr val="lt1"/>
-            </a:fontRef>
-          </p:style>
-          <p:txBody>
-            <a:bodyPr rtlCol="0" anchor="ctr"/>
-            <a:lstStyle/>
-            <a:p>
-              <a:pPr algn="ctr"/>
-              <a:endParaRPr lang="en-GB" sz="1350" dirty="0"/>
-            </a:p>
-          </p:txBody>
-        </p:sp>
-        <p:sp>
-          <p:nvSpPr>
-            <p:cNvPr id="48" name="Isosceles Triangle 47">
-              <a:extLst>
-                <a:ext uri="{FF2B5EF4-FFF2-40B4-BE49-F238E27FC236}">
-                  <a16:creationId xmlns:a16="http://schemas.microsoft.com/office/drawing/2014/main" id="{BFB2E371-4027-4E2D-272C-6D2E06EE579D}"/>
-                </a:ext>
-              </a:extLst>
-            </p:cNvPr>
-            <p:cNvSpPr/>
-            <p:nvPr/>
-          </p:nvSpPr>
-          <p:spPr>
-            <a:xfrm rot="10800000">
-              <a:off x="7108511" y="4191256"/>
-              <a:ext cx="260978" cy="798700"/>
-            </a:xfrm>
-            <a:prstGeom prst="triangle">
-              <a:avLst>
-                <a:gd name="adj" fmla="val 49270"/>
-              </a:avLst>
-            </a:prstGeom>
-            <a:grpFill/>
-            <a:ln w="38100">
-              <a:solidFill>
-                <a:schemeClr val="tx1"/>
-              </a:solidFill>
-            </a:ln>
-          </p:spPr>
-          <p:style>
-            <a:lnRef idx="2">
-              <a:schemeClr val="accent1">
-                <a:shade val="15000"/>
-              </a:schemeClr>
-            </a:lnRef>
-            <a:fillRef idx="1">
-              <a:schemeClr val="accent1"/>
-            </a:fillRef>
-            <a:effectRef idx="0">
-              <a:schemeClr val="accent1"/>
-            </a:effectRef>
-            <a:fontRef idx="minor">
-              <a:schemeClr val="lt1"/>
-            </a:fontRef>
-          </p:style>
-          <p:txBody>
-            <a:bodyPr rtlCol="0" anchor="ctr"/>
-            <a:lstStyle/>
-            <a:p>
-              <a:pPr algn="ctr"/>
-              <a:endParaRPr lang="en-GB" sz="1350"/>
-            </a:p>
-          </p:txBody>
-        </p:sp>
-        <p:sp>
-          <p:nvSpPr>
-            <p:cNvPr id="49" name="Isosceles Triangle 48">
-              <a:extLst>
-                <a:ext uri="{FF2B5EF4-FFF2-40B4-BE49-F238E27FC236}">
-                  <a16:creationId xmlns:a16="http://schemas.microsoft.com/office/drawing/2014/main" id="{C60B7BE1-94A4-EB8F-A8AE-AB10C1726B85}"/>
-                </a:ext>
-              </a:extLst>
-            </p:cNvPr>
-            <p:cNvSpPr/>
-            <p:nvPr/>
-          </p:nvSpPr>
-          <p:spPr>
-            <a:xfrm rot="8915598">
-              <a:off x="10535903" y="4325262"/>
-              <a:ext cx="260978" cy="798700"/>
-            </a:xfrm>
-            <a:prstGeom prst="triangle">
-              <a:avLst>
-                <a:gd name="adj" fmla="val 49270"/>
-              </a:avLst>
-            </a:prstGeom>
-            <a:grpFill/>
-            <a:ln w="38100">
-              <a:solidFill>
-                <a:schemeClr val="tx1"/>
-              </a:solidFill>
-            </a:ln>
-          </p:spPr>
-          <p:style>
-            <a:lnRef idx="2">
-              <a:schemeClr val="accent1">
-                <a:shade val="15000"/>
-              </a:schemeClr>
-            </a:lnRef>
-            <a:fillRef idx="1">
-              <a:schemeClr val="accent1"/>
-            </a:fillRef>
-            <a:effectRef idx="0">
-              <a:schemeClr val="accent1"/>
-            </a:effectRef>
-            <a:fontRef idx="minor">
-              <a:schemeClr val="lt1"/>
-            </a:fontRef>
-          </p:style>
-          <p:txBody>
-            <a:bodyPr rtlCol="0" anchor="ctr"/>
-            <a:lstStyle/>
-            <a:p>
-              <a:pPr algn="ctr"/>
-              <a:endParaRPr lang="en-GB" sz="1350" dirty="0"/>
-            </a:p>
-          </p:txBody>
-        </p:sp>
-        <p:sp>
-          <p:nvSpPr>
-            <p:cNvPr id="50" name="Isosceles Triangle 49">
-              <a:extLst>
-                <a:ext uri="{FF2B5EF4-FFF2-40B4-BE49-F238E27FC236}">
-                  <a16:creationId xmlns:a16="http://schemas.microsoft.com/office/drawing/2014/main" id="{180355D6-FAA6-36AA-B4B4-5FCE7E2E5B6E}"/>
-                </a:ext>
-              </a:extLst>
-            </p:cNvPr>
-            <p:cNvSpPr/>
-            <p:nvPr/>
-          </p:nvSpPr>
-          <p:spPr>
-            <a:xfrm rot="12684402" flipV="1">
-              <a:off x="10562786" y="1533086"/>
-              <a:ext cx="260978" cy="798700"/>
-            </a:xfrm>
-            <a:prstGeom prst="triangle">
-              <a:avLst>
-                <a:gd name="adj" fmla="val 49270"/>
-              </a:avLst>
-            </a:prstGeom>
-            <a:grpFill/>
-            <a:ln w="38100">
-              <a:solidFill>
-                <a:schemeClr val="tx1"/>
-              </a:solidFill>
-            </a:ln>
-          </p:spPr>
-          <p:style>
-            <a:lnRef idx="2">
-              <a:schemeClr val="accent1">
-                <a:shade val="15000"/>
-              </a:schemeClr>
-            </a:lnRef>
-            <a:fillRef idx="1">
-              <a:schemeClr val="accent1"/>
-            </a:fillRef>
-            <a:effectRef idx="0">
-              <a:schemeClr val="accent1"/>
-            </a:effectRef>
-            <a:fontRef idx="minor">
-              <a:schemeClr val="lt1"/>
-            </a:fontRef>
-          </p:style>
-          <p:txBody>
-            <a:bodyPr rtlCol="0" anchor="ctr"/>
-            <a:lstStyle/>
-            <a:p>
-              <a:pPr algn="ctr"/>
-              <a:endParaRPr lang="en-GB" sz="1350" dirty="0"/>
-            </a:p>
-          </p:txBody>
-        </p:sp>
-        <p:sp>
-          <p:nvSpPr>
-            <p:cNvPr id="51" name="Oval 50">
-              <a:extLst>
-                <a:ext uri="{FF2B5EF4-FFF2-40B4-BE49-F238E27FC236}">
-                  <a16:creationId xmlns:a16="http://schemas.microsoft.com/office/drawing/2014/main" id="{18B68CF8-4599-A03B-FC1A-BEC37E35FED4}"/>
-                </a:ext>
-              </a:extLst>
-            </p:cNvPr>
-            <p:cNvSpPr/>
-            <p:nvPr/>
-          </p:nvSpPr>
-          <p:spPr>
-            <a:xfrm>
-              <a:off x="6972383" y="3008001"/>
-              <a:ext cx="527601" cy="517440"/>
-            </a:xfrm>
-            <a:prstGeom prst="ellipse">
-              <a:avLst/>
-            </a:prstGeom>
-            <a:grpFill/>
-            <a:ln w="38100">
-              <a:solidFill>
-                <a:schemeClr val="tx1"/>
-              </a:solidFill>
-            </a:ln>
-          </p:spPr>
-          <p:style>
-            <a:lnRef idx="2">
-              <a:schemeClr val="accent1">
-                <a:shade val="15000"/>
-              </a:schemeClr>
-            </a:lnRef>
-            <a:fillRef idx="1">
-              <a:schemeClr val="accent1"/>
-            </a:fillRef>
-            <a:effectRef idx="0">
-              <a:schemeClr val="accent1"/>
-            </a:effectRef>
-            <a:fontRef idx="minor">
-              <a:schemeClr val="lt1"/>
-            </a:fontRef>
-          </p:style>
-          <p:txBody>
-            <a:bodyPr rtlCol="0" anchor="ctr"/>
-            <a:lstStyle/>
-            <a:p>
-              <a:pPr algn="ctr"/>
-              <a:endParaRPr lang="en-GB" sz="1350"/>
-            </a:p>
-          </p:txBody>
-        </p:sp>
       </p:grpSp>
-      <p:cxnSp>
-        <p:nvCxnSpPr>
-          <p:cNvPr id="2" name="Rett pilkobling 1">
-            <a:extLst>
-              <a:ext uri="{FF2B5EF4-FFF2-40B4-BE49-F238E27FC236}">
-                <a16:creationId xmlns:a16="http://schemas.microsoft.com/office/drawing/2014/main" id="{C2956756-3184-EF38-6D24-EDFE73D52426}"/>
-              </a:ext>
-            </a:extLst>
-          </p:cNvPr>
-          <p:cNvCxnSpPr>
-            <a:cxnSpLocks/>
-          </p:cNvCxnSpPr>
-          <p:nvPr/>
-        </p:nvCxnSpPr>
-        <p:spPr>
-          <a:xfrm flipH="1">
-            <a:off x="1504860" y="4976399"/>
-            <a:ext cx="6481370" cy="8647"/>
-          </a:xfrm>
-          <a:prstGeom prst="straightConnector1">
-            <a:avLst/>
-          </a:prstGeom>
-          <a:ln w="38100">
-            <a:solidFill>
-              <a:schemeClr val="tx1"/>
-            </a:solidFill>
-            <a:tailEnd type="triangle"/>
-          </a:ln>
-        </p:spPr>
-        <p:style>
-          <a:lnRef idx="2">
-            <a:schemeClr val="accent1"/>
-          </a:lnRef>
-          <a:fillRef idx="0">
-            <a:schemeClr val="accent1"/>
-          </a:fillRef>
-          <a:effectRef idx="1">
-            <a:schemeClr val="accent1"/>
-          </a:effectRef>
-          <a:fontRef idx="minor">
-            <a:schemeClr val="tx1"/>
-          </a:fontRef>
-        </p:style>
-      </p:cxnSp>
-      <p:sp>
-        <p:nvSpPr>
-          <p:cNvPr id="3" name="TekstSylinder 2">
-            <a:extLst>
-              <a:ext uri="{FF2B5EF4-FFF2-40B4-BE49-F238E27FC236}">
-                <a16:creationId xmlns:a16="http://schemas.microsoft.com/office/drawing/2014/main" id="{24AEC0F2-0EF7-C4B2-9498-A7128B4DF308}"/>
-              </a:ext>
-            </a:extLst>
-          </p:cNvPr>
-          <p:cNvSpPr txBox="1"/>
-          <p:nvPr/>
-        </p:nvSpPr>
-        <p:spPr>
-          <a:xfrm>
-            <a:off x="4504296" y="4983478"/>
-            <a:ext cx="477882" cy="369332"/>
-          </a:xfrm>
-          <a:prstGeom prst="rect">
-            <a:avLst/>
-          </a:prstGeom>
-          <a:noFill/>
-        </p:spPr>
-        <p:txBody>
-          <a:bodyPr wrap="square" rtlCol="0">
-            <a:spAutoFit/>
-          </a:bodyPr>
-          <a:lstStyle/>
-          <a:p>
-            <a:pPr algn="ctr"/>
-            <a:r>
-              <a:rPr lang="nb-NO" dirty="0"/>
-              <a:t>0</a:t>
-            </a:r>
-          </a:p>
-        </p:txBody>
-      </p:sp>
-      <p:sp>
-        <p:nvSpPr>
-          <p:cNvPr id="4" name="TekstSylinder 3">
-            <a:extLst>
-              <a:ext uri="{FF2B5EF4-FFF2-40B4-BE49-F238E27FC236}">
-                <a16:creationId xmlns:a16="http://schemas.microsoft.com/office/drawing/2014/main" id="{8CBC5CA5-BF62-841A-7177-298D83DB3E3C}"/>
-              </a:ext>
-            </a:extLst>
-          </p:cNvPr>
-          <p:cNvSpPr txBox="1"/>
-          <p:nvPr/>
-        </p:nvSpPr>
-        <p:spPr>
-          <a:xfrm>
-            <a:off x="7633714" y="4985044"/>
-            <a:ext cx="477882" cy="369332"/>
-          </a:xfrm>
-          <a:prstGeom prst="rect">
-            <a:avLst/>
-          </a:prstGeom>
-          <a:noFill/>
-        </p:spPr>
-        <p:txBody>
-          <a:bodyPr wrap="square" rtlCol="0">
-            <a:spAutoFit/>
-          </a:bodyPr>
-          <a:lstStyle/>
-          <a:p>
-            <a:pPr algn="ctr"/>
-            <a:r>
-              <a:rPr lang="nb-NO" dirty="0"/>
-              <a:t>-1</a:t>
-            </a:r>
-          </a:p>
-        </p:txBody>
-      </p:sp>
-      <p:sp>
-        <p:nvSpPr>
-          <p:cNvPr id="5" name="TekstSylinder 4">
-            <a:extLst>
-              <a:ext uri="{FF2B5EF4-FFF2-40B4-BE49-F238E27FC236}">
-                <a16:creationId xmlns:a16="http://schemas.microsoft.com/office/drawing/2014/main" id="{B4580EEE-80CA-9F4E-1706-1945FB8CC9B8}"/>
-              </a:ext>
-            </a:extLst>
-          </p:cNvPr>
-          <p:cNvSpPr txBox="1"/>
-          <p:nvPr/>
-        </p:nvSpPr>
-        <p:spPr>
-          <a:xfrm>
-            <a:off x="959854" y="4791733"/>
-            <a:ext cx="797741" cy="369332"/>
-          </a:xfrm>
-          <a:prstGeom prst="rect">
-            <a:avLst/>
-          </a:prstGeom>
-          <a:noFill/>
-        </p:spPr>
-        <p:txBody>
-          <a:bodyPr wrap="square" rtlCol="0">
-            <a:spAutoFit/>
-          </a:bodyPr>
-          <a:lstStyle/>
-          <a:p>
-            <a:pPr algn="ctr"/>
-            <a:r>
-              <a:rPr lang="nb-NO" dirty="0"/>
-              <a:t>u</a:t>
-            </a:r>
-          </a:p>
-        </p:txBody>
-      </p:sp>
-      <p:sp>
-        <p:nvSpPr>
-          <p:cNvPr id="6" name="TekstSylinder 5">
-            <a:extLst>
-              <a:ext uri="{FF2B5EF4-FFF2-40B4-BE49-F238E27FC236}">
-                <a16:creationId xmlns:a16="http://schemas.microsoft.com/office/drawing/2014/main" id="{19D70139-5182-CE34-2205-69A9FA4BF43C}"/>
-              </a:ext>
-            </a:extLst>
-          </p:cNvPr>
-          <p:cNvSpPr txBox="1"/>
-          <p:nvPr/>
-        </p:nvSpPr>
-        <p:spPr>
-          <a:xfrm>
-            <a:off x="4096060" y="5379997"/>
-            <a:ext cx="1295058" cy="369332"/>
-          </a:xfrm>
-          <a:prstGeom prst="rect">
-            <a:avLst/>
-          </a:prstGeom>
-          <a:noFill/>
-        </p:spPr>
-        <p:txBody>
-          <a:bodyPr wrap="square" rtlCol="0">
-            <a:spAutoFit/>
-          </a:bodyPr>
-          <a:lstStyle/>
-          <a:p>
-            <a:pPr algn="ctr"/>
-            <a:r>
-              <a:rPr lang="nb-NO" dirty="0" err="1"/>
-              <a:t>Deadband</a:t>
-            </a:r>
-            <a:endParaRPr lang="nb-NO" dirty="0"/>
-          </a:p>
-        </p:txBody>
-      </p:sp>
-      <p:cxnSp>
-        <p:nvCxnSpPr>
-          <p:cNvPr id="8" name="Rett pilkobling 7">
-            <a:extLst>
-              <a:ext uri="{FF2B5EF4-FFF2-40B4-BE49-F238E27FC236}">
-                <a16:creationId xmlns:a16="http://schemas.microsoft.com/office/drawing/2014/main" id="{AD298335-62D6-0190-50F1-FE19BA795BD6}"/>
-              </a:ext>
-            </a:extLst>
-          </p:cNvPr>
-          <p:cNvCxnSpPr>
-            <a:cxnSpLocks/>
-          </p:cNvCxnSpPr>
-          <p:nvPr/>
-        </p:nvCxnSpPr>
-        <p:spPr>
-          <a:xfrm>
-            <a:off x="3734794" y="5381565"/>
-            <a:ext cx="1995488" cy="0"/>
-          </a:xfrm>
-          <a:prstGeom prst="straightConnector1">
-            <a:avLst/>
-          </a:prstGeom>
-          <a:ln w="38100">
-            <a:solidFill>
-              <a:schemeClr val="tx1"/>
-            </a:solidFill>
-            <a:headEnd type="triangle"/>
-            <a:tailEnd type="triangle"/>
-          </a:ln>
-        </p:spPr>
-        <p:style>
-          <a:lnRef idx="2">
-            <a:schemeClr val="accent1"/>
-          </a:lnRef>
-          <a:fillRef idx="0">
-            <a:schemeClr val="accent1"/>
-          </a:fillRef>
-          <a:effectRef idx="1">
-            <a:schemeClr val="accent1"/>
-          </a:effectRef>
-          <a:fontRef idx="minor">
-            <a:schemeClr val="tx1"/>
-          </a:fontRef>
-        </p:style>
-      </p:cxnSp>
-      <p:sp>
-        <p:nvSpPr>
-          <p:cNvPr id="12" name="TekstSylinder 11">
-            <a:extLst>
-              <a:ext uri="{FF2B5EF4-FFF2-40B4-BE49-F238E27FC236}">
-                <a16:creationId xmlns:a16="http://schemas.microsoft.com/office/drawing/2014/main" id="{BB9A21C7-B601-FE4E-E68A-6F41C3AABFE4}"/>
-              </a:ext>
-            </a:extLst>
-          </p:cNvPr>
-          <p:cNvSpPr txBox="1"/>
-          <p:nvPr/>
-        </p:nvSpPr>
-        <p:spPr>
-          <a:xfrm>
-            <a:off x="5141117" y="4530971"/>
-            <a:ext cx="477882" cy="369332"/>
-          </a:xfrm>
-          <a:prstGeom prst="rect">
-            <a:avLst/>
-          </a:prstGeom>
-          <a:noFill/>
-        </p:spPr>
-        <p:txBody>
-          <a:bodyPr wrap="square" rtlCol="0">
-            <a:spAutoFit/>
-          </a:bodyPr>
-          <a:lstStyle/>
-          <a:p>
-            <a:pPr algn="ctr"/>
-            <a:r>
-              <a:rPr lang="nb-NO" dirty="0"/>
-              <a:t>T</a:t>
-            </a:r>
-          </a:p>
-        </p:txBody>
-      </p:sp>
-      <p:sp>
-        <p:nvSpPr>
-          <p:cNvPr id="13" name="TekstSylinder 12">
-            <a:extLst>
-              <a:ext uri="{FF2B5EF4-FFF2-40B4-BE49-F238E27FC236}">
-                <a16:creationId xmlns:a16="http://schemas.microsoft.com/office/drawing/2014/main" id="{488E2ABD-47D1-88B1-B5DD-EBD778F2ABBD}"/>
-              </a:ext>
-            </a:extLst>
-          </p:cNvPr>
-          <p:cNvSpPr txBox="1"/>
-          <p:nvPr/>
-        </p:nvSpPr>
-        <p:spPr>
-          <a:xfrm>
-            <a:off x="3895388" y="4530971"/>
-            <a:ext cx="477882" cy="369332"/>
-          </a:xfrm>
-          <a:prstGeom prst="rect">
-            <a:avLst/>
-          </a:prstGeom>
-          <a:noFill/>
-        </p:spPr>
-        <p:txBody>
-          <a:bodyPr wrap="square" rtlCol="0">
-            <a:spAutoFit/>
-          </a:bodyPr>
-          <a:lstStyle/>
-          <a:p>
-            <a:pPr algn="ctr"/>
-            <a:r>
-              <a:rPr lang="nb-NO" dirty="0"/>
-              <a:t>P</a:t>
-            </a:r>
-          </a:p>
-        </p:txBody>
-      </p:sp>
-      <p:sp>
-        <p:nvSpPr>
-          <p:cNvPr id="15" name="TekstSylinder 14">
-            <a:extLst>
-              <a:ext uri="{FF2B5EF4-FFF2-40B4-BE49-F238E27FC236}">
-                <a16:creationId xmlns:a16="http://schemas.microsoft.com/office/drawing/2014/main" id="{1BCD8CA0-203A-697C-30B6-321F8E51F269}"/>
-              </a:ext>
-            </a:extLst>
-          </p:cNvPr>
-          <p:cNvSpPr txBox="1"/>
-          <p:nvPr/>
-        </p:nvSpPr>
-        <p:spPr>
-          <a:xfrm>
-            <a:off x="5141117" y="1961599"/>
-            <a:ext cx="477882" cy="369332"/>
-          </a:xfrm>
-          <a:prstGeom prst="rect">
-            <a:avLst/>
-          </a:prstGeom>
-          <a:noFill/>
-        </p:spPr>
-        <p:txBody>
-          <a:bodyPr wrap="square" rtlCol="0">
-            <a:spAutoFit/>
-          </a:bodyPr>
-          <a:lstStyle/>
-          <a:p>
-            <a:pPr algn="ctr"/>
-            <a:r>
-              <a:rPr lang="nb-NO" dirty="0"/>
-              <a:t>B</a:t>
-            </a:r>
-          </a:p>
-        </p:txBody>
-      </p:sp>
-      <p:sp>
-        <p:nvSpPr>
-          <p:cNvPr id="17" name="TekstSylinder 16">
-            <a:extLst>
-              <a:ext uri="{FF2B5EF4-FFF2-40B4-BE49-F238E27FC236}">
-                <a16:creationId xmlns:a16="http://schemas.microsoft.com/office/drawing/2014/main" id="{FA36ACB0-185E-C757-771A-8DE821C0A86D}"/>
-              </a:ext>
-            </a:extLst>
-          </p:cNvPr>
-          <p:cNvSpPr txBox="1"/>
-          <p:nvPr/>
-        </p:nvSpPr>
-        <p:spPr>
-          <a:xfrm>
-            <a:off x="3895388" y="1961599"/>
-            <a:ext cx="477882" cy="369332"/>
-          </a:xfrm>
-          <a:prstGeom prst="rect">
-            <a:avLst/>
-          </a:prstGeom>
-          <a:noFill/>
-        </p:spPr>
-        <p:txBody>
-          <a:bodyPr wrap="square" rtlCol="0">
-            <a:spAutoFit/>
-          </a:bodyPr>
-          <a:lstStyle/>
-          <a:p>
-            <a:pPr algn="ctr"/>
-            <a:r>
-              <a:rPr lang="nb-NO" dirty="0"/>
-              <a:t>A</a:t>
-            </a:r>
-          </a:p>
-        </p:txBody>
-      </p:sp>
-      <p:sp>
-        <p:nvSpPr>
-          <p:cNvPr id="22" name="TekstSylinder 21">
-            <a:extLst>
-              <a:ext uri="{FF2B5EF4-FFF2-40B4-BE49-F238E27FC236}">
-                <a16:creationId xmlns:a16="http://schemas.microsoft.com/office/drawing/2014/main" id="{BDA92AB8-06B8-782C-1323-33FB1930B14B}"/>
-              </a:ext>
-            </a:extLst>
-          </p:cNvPr>
-          <p:cNvSpPr txBox="1"/>
-          <p:nvPr/>
-        </p:nvSpPr>
-        <p:spPr>
-          <a:xfrm>
-            <a:off x="1461144" y="4985044"/>
-            <a:ext cx="477882" cy="369332"/>
-          </a:xfrm>
-          <a:prstGeom prst="rect">
-            <a:avLst/>
-          </a:prstGeom>
-          <a:noFill/>
-        </p:spPr>
-        <p:txBody>
-          <a:bodyPr wrap="square" rtlCol="0">
-            <a:spAutoFit/>
-          </a:bodyPr>
-          <a:lstStyle/>
-          <a:p>
-            <a:pPr algn="ctr"/>
-            <a:r>
-              <a:rPr lang="nb-NO" dirty="0"/>
-              <a:t>1</a:t>
-            </a:r>
-          </a:p>
-        </p:txBody>
-      </p:sp>
-      <p:cxnSp>
-        <p:nvCxnSpPr>
-          <p:cNvPr id="23" name="Straight Connector 41">
-            <a:extLst>
-              <a:ext uri="{FF2B5EF4-FFF2-40B4-BE49-F238E27FC236}">
-                <a16:creationId xmlns:a16="http://schemas.microsoft.com/office/drawing/2014/main" id="{21AB6E35-B747-FB4B-25B1-60475269B672}"/>
-              </a:ext>
-            </a:extLst>
-          </p:cNvPr>
-          <p:cNvCxnSpPr>
-            <a:cxnSpLocks/>
-          </p:cNvCxnSpPr>
-          <p:nvPr/>
-        </p:nvCxnSpPr>
-        <p:spPr>
-          <a:xfrm>
-            <a:off x="3684759" y="3434527"/>
-            <a:ext cx="408" cy="2071635"/>
-          </a:xfrm>
-          <a:prstGeom prst="line">
-            <a:avLst/>
-          </a:prstGeom>
-          <a:solidFill>
-            <a:schemeClr val="tx1"/>
-          </a:solidFill>
-          <a:ln w="38100">
-            <a:solidFill>
-              <a:schemeClr val="tx1"/>
-            </a:solidFill>
-            <a:prstDash val="dash"/>
-          </a:ln>
-        </p:spPr>
-        <p:style>
-          <a:lnRef idx="2">
-            <a:schemeClr val="accent1"/>
-          </a:lnRef>
-          <a:fillRef idx="0">
-            <a:schemeClr val="accent1"/>
-          </a:fillRef>
-          <a:effectRef idx="1">
-            <a:schemeClr val="accent1"/>
-          </a:effectRef>
-          <a:fontRef idx="minor">
-            <a:schemeClr val="tx1"/>
-          </a:fontRef>
-        </p:style>
-      </p:cxnSp>
-      <p:cxnSp>
-        <p:nvCxnSpPr>
-          <p:cNvPr id="24" name="Straight Connector 41">
-            <a:extLst>
-              <a:ext uri="{FF2B5EF4-FFF2-40B4-BE49-F238E27FC236}">
-                <a16:creationId xmlns:a16="http://schemas.microsoft.com/office/drawing/2014/main" id="{36B931A7-ED24-114C-E1F9-1163E8D5F386}"/>
-              </a:ext>
-            </a:extLst>
-          </p:cNvPr>
-          <p:cNvCxnSpPr>
-            <a:cxnSpLocks/>
-          </p:cNvCxnSpPr>
-          <p:nvPr/>
-        </p:nvCxnSpPr>
-        <p:spPr>
-          <a:xfrm flipH="1">
-            <a:off x="5802011" y="3434527"/>
-            <a:ext cx="348" cy="2071635"/>
-          </a:xfrm>
-          <a:prstGeom prst="line">
-            <a:avLst/>
-          </a:prstGeom>
-          <a:solidFill>
-            <a:schemeClr val="tx1"/>
-          </a:solidFill>
-          <a:ln w="38100">
-            <a:solidFill>
-              <a:schemeClr val="tx1"/>
-            </a:solidFill>
-            <a:prstDash val="dash"/>
-          </a:ln>
-        </p:spPr>
-        <p:style>
-          <a:lnRef idx="2">
-            <a:schemeClr val="accent1"/>
-          </a:lnRef>
-          <a:fillRef idx="0">
-            <a:schemeClr val="accent1"/>
-          </a:fillRef>
-          <a:effectRef idx="1">
-            <a:schemeClr val="accent1"/>
-          </a:effectRef>
-          <a:fontRef idx="minor">
-            <a:schemeClr val="tx1"/>
-          </a:fontRef>
-        </p:style>
-      </p:cxnSp>
     </p:spTree>
     <p:extLst>
       <p:ext uri="{BB962C8B-B14F-4D97-AF65-F5344CB8AC3E}">

--- a/Presentasjoner for rapport/DCV, opening area to control signal.pptx
+++ b/Presentasjoner for rapport/DCV, opening area to control signal.pptx
@@ -198,7 +198,7 @@
           <a:p>
             <a:fld id="{3AD5DD35-7873-444F-A162-20C42412A267}" type="datetimeFigureOut">
               <a:rPr lang="nb-NO" smtClean="0"/>
-              <a:t>08.05.2025</a:t>
+              <a:t>12.05.2025</a:t>
             </a:fld>
             <a:endParaRPr lang="nb-NO"/>
           </a:p>
@@ -774,7 +774,7 @@
           <a:p>
             <a:fld id="{F9E1C1C1-CD45-423F-837F-3577C5ACD647}" type="datetimeFigureOut">
               <a:rPr lang="nb-NO" smtClean="0"/>
-              <a:t>08.05.2025</a:t>
+              <a:t>12.05.2025</a:t>
             </a:fld>
             <a:endParaRPr lang="nb-NO"/>
           </a:p>
@@ -944,7 +944,7 @@
           <a:p>
             <a:fld id="{F9E1C1C1-CD45-423F-837F-3577C5ACD647}" type="datetimeFigureOut">
               <a:rPr lang="nb-NO" smtClean="0"/>
-              <a:t>08.05.2025</a:t>
+              <a:t>12.05.2025</a:t>
             </a:fld>
             <a:endParaRPr lang="nb-NO"/>
           </a:p>
@@ -1124,7 +1124,7 @@
           <a:p>
             <a:fld id="{F9E1C1C1-CD45-423F-837F-3577C5ACD647}" type="datetimeFigureOut">
               <a:rPr lang="nb-NO" smtClean="0"/>
-              <a:t>08.05.2025</a:t>
+              <a:t>12.05.2025</a:t>
             </a:fld>
             <a:endParaRPr lang="nb-NO"/>
           </a:p>
@@ -1294,7 +1294,7 @@
           <a:p>
             <a:fld id="{F9E1C1C1-CD45-423F-837F-3577C5ACD647}" type="datetimeFigureOut">
               <a:rPr lang="nb-NO" smtClean="0"/>
-              <a:t>08.05.2025</a:t>
+              <a:t>12.05.2025</a:t>
             </a:fld>
             <a:endParaRPr lang="nb-NO"/>
           </a:p>
@@ -1540,7 +1540,7 @@
           <a:p>
             <a:fld id="{F9E1C1C1-CD45-423F-837F-3577C5ACD647}" type="datetimeFigureOut">
               <a:rPr lang="nb-NO" smtClean="0"/>
-              <a:t>08.05.2025</a:t>
+              <a:t>12.05.2025</a:t>
             </a:fld>
             <a:endParaRPr lang="nb-NO"/>
           </a:p>
@@ -1772,7 +1772,7 @@
           <a:p>
             <a:fld id="{F9E1C1C1-CD45-423F-837F-3577C5ACD647}" type="datetimeFigureOut">
               <a:rPr lang="nb-NO" smtClean="0"/>
-              <a:t>08.05.2025</a:t>
+              <a:t>12.05.2025</a:t>
             </a:fld>
             <a:endParaRPr lang="nb-NO"/>
           </a:p>
@@ -2139,7 +2139,7 @@
           <a:p>
             <a:fld id="{F9E1C1C1-CD45-423F-837F-3577C5ACD647}" type="datetimeFigureOut">
               <a:rPr lang="nb-NO" smtClean="0"/>
-              <a:t>08.05.2025</a:t>
+              <a:t>12.05.2025</a:t>
             </a:fld>
             <a:endParaRPr lang="nb-NO"/>
           </a:p>
@@ -2257,7 +2257,7 @@
           <a:p>
             <a:fld id="{F9E1C1C1-CD45-423F-837F-3577C5ACD647}" type="datetimeFigureOut">
               <a:rPr lang="nb-NO" smtClean="0"/>
-              <a:t>08.05.2025</a:t>
+              <a:t>12.05.2025</a:t>
             </a:fld>
             <a:endParaRPr lang="nb-NO"/>
           </a:p>
@@ -2352,7 +2352,7 @@
           <a:p>
             <a:fld id="{F9E1C1C1-CD45-423F-837F-3577C5ACD647}" type="datetimeFigureOut">
               <a:rPr lang="nb-NO" smtClean="0"/>
-              <a:t>08.05.2025</a:t>
+              <a:t>12.05.2025</a:t>
             </a:fld>
             <a:endParaRPr lang="nb-NO"/>
           </a:p>
@@ -2629,7 +2629,7 @@
           <a:p>
             <a:fld id="{F9E1C1C1-CD45-423F-837F-3577C5ACD647}" type="datetimeFigureOut">
               <a:rPr lang="nb-NO" smtClean="0"/>
-              <a:t>08.05.2025</a:t>
+              <a:t>12.05.2025</a:t>
             </a:fld>
             <a:endParaRPr lang="nb-NO"/>
           </a:p>
@@ -2886,7 +2886,7 @@
           <a:p>
             <a:fld id="{F9E1C1C1-CD45-423F-837F-3577C5ACD647}" type="datetimeFigureOut">
               <a:rPr lang="nb-NO" smtClean="0"/>
-              <a:t>08.05.2025</a:t>
+              <a:t>12.05.2025</a:t>
             </a:fld>
             <a:endParaRPr lang="nb-NO"/>
           </a:p>
@@ -3099,7 +3099,7 @@
           <a:p>
             <a:fld id="{F9E1C1C1-CD45-423F-837F-3577C5ACD647}" type="datetimeFigureOut">
               <a:rPr lang="nb-NO" smtClean="0"/>
-              <a:t>08.05.2025</a:t>
+              <a:t>12.05.2025</a:t>
             </a:fld>
             <a:endParaRPr lang="nb-NO"/>
           </a:p>
@@ -16768,10 +16768,10 @@
         </p:nvGrpSpPr>
         <p:grpSpPr>
           <a:xfrm>
-            <a:off x="1194919" y="1961599"/>
-            <a:ext cx="6864078" cy="3787730"/>
-            <a:chOff x="1194919" y="1961599"/>
-            <a:chExt cx="6864078" cy="3787730"/>
+            <a:off x="1167117" y="1898898"/>
+            <a:ext cx="6891880" cy="4027744"/>
+            <a:chOff x="1167117" y="1898898"/>
+            <a:chExt cx="6891880" cy="4027744"/>
           </a:xfrm>
         </p:grpSpPr>
         <p:grpSp>
@@ -17255,8 +17255,8 @@
             </p:nvCxnSpPr>
             <p:spPr>
               <a:xfrm flipV="1">
-                <a:off x="7233920" y="2538412"/>
-                <a:ext cx="0" cy="1830705"/>
+                <a:off x="7233919" y="2538413"/>
+                <a:ext cx="2" cy="2642025"/>
               </a:xfrm>
               <a:prstGeom prst="line">
                 <a:avLst/>
@@ -17613,60 +17613,6 @@
           </p:sp>
           <p:sp>
             <p:nvSpPr>
-              <p:cNvPr id="48" name="Isosceles Triangle 47">
-                <a:extLst>
-                  <a:ext uri="{FF2B5EF4-FFF2-40B4-BE49-F238E27FC236}">
-                    <a16:creationId xmlns:a16="http://schemas.microsoft.com/office/drawing/2014/main" id="{BFB2E371-4027-4E2D-272C-6D2E06EE579D}"/>
-                  </a:ext>
-                </a:extLst>
-              </p:cNvPr>
-              <p:cNvSpPr/>
-              <p:nvPr/>
-            </p:nvSpPr>
-            <p:spPr>
-              <a:xfrm rot="10800000">
-                <a:off x="7108511" y="4191256"/>
-                <a:ext cx="260978" cy="798700"/>
-              </a:xfrm>
-              <a:prstGeom prst="triangle">
-                <a:avLst>
-                  <a:gd name="adj" fmla="val 49270"/>
-                </a:avLst>
-              </a:prstGeom>
-              <a:grpFill/>
-              <a:ln w="38100">
-                <a:solidFill>
-                  <a:schemeClr val="tx1"/>
-                </a:solidFill>
-              </a:ln>
-            </p:spPr>
-            <p:style>
-              <a:lnRef idx="2">
-                <a:schemeClr val="accent1">
-                  <a:shade val="15000"/>
-                </a:schemeClr>
-              </a:lnRef>
-              <a:fillRef idx="1">
-                <a:schemeClr val="accent1"/>
-              </a:fillRef>
-              <a:effectRef idx="0">
-                <a:schemeClr val="accent1"/>
-              </a:effectRef>
-              <a:fontRef idx="minor">
-                <a:schemeClr val="lt1"/>
-              </a:fontRef>
-            </p:style>
-            <p:txBody>
-              <a:bodyPr rtlCol="0" anchor="ctr"/>
-              <a:lstStyle/>
-              <a:p>
-                <a:pPr algn="ctr"/>
-                <a:endParaRPr lang="en-GB" sz="1350"/>
-              </a:p>
-            </p:txBody>
-          </p:sp>
-          <p:sp>
-            <p:nvSpPr>
               <p:cNvPr id="49" name="Isosceles Triangle 48">
                 <a:extLst>
                   <a:ext uri="{FF2B5EF4-FFF2-40B4-BE49-F238E27FC236}">
@@ -17886,8 +17832,8 @@
           </p:nvSpPr>
           <p:spPr>
             <a:xfrm>
-              <a:off x="4096060" y="5379997"/>
-              <a:ext cx="1295058" cy="369332"/>
+              <a:off x="3717025" y="5464977"/>
+              <a:ext cx="2057040" cy="461665"/>
             </a:xfrm>
             <a:prstGeom prst="rect">
               <a:avLst/>
@@ -17902,7 +17848,7 @@
             <a:p>
               <a:pPr algn="ctr"/>
               <a:r>
-                <a:rPr lang="nb-NO" dirty="0" err="1"/>
+                <a:rPr lang="nb-NO" sz="2400" dirty="0" err="1"/>
                 <a:t>Deadband</a:t>
               </a:r>
               <a:endParaRPr lang="nb-NO" dirty="0"/>
@@ -17969,7 +17915,7 @@
           <p:spPr>
             <a:xfrm>
               <a:off x="5141117" y="4530971"/>
-              <a:ext cx="477882" cy="369332"/>
+              <a:ext cx="477882" cy="461665"/>
             </a:xfrm>
             <a:prstGeom prst="rect">
               <a:avLst/>
@@ -17984,9 +17930,10 @@
             <a:p>
               <a:pPr algn="ctr"/>
               <a:r>
-                <a:rPr lang="nb-NO" dirty="0"/>
+                <a:rPr lang="nb-NO" sz="2400" dirty="0"/>
                 <a:t>T</a:t>
               </a:r>
+              <a:endParaRPr lang="nb-NO" dirty="0"/>
             </a:p>
           </p:txBody>
         </p:sp>
@@ -18005,7 +17952,7 @@
           <p:spPr>
             <a:xfrm>
               <a:off x="3895388" y="4530971"/>
-              <a:ext cx="477882" cy="369332"/>
+              <a:ext cx="477882" cy="461665"/>
             </a:xfrm>
             <a:prstGeom prst="rect">
               <a:avLst/>
@@ -18020,9 +17967,10 @@
             <a:p>
               <a:pPr algn="ctr"/>
               <a:r>
-                <a:rPr lang="nb-NO" dirty="0"/>
+                <a:rPr lang="nb-NO" sz="2400" dirty="0"/>
                 <a:t>P</a:t>
               </a:r>
+              <a:endParaRPr lang="nb-NO" dirty="0"/>
             </a:p>
           </p:txBody>
         </p:sp>
@@ -18040,8 +17988,8 @@
           </p:nvSpPr>
           <p:spPr>
             <a:xfrm>
-              <a:off x="5141117" y="1961599"/>
-              <a:ext cx="477882" cy="369332"/>
+              <a:off x="5141117" y="1904528"/>
+              <a:ext cx="477882" cy="461665"/>
             </a:xfrm>
             <a:prstGeom prst="rect">
               <a:avLst/>
@@ -18056,9 +18004,10 @@
             <a:p>
               <a:pPr algn="ctr"/>
               <a:r>
-                <a:rPr lang="nb-NO" dirty="0"/>
+                <a:rPr lang="nb-NO" sz="2400" dirty="0"/>
                 <a:t>B</a:t>
               </a:r>
+              <a:endParaRPr lang="nb-NO" dirty="0"/>
             </a:p>
           </p:txBody>
         </p:sp>
@@ -18076,8 +18025,8 @@
           </p:nvSpPr>
           <p:spPr>
             <a:xfrm>
-              <a:off x="3895388" y="1961599"/>
-              <a:ext cx="477882" cy="369332"/>
+              <a:off x="3895388" y="1898898"/>
+              <a:ext cx="477882" cy="461665"/>
             </a:xfrm>
             <a:prstGeom prst="rect">
               <a:avLst/>
@@ -18092,7 +18041,7 @@
             <a:p>
               <a:pPr algn="ctr"/>
               <a:r>
-                <a:rPr lang="nb-NO" dirty="0"/>
+                <a:rPr lang="nb-NO" sz="2400" dirty="0"/>
                 <a:t>A</a:t>
               </a:r>
             </a:p>
@@ -18208,8 +18157,8 @@
               </p:nvSpPr>
               <p:spPr>
                 <a:xfrm>
-                  <a:off x="1194919" y="4798812"/>
-                  <a:ext cx="327609" cy="369332"/>
+                  <a:off x="1167117" y="4745565"/>
+                  <a:ext cx="327609" cy="461665"/>
                 </a:xfrm>
                 <a:prstGeom prst="rect">
                   <a:avLst/>
@@ -18230,7 +18179,7 @@
                       </m:oMathParaPr>
                       <m:oMath xmlns:m="http://schemas.openxmlformats.org/officeDocument/2006/math">
                         <m:r>
-                          <a:rPr lang="nb-NO" sz="1800" b="0" i="1" smtClean="0">
+                          <a:rPr lang="nb-NO" sz="2400" b="0" i="1" smtClean="0">
                             <a:latin typeface="Cambria Math" panose="02040503050406030204" pitchFamily="18" charset="0"/>
                           </a:rPr>
                           <m:t>𝑢</m:t>
@@ -18260,8 +18209,8 @@
               </p:nvSpPr>
               <p:spPr>
                 <a:xfrm>
-                  <a:off x="1194919" y="4798812"/>
-                  <a:ext cx="327609" cy="369332"/>
+                  <a:off x="1167117" y="4745565"/>
+                  <a:ext cx="327609" cy="461665"/>
                 </a:xfrm>
                 <a:prstGeom prst="rect">
                   <a:avLst/>
@@ -18269,7 +18218,7 @@
                 <a:blipFill>
                   <a:blip r:embed="rId3"/>
                   <a:stretch>
-                    <a:fillRect/>
+                    <a:fillRect r="-5556"/>
                   </a:stretch>
                 </a:blipFill>
               </p:spPr>
@@ -18305,7 +18254,7 @@
               <p:spPr>
                 <a:xfrm>
                   <a:off x="7597035" y="4976398"/>
-                  <a:ext cx="461962" cy="369332"/>
+                  <a:ext cx="461962" cy="461665"/>
                 </a:xfrm>
                 <a:prstGeom prst="rect">
                   <a:avLst/>
@@ -18326,7 +18275,7 @@
                       </m:oMathParaPr>
                       <m:oMath xmlns:m="http://schemas.openxmlformats.org/officeDocument/2006/math">
                         <m:r>
-                          <a:rPr lang="nb-NO" sz="1800" b="0" i="1" smtClean="0">
+                          <a:rPr lang="nb-NO" sz="2400" b="0" i="1" smtClean="0">
                             <a:latin typeface="Cambria Math" panose="02040503050406030204" pitchFamily="18" charset="0"/>
                           </a:rPr>
                           <m:t>−1</m:t>
@@ -18334,7 +18283,7 @@
                       </m:oMath>
                     </m:oMathPara>
                   </a14:m>
-                  <a:endParaRPr lang="nb-NO" dirty="0"/>
+                  <a:endParaRPr lang="nb-NO" sz="2400" dirty="0"/>
                 </a:p>
               </p:txBody>
             </p:sp>
@@ -18357,7 +18306,7 @@
               <p:spPr>
                 <a:xfrm>
                   <a:off x="7597035" y="4976398"/>
-                  <a:ext cx="461962" cy="369332"/>
+                  <a:ext cx="461962" cy="461665"/>
                 </a:xfrm>
                 <a:prstGeom prst="rect">
                   <a:avLst/>
@@ -18365,7 +18314,7 @@
                 <a:blipFill>
                   <a:blip r:embed="rId4"/>
                   <a:stretch>
-                    <a:fillRect r="-2632"/>
+                    <a:fillRect r="-28947"/>
                   </a:stretch>
                 </a:blipFill>
               </p:spPr>
@@ -18401,7 +18350,7 @@
               <p:spPr>
                 <a:xfrm>
                   <a:off x="1546965" y="4983478"/>
-                  <a:ext cx="327609" cy="369332"/>
+                  <a:ext cx="327609" cy="461665"/>
                 </a:xfrm>
                 <a:prstGeom prst="rect">
                   <a:avLst/>
@@ -18422,7 +18371,7 @@
                       </m:oMathParaPr>
                       <m:oMath xmlns:m="http://schemas.openxmlformats.org/officeDocument/2006/math">
                         <m:r>
-                          <a:rPr lang="nb-NO" sz="1800" b="0" i="1" smtClean="0">
+                          <a:rPr lang="nb-NO" sz="2400" b="0" i="1" smtClean="0">
                             <a:latin typeface="Cambria Math" panose="02040503050406030204" pitchFamily="18" charset="0"/>
                           </a:rPr>
                           <m:t>1</m:t>
@@ -18453,7 +18402,7 @@
               <p:spPr>
                 <a:xfrm>
                   <a:off x="1546965" y="4983478"/>
-                  <a:ext cx="327609" cy="369332"/>
+                  <a:ext cx="327609" cy="461665"/>
                 </a:xfrm>
                 <a:prstGeom prst="rect">
                   <a:avLst/>
@@ -18461,7 +18410,7 @@
                 <a:blipFill>
                   <a:blip r:embed="rId5"/>
                   <a:stretch>
-                    <a:fillRect/>
+                    <a:fillRect l="-5556" r="-11111"/>
                   </a:stretch>
                 </a:blipFill>
               </p:spPr>
@@ -18496,8 +18445,8 @@
               </p:nvSpPr>
               <p:spPr>
                 <a:xfrm>
-                  <a:off x="4585056" y="4976398"/>
-                  <a:ext cx="327609" cy="369332"/>
+                  <a:off x="4585056" y="4943105"/>
+                  <a:ext cx="327609" cy="461665"/>
                 </a:xfrm>
                 <a:prstGeom prst="rect">
                   <a:avLst/>
@@ -18518,7 +18467,7 @@
                       </m:oMathParaPr>
                       <m:oMath xmlns:m="http://schemas.openxmlformats.org/officeDocument/2006/math">
                         <m:r>
-                          <a:rPr lang="nb-NO" sz="1800" b="0" i="1" smtClean="0">
+                          <a:rPr lang="nb-NO" sz="2400" b="0" i="1" smtClean="0">
                             <a:latin typeface="Cambria Math" panose="02040503050406030204" pitchFamily="18" charset="0"/>
                           </a:rPr>
                           <m:t>0</m:t>
@@ -18526,7 +18475,7 @@
                       </m:oMath>
                     </m:oMathPara>
                   </a14:m>
-                  <a:endParaRPr lang="nb-NO" dirty="0"/>
+                  <a:endParaRPr lang="nb-NO" sz="2400" dirty="0"/>
                 </a:p>
               </p:txBody>
             </p:sp>
@@ -18548,8 +18497,8 @@
               </p:nvSpPr>
               <p:spPr>
                 <a:xfrm>
-                  <a:off x="4585056" y="4976398"/>
-                  <a:ext cx="327609" cy="369332"/>
+                  <a:off x="4585056" y="4943105"/>
+                  <a:ext cx="327609" cy="461665"/>
                 </a:xfrm>
                 <a:prstGeom prst="rect">
                   <a:avLst/>
@@ -18557,7 +18506,7 @@
                 <a:blipFill>
                   <a:blip r:embed="rId6"/>
                   <a:stretch>
-                    <a:fillRect/>
+                    <a:fillRect l="-3704" r="-12963"/>
                   </a:stretch>
                 </a:blipFill>
               </p:spPr>

--- a/Presentasjoner for rapport/DCV, opening area to control signal.pptx
+++ b/Presentasjoner for rapport/DCV, opening area to control signal.pptx
@@ -198,7 +198,7 @@
           <a:p>
             <a:fld id="{3AD5DD35-7873-444F-A162-20C42412A267}" type="datetimeFigureOut">
               <a:rPr lang="nb-NO" smtClean="0"/>
-              <a:t>12.05.2025</a:t>
+              <a:t>19.05.2025</a:t>
             </a:fld>
             <a:endParaRPr lang="nb-NO"/>
           </a:p>
@@ -774,7 +774,7 @@
           <a:p>
             <a:fld id="{F9E1C1C1-CD45-423F-837F-3577C5ACD647}" type="datetimeFigureOut">
               <a:rPr lang="nb-NO" smtClean="0"/>
-              <a:t>12.05.2025</a:t>
+              <a:t>19.05.2025</a:t>
             </a:fld>
             <a:endParaRPr lang="nb-NO"/>
           </a:p>
@@ -944,7 +944,7 @@
           <a:p>
             <a:fld id="{F9E1C1C1-CD45-423F-837F-3577C5ACD647}" type="datetimeFigureOut">
               <a:rPr lang="nb-NO" smtClean="0"/>
-              <a:t>12.05.2025</a:t>
+              <a:t>19.05.2025</a:t>
             </a:fld>
             <a:endParaRPr lang="nb-NO"/>
           </a:p>
@@ -1124,7 +1124,7 @@
           <a:p>
             <a:fld id="{F9E1C1C1-CD45-423F-837F-3577C5ACD647}" type="datetimeFigureOut">
               <a:rPr lang="nb-NO" smtClean="0"/>
-              <a:t>12.05.2025</a:t>
+              <a:t>19.05.2025</a:t>
             </a:fld>
             <a:endParaRPr lang="nb-NO"/>
           </a:p>
@@ -1294,7 +1294,7 @@
           <a:p>
             <a:fld id="{F9E1C1C1-CD45-423F-837F-3577C5ACD647}" type="datetimeFigureOut">
               <a:rPr lang="nb-NO" smtClean="0"/>
-              <a:t>12.05.2025</a:t>
+              <a:t>19.05.2025</a:t>
             </a:fld>
             <a:endParaRPr lang="nb-NO"/>
           </a:p>
@@ -1540,7 +1540,7 @@
           <a:p>
             <a:fld id="{F9E1C1C1-CD45-423F-837F-3577C5ACD647}" type="datetimeFigureOut">
               <a:rPr lang="nb-NO" smtClean="0"/>
-              <a:t>12.05.2025</a:t>
+              <a:t>19.05.2025</a:t>
             </a:fld>
             <a:endParaRPr lang="nb-NO"/>
           </a:p>
@@ -1772,7 +1772,7 @@
           <a:p>
             <a:fld id="{F9E1C1C1-CD45-423F-837F-3577C5ACD647}" type="datetimeFigureOut">
               <a:rPr lang="nb-NO" smtClean="0"/>
-              <a:t>12.05.2025</a:t>
+              <a:t>19.05.2025</a:t>
             </a:fld>
             <a:endParaRPr lang="nb-NO"/>
           </a:p>
@@ -2139,7 +2139,7 @@
           <a:p>
             <a:fld id="{F9E1C1C1-CD45-423F-837F-3577C5ACD647}" type="datetimeFigureOut">
               <a:rPr lang="nb-NO" smtClean="0"/>
-              <a:t>12.05.2025</a:t>
+              <a:t>19.05.2025</a:t>
             </a:fld>
             <a:endParaRPr lang="nb-NO"/>
           </a:p>
@@ -2257,7 +2257,7 @@
           <a:p>
             <a:fld id="{F9E1C1C1-CD45-423F-837F-3577C5ACD647}" type="datetimeFigureOut">
               <a:rPr lang="nb-NO" smtClean="0"/>
-              <a:t>12.05.2025</a:t>
+              <a:t>19.05.2025</a:t>
             </a:fld>
             <a:endParaRPr lang="nb-NO"/>
           </a:p>
@@ -2352,7 +2352,7 @@
           <a:p>
             <a:fld id="{F9E1C1C1-CD45-423F-837F-3577C5ACD647}" type="datetimeFigureOut">
               <a:rPr lang="nb-NO" smtClean="0"/>
-              <a:t>12.05.2025</a:t>
+              <a:t>19.05.2025</a:t>
             </a:fld>
             <a:endParaRPr lang="nb-NO"/>
           </a:p>
@@ -2629,7 +2629,7 @@
           <a:p>
             <a:fld id="{F9E1C1C1-CD45-423F-837F-3577C5ACD647}" type="datetimeFigureOut">
               <a:rPr lang="nb-NO" smtClean="0"/>
-              <a:t>12.05.2025</a:t>
+              <a:t>19.05.2025</a:t>
             </a:fld>
             <a:endParaRPr lang="nb-NO"/>
           </a:p>
@@ -2886,7 +2886,7 @@
           <a:p>
             <a:fld id="{F9E1C1C1-CD45-423F-837F-3577C5ACD647}" type="datetimeFigureOut">
               <a:rPr lang="nb-NO" smtClean="0"/>
-              <a:t>12.05.2025</a:t>
+              <a:t>19.05.2025</a:t>
             </a:fld>
             <a:endParaRPr lang="nb-NO"/>
           </a:p>
@@ -3099,7 +3099,7 @@
           <a:p>
             <a:fld id="{F9E1C1C1-CD45-423F-837F-3577C5ACD647}" type="datetimeFigureOut">
               <a:rPr lang="nb-NO" smtClean="0"/>
-              <a:t>12.05.2025</a:t>
+              <a:t>19.05.2025</a:t>
             </a:fld>
             <a:endParaRPr lang="nb-NO"/>
           </a:p>
@@ -16822,7 +16822,7 @@
                 <a:avLst/>
               </a:prstGeom>
               <a:grpFill/>
-              <a:ln w="38100">
+              <a:ln w="19050">
                 <a:solidFill>
                   <a:schemeClr val="tx1"/>
                 </a:solidFill>
@@ -16866,7 +16866,7 @@
                 <a:avLst/>
               </a:prstGeom>
               <a:grpFill/>
-              <a:ln w="38100">
+              <a:ln w="19050">
                 <a:solidFill>
                   <a:schemeClr val="tx1"/>
                 </a:solidFill>
@@ -16910,7 +16910,7 @@
                 <a:avLst/>
               </a:prstGeom>
               <a:grpFill/>
-              <a:ln w="38100">
+              <a:ln w="19050">
                 <a:solidFill>
                   <a:schemeClr val="tx1"/>
                 </a:solidFill>
@@ -16954,7 +16954,7 @@
                 <a:avLst/>
               </a:prstGeom>
               <a:grpFill/>
-              <a:ln w="38100">
+              <a:ln w="19050">
                 <a:solidFill>
                   <a:schemeClr val="tx1"/>
                 </a:solidFill>
@@ -16998,7 +16998,7 @@
                 <a:avLst/>
               </a:prstGeom>
               <a:grpFill/>
-              <a:ln w="38100">
+              <a:ln w="19050">
                 <a:solidFill>
                   <a:schemeClr val="tx1"/>
                 </a:solidFill>
@@ -17042,7 +17042,7 @@
                 <a:avLst/>
               </a:prstGeom>
               <a:grpFill/>
-              <a:ln w="38100">
+              <a:ln w="19050">
                 <a:solidFill>
                   <a:schemeClr val="tx1"/>
                 </a:solidFill>
@@ -17086,7 +17086,7 @@
                 <a:avLst/>
               </a:prstGeom>
               <a:grpFill/>
-              <a:ln w="38100">
+              <a:ln w="19050">
                 <a:solidFill>
                   <a:schemeClr val="tx1"/>
                 </a:solidFill>
@@ -17130,7 +17130,7 @@
                 <a:avLst/>
               </a:prstGeom>
               <a:grpFill/>
-              <a:ln w="38100">
+              <a:ln w="19050">
                 <a:solidFill>
                   <a:schemeClr val="tx1"/>
                 </a:solidFill>
@@ -17174,7 +17174,7 @@
                 <a:avLst/>
               </a:prstGeom>
               <a:grpFill/>
-              <a:ln w="38100">
+              <a:ln w="19050">
                 <a:solidFill>
                   <a:schemeClr val="tx1"/>
                 </a:solidFill>
@@ -17218,7 +17218,7 @@
                 <a:avLst/>
               </a:prstGeom>
               <a:grpFill/>
-              <a:ln w="38100">
+              <a:ln w="19050">
                 <a:solidFill>
                   <a:schemeClr val="tx1"/>
                 </a:solidFill>
@@ -17262,7 +17262,7 @@
                 <a:avLst/>
               </a:prstGeom>
               <a:grpFill/>
-              <a:ln w="38100">
+              <a:ln w="19050">
                 <a:solidFill>
                   <a:schemeClr val="tx1"/>
                 </a:solidFill>
@@ -17306,7 +17306,7 @@
                 <a:avLst/>
               </a:prstGeom>
               <a:grpFill/>
-              <a:ln w="38100">
+              <a:ln w="19050">
                 <a:solidFill>
                   <a:schemeClr val="tx1"/>
                 </a:solidFill>
@@ -17350,7 +17350,7 @@
                 <a:avLst/>
               </a:prstGeom>
               <a:grpFill/>
-              <a:ln w="38100">
+              <a:ln w="19050">
                 <a:solidFill>
                   <a:schemeClr val="tx1"/>
                 </a:solidFill>
@@ -17394,7 +17394,7 @@
                 <a:avLst/>
               </a:prstGeom>
               <a:grpFill/>
-              <a:ln w="38100">
+              <a:ln w="19050">
                 <a:solidFill>
                   <a:schemeClr val="tx1"/>
                 </a:solidFill>
@@ -17438,7 +17438,7 @@
                 <a:avLst/>
               </a:prstGeom>
               <a:grpFill/>
-              <a:ln w="38100">
+              <a:ln w="19050">
                 <a:solidFill>
                   <a:schemeClr val="tx1"/>
                 </a:solidFill>
@@ -17482,7 +17482,7 @@
                 <a:avLst/>
               </a:prstGeom>
               <a:grpFill/>
-              <a:ln w="38100">
+              <a:ln w="19050">
                 <a:solidFill>
                   <a:schemeClr val="tx1"/>
                 </a:solidFill>
@@ -17526,7 +17526,7 @@
                 </a:avLst>
               </a:prstGeom>
               <a:grpFill/>
-              <a:ln w="38100">
+              <a:ln w="19050">
                 <a:solidFill>
                   <a:schemeClr val="tx1"/>
                 </a:solidFill>
@@ -17580,7 +17580,7 @@
                 </a:avLst>
               </a:prstGeom>
               <a:grpFill/>
-              <a:ln w="38100">
+              <a:ln w="19050">
                 <a:solidFill>
                   <a:schemeClr val="tx1"/>
                 </a:solidFill>
@@ -17634,7 +17634,7 @@
                 </a:avLst>
               </a:prstGeom>
               <a:grpFill/>
-              <a:ln w="38100">
+              <a:ln w="19050">
                 <a:solidFill>
                   <a:schemeClr val="tx1"/>
                 </a:solidFill>
@@ -17688,7 +17688,7 @@
                 </a:avLst>
               </a:prstGeom>
               <a:grpFill/>
-              <a:ln w="38100">
+              <a:ln w="19050">
                 <a:solidFill>
                   <a:schemeClr val="tx1"/>
                 </a:solidFill>
@@ -17742,7 +17742,7 @@
                 <a:avLst/>
               </a:prstGeom>
               <a:grpFill/>
-              <a:ln w="38100">
+              <a:ln w="19050">
                 <a:solidFill>
                   <a:schemeClr val="tx1"/>
                 </a:solidFill>
@@ -17796,7 +17796,7 @@
             <a:prstGeom prst="straightConnector1">
               <a:avLst/>
             </a:prstGeom>
-            <a:ln w="38100">
+            <a:ln w="19050">
               <a:solidFill>
                 <a:schemeClr val="tx1"/>
               </a:solidFill>
@@ -17839,6 +17839,9 @@
               <a:avLst/>
             </a:prstGeom>
             <a:noFill/>
+            <a:ln w="19050">
+              <a:noFill/>
+            </a:ln>
           </p:spPr>
           <p:txBody>
             <a:bodyPr wrap="square" rtlCol="0">
@@ -17877,7 +17880,7 @@
             <a:prstGeom prst="straightConnector1">
               <a:avLst/>
             </a:prstGeom>
-            <a:ln w="38100">
+            <a:ln w="19050">
               <a:solidFill>
                 <a:schemeClr val="tx1"/>
               </a:solidFill>
@@ -17921,6 +17924,9 @@
               <a:avLst/>
             </a:prstGeom>
             <a:noFill/>
+            <a:ln w="19050">
+              <a:noFill/>
+            </a:ln>
           </p:spPr>
           <p:txBody>
             <a:bodyPr wrap="square" rtlCol="0">
@@ -17958,6 +17964,9 @@
               <a:avLst/>
             </a:prstGeom>
             <a:noFill/>
+            <a:ln w="19050">
+              <a:noFill/>
+            </a:ln>
           </p:spPr>
           <p:txBody>
             <a:bodyPr wrap="square" rtlCol="0">
@@ -17995,6 +18004,9 @@
               <a:avLst/>
             </a:prstGeom>
             <a:noFill/>
+            <a:ln w="19050">
+              <a:noFill/>
+            </a:ln>
           </p:spPr>
           <p:txBody>
             <a:bodyPr wrap="square" rtlCol="0">
@@ -18032,6 +18044,9 @@
               <a:avLst/>
             </a:prstGeom>
             <a:noFill/>
+            <a:ln w="19050">
+              <a:noFill/>
+            </a:ln>
           </p:spPr>
           <p:txBody>
             <a:bodyPr wrap="square" rtlCol="0">
@@ -18072,7 +18087,7 @@
             <a:solidFill>
               <a:schemeClr val="tx1"/>
             </a:solidFill>
-            <a:ln w="38100">
+            <a:ln w="19050">
               <a:solidFill>
                 <a:schemeClr val="tx1"/>
               </a:solidFill>
@@ -18119,7 +18134,7 @@
             <a:solidFill>
               <a:schemeClr val="tx1"/>
             </a:solidFill>
-            <a:ln w="38100">
+            <a:ln w="19050">
               <a:solidFill>
                 <a:schemeClr val="tx1"/>
               </a:solidFill>
@@ -18164,6 +18179,9 @@
                   <a:avLst/>
                 </a:prstGeom>
                 <a:noFill/>
+                <a:ln w="19050">
+                  <a:noFill/>
+                </a:ln>
               </p:spPr>
               <p:txBody>
                 <a:bodyPr wrap="square">
@@ -18221,6 +18239,9 @@
                     <a:fillRect r="-5556"/>
                   </a:stretch>
                 </a:blipFill>
+                <a:ln w="19050">
+                  <a:noFill/>
+                </a:ln>
               </p:spPr>
               <p:txBody>
                 <a:bodyPr/>
@@ -18260,6 +18281,9 @@
                   <a:avLst/>
                 </a:prstGeom>
                 <a:noFill/>
+                <a:ln w="19050">
+                  <a:noFill/>
+                </a:ln>
               </p:spPr>
               <p:txBody>
                 <a:bodyPr wrap="square">
@@ -18317,6 +18341,9 @@
                     <a:fillRect r="-28947"/>
                   </a:stretch>
                 </a:blipFill>
+                <a:ln w="19050">
+                  <a:noFill/>
+                </a:ln>
               </p:spPr>
               <p:txBody>
                 <a:bodyPr/>
@@ -18356,6 +18383,9 @@
                   <a:avLst/>
                 </a:prstGeom>
                 <a:noFill/>
+                <a:ln w="19050">
+                  <a:noFill/>
+                </a:ln>
               </p:spPr>
               <p:txBody>
                 <a:bodyPr wrap="square">
@@ -18413,6 +18443,9 @@
                     <a:fillRect l="-5556" r="-11111"/>
                   </a:stretch>
                 </a:blipFill>
+                <a:ln w="19050">
+                  <a:noFill/>
+                </a:ln>
               </p:spPr>
               <p:txBody>
                 <a:bodyPr/>
@@ -18452,6 +18485,9 @@
                   <a:avLst/>
                 </a:prstGeom>
                 <a:noFill/>
+                <a:ln w="19050">
+                  <a:noFill/>
+                </a:ln>
               </p:spPr>
               <p:txBody>
                 <a:bodyPr wrap="square">
@@ -18509,6 +18545,9 @@
                     <a:fillRect l="-3704" r="-12963"/>
                   </a:stretch>
                 </a:blipFill>
+                <a:ln w="19050">
+                  <a:noFill/>
+                </a:ln>
               </p:spPr>
               <p:txBody>
                 <a:bodyPr/>
@@ -18547,7 +18586,7 @@
             <a:prstGeom prst="straightConnector1">
               <a:avLst/>
             </a:prstGeom>
-            <a:ln w="38100">
+            <a:ln w="19050">
               <a:headEnd type="none" w="med" len="med"/>
               <a:tailEnd type="none" w="med" len="med"/>
             </a:ln>
@@ -18589,7 +18628,7 @@
             <a:prstGeom prst="straightConnector1">
               <a:avLst/>
             </a:prstGeom>
-            <a:ln w="38100">
+            <a:ln w="19050">
               <a:headEnd type="none" w="med" len="med"/>
               <a:tailEnd type="none" w="med" len="med"/>
             </a:ln>
